--- a/分享/JavaScript_this.pptx
+++ b/分享/JavaScript_this.pptx
@@ -5,23 +5,29 @@
     <p:sldMasterId id="2147483648" r:id="rId1"/>
   </p:sldMasterIdLst>
   <p:notesMasterIdLst>
-    <p:notesMasterId r:id="rId4"/>
+    <p:notesMasterId r:id="rId19"/>
   </p:notesMasterIdLst>
   <p:sldIdLst>
-    <p:sldId id="257" r:id="rId3"/>
-    <p:sldId id="258" r:id="rId5"/>
-    <p:sldId id="264" r:id="rId6"/>
-    <p:sldId id="262" r:id="rId7"/>
-    <p:sldId id="270" r:id="rId8"/>
-    <p:sldId id="272" r:id="rId9"/>
-    <p:sldId id="271" r:id="rId10"/>
-    <p:sldId id="263" r:id="rId11"/>
-    <p:sldId id="277" r:id="rId12"/>
-    <p:sldId id="268" r:id="rId13"/>
-    <p:sldId id="259" r:id="rId14"/>
+    <p:sldId id="257" r:id="rId2"/>
+    <p:sldId id="258" r:id="rId3"/>
+    <p:sldId id="264" r:id="rId4"/>
+    <p:sldId id="262" r:id="rId5"/>
+    <p:sldId id="270" r:id="rId6"/>
+    <p:sldId id="272" r:id="rId7"/>
+    <p:sldId id="271" r:id="rId8"/>
+    <p:sldId id="263" r:id="rId9"/>
+    <p:sldId id="278" r:id="rId10"/>
+    <p:sldId id="279" r:id="rId11"/>
+    <p:sldId id="280" r:id="rId12"/>
+    <p:sldId id="281" r:id="rId13"/>
+    <p:sldId id="282" r:id="rId14"/>
+    <p:sldId id="284" r:id="rId15"/>
+    <p:sldId id="277" r:id="rId16"/>
+    <p:sldId id="268" r:id="rId17"/>
+    <p:sldId id="259" r:id="rId18"/>
   </p:sldIdLst>
   <p:sldSz cx="12192000" cy="6858000"/>
-  <p:notesSz cx="7103745" cy="10234295"/>
+  <p:notesSz cx="7104063" cy="10234613"/>
   <p:defaultTextStyle>
     <a:defPPr>
       <a:defRPr lang="zh-CN"/>
@@ -202,6 +208,7 @@
           <a:p>
             <a:fld id="{D2A48B96-639E-45A3-A0BA-2464DFDB1FAA}" type="datetimeFigureOut">
               <a:rPr lang="zh-CN" altLang="en-US" smtClean="0"/>
+              <a:t>2018/7/27</a:t>
             </a:fld>
             <a:endParaRPr lang="zh-CN" altLang="en-US"/>
           </a:p>
@@ -268,7 +275,6 @@
               <a:rPr lang="zh-CN" altLang="en-US" smtClean="0"/>
               <a:t>单击此处编辑母版文本样式</a:t>
             </a:r>
-            <a:endParaRPr lang="zh-CN" altLang="en-US" smtClean="0"/>
           </a:p>
           <a:p>
             <a:pPr lvl="1"/>
@@ -276,7 +282,6 @@
               <a:rPr lang="zh-CN" altLang="en-US" smtClean="0"/>
               <a:t>第二级</a:t>
             </a:r>
-            <a:endParaRPr lang="zh-CN" altLang="en-US" smtClean="0"/>
           </a:p>
           <a:p>
             <a:pPr lvl="2"/>
@@ -284,7 +289,6 @@
               <a:rPr lang="zh-CN" altLang="en-US" smtClean="0"/>
               <a:t>第三级</a:t>
             </a:r>
-            <a:endParaRPr lang="zh-CN" altLang="en-US" smtClean="0"/>
           </a:p>
           <a:p>
             <a:pPr lvl="3"/>
@@ -292,7 +296,6 @@
               <a:rPr lang="zh-CN" altLang="en-US" smtClean="0"/>
               <a:t>第四级</a:t>
             </a:r>
-            <a:endParaRPr lang="zh-CN" altLang="en-US" smtClean="0"/>
           </a:p>
           <a:p>
             <a:pPr lvl="4"/>
@@ -364,12 +367,18 @@
           <a:p>
             <a:fld id="{A6837353-30EB-4A48-80EB-173D804AEFBD}" type="slidenum">
               <a:rPr lang="zh-CN" altLang="en-US" smtClean="0"/>
+              <a:t>‹#›</a:t>
             </a:fld>
             <a:endParaRPr lang="zh-CN" altLang="en-US"/>
           </a:p>
         </p:txBody>
       </p:sp>
     </p:spTree>
+    <p:extLst>
+      <p:ext uri="{BB962C8B-B14F-4D97-AF65-F5344CB8AC3E}">
+        <p14:creationId xmlns:p14="http://schemas.microsoft.com/office/powerpoint/2010/main" val="586977840"/>
+      </p:ext>
+    </p:extLst>
   </p:cSld>
   <p:clrMap bg1="lt1" tx1="dk1" bg2="lt2" tx2="dk2" accent1="accent1" accent2="accent2" accent3="accent3" accent4="accent4" accent5="accent5" accent6="accent6" hlink="hlink" folHlink="folHlink"/>
   <p:notesStyle>
@@ -494,7 +503,12 @@
             <p:ph type="sldImg"/>
           </p:nvPr>
         </p:nvSpPr>
-        <p:spPr/>
+        <p:spPr>
+          <a:xfrm>
+            <a:off x="481013" y="1279525"/>
+            <a:ext cx="6140450" cy="3454400"/>
+          </a:xfrm>
+        </p:spPr>
       </p:sp>
       <p:sp>
         <p:nvSpPr>
@@ -532,6 +546,7 @@
           <a:p>
             <a:fld id="{418F03C3-53C1-4F10-8DAF-D1F318E96C6E}" type="slidenum">
               <a:rPr lang="zh-CN" altLang="en-US" smtClean="0"/>
+              <a:t>1</a:t>
             </a:fld>
             <a:endParaRPr lang="zh-CN" altLang="en-US"/>
           </a:p>
@@ -546,6 +561,510 @@
 </file>
 
 <file path=ppt/notesSlides/notesSlide10.xml><?xml version="1.0" encoding="utf-8"?>
+<p:notes xmlns:a="http://schemas.openxmlformats.org/drawingml/2006/main" xmlns:r="http://schemas.openxmlformats.org/officeDocument/2006/relationships" xmlns:p="http://schemas.openxmlformats.org/presentationml/2006/main">
+  <p:cSld>
+    <p:spTree>
+      <p:nvGrpSpPr>
+        <p:cNvPr id="1" name=""/>
+        <p:cNvGrpSpPr/>
+        <p:nvPr/>
+      </p:nvGrpSpPr>
+      <p:grpSpPr>
+        <a:xfrm>
+          <a:off x="0" y="0"/>
+          <a:ext cx="0" cy="0"/>
+          <a:chOff x="0" y="0"/>
+          <a:chExt cx="0" cy="0"/>
+        </a:xfrm>
+      </p:grpSpPr>
+      <p:sp>
+        <p:nvSpPr>
+          <p:cNvPr id="2" name="幻灯片图像占位符 1"/>
+          <p:cNvSpPr>
+            <a:spLocks noGrp="1" noRot="1" noChangeAspect="1"/>
+          </p:cNvSpPr>
+          <p:nvPr>
+            <p:ph type="sldImg"/>
+          </p:nvPr>
+        </p:nvSpPr>
+        <p:spPr>
+          <a:xfrm>
+            <a:off x="481013" y="1279525"/>
+            <a:ext cx="6140450" cy="3454400"/>
+          </a:xfrm>
+        </p:spPr>
+      </p:sp>
+      <p:sp>
+        <p:nvSpPr>
+          <p:cNvPr id="3" name="备注占位符 2"/>
+          <p:cNvSpPr>
+            <a:spLocks noGrp="1"/>
+          </p:cNvSpPr>
+          <p:nvPr>
+            <p:ph type="body" idx="1"/>
+          </p:nvPr>
+        </p:nvSpPr>
+        <p:spPr/>
+        <p:txBody>
+          <a:bodyPr/>
+          <a:lstStyle/>
+          <a:p>
+            <a:endParaRPr lang="zh-CN" altLang="en-US"/>
+          </a:p>
+        </p:txBody>
+      </p:sp>
+      <p:sp>
+        <p:nvSpPr>
+          <p:cNvPr id="4" name="灯片编号占位符 3"/>
+          <p:cNvSpPr>
+            <a:spLocks noGrp="1"/>
+          </p:cNvSpPr>
+          <p:nvPr>
+            <p:ph type="sldNum" sz="quarter" idx="10"/>
+          </p:nvPr>
+        </p:nvSpPr>
+        <p:spPr/>
+        <p:txBody>
+          <a:bodyPr/>
+          <a:lstStyle/>
+          <a:p>
+            <a:fld id="{418F03C3-53C1-4F10-8DAF-D1F318E96C6E}" type="slidenum">
+              <a:rPr lang="zh-CN" altLang="en-US" smtClean="0"/>
+              <a:t>10</a:t>
+            </a:fld>
+            <a:endParaRPr lang="zh-CN" altLang="en-US"/>
+          </a:p>
+        </p:txBody>
+      </p:sp>
+    </p:spTree>
+  </p:cSld>
+  <p:clrMapOvr>
+    <a:masterClrMapping/>
+  </p:clrMapOvr>
+</p:notes>
+</file>
+
+<file path=ppt/notesSlides/notesSlide11.xml><?xml version="1.0" encoding="utf-8"?>
+<p:notes xmlns:a="http://schemas.openxmlformats.org/drawingml/2006/main" xmlns:r="http://schemas.openxmlformats.org/officeDocument/2006/relationships" xmlns:p="http://schemas.openxmlformats.org/presentationml/2006/main">
+  <p:cSld>
+    <p:spTree>
+      <p:nvGrpSpPr>
+        <p:cNvPr id="1" name=""/>
+        <p:cNvGrpSpPr/>
+        <p:nvPr/>
+      </p:nvGrpSpPr>
+      <p:grpSpPr>
+        <a:xfrm>
+          <a:off x="0" y="0"/>
+          <a:ext cx="0" cy="0"/>
+          <a:chOff x="0" y="0"/>
+          <a:chExt cx="0" cy="0"/>
+        </a:xfrm>
+      </p:grpSpPr>
+      <p:sp>
+        <p:nvSpPr>
+          <p:cNvPr id="2" name="幻灯片图像占位符 1"/>
+          <p:cNvSpPr>
+            <a:spLocks noGrp="1" noRot="1" noChangeAspect="1"/>
+          </p:cNvSpPr>
+          <p:nvPr>
+            <p:ph type="sldImg"/>
+          </p:nvPr>
+        </p:nvSpPr>
+        <p:spPr>
+          <a:xfrm>
+            <a:off x="481013" y="1279525"/>
+            <a:ext cx="6140450" cy="3454400"/>
+          </a:xfrm>
+        </p:spPr>
+      </p:sp>
+      <p:sp>
+        <p:nvSpPr>
+          <p:cNvPr id="3" name="备注占位符 2"/>
+          <p:cNvSpPr>
+            <a:spLocks noGrp="1"/>
+          </p:cNvSpPr>
+          <p:nvPr>
+            <p:ph type="body" idx="1"/>
+          </p:nvPr>
+        </p:nvSpPr>
+        <p:spPr/>
+        <p:txBody>
+          <a:bodyPr/>
+          <a:lstStyle/>
+          <a:p>
+            <a:endParaRPr lang="zh-CN" altLang="en-US"/>
+          </a:p>
+        </p:txBody>
+      </p:sp>
+      <p:sp>
+        <p:nvSpPr>
+          <p:cNvPr id="4" name="灯片编号占位符 3"/>
+          <p:cNvSpPr>
+            <a:spLocks noGrp="1"/>
+          </p:cNvSpPr>
+          <p:nvPr>
+            <p:ph type="sldNum" sz="quarter" idx="10"/>
+          </p:nvPr>
+        </p:nvSpPr>
+        <p:spPr/>
+        <p:txBody>
+          <a:bodyPr/>
+          <a:lstStyle/>
+          <a:p>
+            <a:fld id="{418F03C3-53C1-4F10-8DAF-D1F318E96C6E}" type="slidenum">
+              <a:rPr lang="zh-CN" altLang="en-US" smtClean="0"/>
+              <a:t>11</a:t>
+            </a:fld>
+            <a:endParaRPr lang="zh-CN" altLang="en-US"/>
+          </a:p>
+        </p:txBody>
+      </p:sp>
+    </p:spTree>
+  </p:cSld>
+  <p:clrMapOvr>
+    <a:masterClrMapping/>
+  </p:clrMapOvr>
+</p:notes>
+</file>
+
+<file path=ppt/notesSlides/notesSlide12.xml><?xml version="1.0" encoding="utf-8"?>
+<p:notes xmlns:a="http://schemas.openxmlformats.org/drawingml/2006/main" xmlns:r="http://schemas.openxmlformats.org/officeDocument/2006/relationships" xmlns:p="http://schemas.openxmlformats.org/presentationml/2006/main">
+  <p:cSld>
+    <p:spTree>
+      <p:nvGrpSpPr>
+        <p:cNvPr id="1" name=""/>
+        <p:cNvGrpSpPr/>
+        <p:nvPr/>
+      </p:nvGrpSpPr>
+      <p:grpSpPr>
+        <a:xfrm>
+          <a:off x="0" y="0"/>
+          <a:ext cx="0" cy="0"/>
+          <a:chOff x="0" y="0"/>
+          <a:chExt cx="0" cy="0"/>
+        </a:xfrm>
+      </p:grpSpPr>
+      <p:sp>
+        <p:nvSpPr>
+          <p:cNvPr id="2" name="幻灯片图像占位符 1"/>
+          <p:cNvSpPr>
+            <a:spLocks noGrp="1" noRot="1" noChangeAspect="1"/>
+          </p:cNvSpPr>
+          <p:nvPr>
+            <p:ph type="sldImg"/>
+          </p:nvPr>
+        </p:nvSpPr>
+        <p:spPr>
+          <a:xfrm>
+            <a:off x="481013" y="1279525"/>
+            <a:ext cx="6140450" cy="3454400"/>
+          </a:xfrm>
+        </p:spPr>
+      </p:sp>
+      <p:sp>
+        <p:nvSpPr>
+          <p:cNvPr id="3" name="备注占位符 2"/>
+          <p:cNvSpPr>
+            <a:spLocks noGrp="1"/>
+          </p:cNvSpPr>
+          <p:nvPr>
+            <p:ph type="body" idx="1"/>
+          </p:nvPr>
+        </p:nvSpPr>
+        <p:spPr/>
+        <p:txBody>
+          <a:bodyPr/>
+          <a:lstStyle/>
+          <a:p>
+            <a:endParaRPr lang="zh-CN" altLang="en-US"/>
+          </a:p>
+        </p:txBody>
+      </p:sp>
+      <p:sp>
+        <p:nvSpPr>
+          <p:cNvPr id="4" name="灯片编号占位符 3"/>
+          <p:cNvSpPr>
+            <a:spLocks noGrp="1"/>
+          </p:cNvSpPr>
+          <p:nvPr>
+            <p:ph type="sldNum" sz="quarter" idx="10"/>
+          </p:nvPr>
+        </p:nvSpPr>
+        <p:spPr/>
+        <p:txBody>
+          <a:bodyPr/>
+          <a:lstStyle/>
+          <a:p>
+            <a:fld id="{418F03C3-53C1-4F10-8DAF-D1F318E96C6E}" type="slidenum">
+              <a:rPr lang="zh-CN" altLang="en-US" smtClean="0"/>
+              <a:t>12</a:t>
+            </a:fld>
+            <a:endParaRPr lang="zh-CN" altLang="en-US"/>
+          </a:p>
+        </p:txBody>
+      </p:sp>
+    </p:spTree>
+  </p:cSld>
+  <p:clrMapOvr>
+    <a:masterClrMapping/>
+  </p:clrMapOvr>
+</p:notes>
+</file>
+
+<file path=ppt/notesSlides/notesSlide13.xml><?xml version="1.0" encoding="utf-8"?>
+<p:notes xmlns:a="http://schemas.openxmlformats.org/drawingml/2006/main" xmlns:r="http://schemas.openxmlformats.org/officeDocument/2006/relationships" xmlns:p="http://schemas.openxmlformats.org/presentationml/2006/main">
+  <p:cSld>
+    <p:spTree>
+      <p:nvGrpSpPr>
+        <p:cNvPr id="1" name=""/>
+        <p:cNvGrpSpPr/>
+        <p:nvPr/>
+      </p:nvGrpSpPr>
+      <p:grpSpPr>
+        <a:xfrm>
+          <a:off x="0" y="0"/>
+          <a:ext cx="0" cy="0"/>
+          <a:chOff x="0" y="0"/>
+          <a:chExt cx="0" cy="0"/>
+        </a:xfrm>
+      </p:grpSpPr>
+      <p:sp>
+        <p:nvSpPr>
+          <p:cNvPr id="2" name="幻灯片图像占位符 1"/>
+          <p:cNvSpPr>
+            <a:spLocks noGrp="1" noRot="1" noChangeAspect="1"/>
+          </p:cNvSpPr>
+          <p:nvPr>
+            <p:ph type="sldImg"/>
+          </p:nvPr>
+        </p:nvSpPr>
+        <p:spPr>
+          <a:xfrm>
+            <a:off x="481013" y="1279525"/>
+            <a:ext cx="6140450" cy="3454400"/>
+          </a:xfrm>
+        </p:spPr>
+      </p:sp>
+      <p:sp>
+        <p:nvSpPr>
+          <p:cNvPr id="3" name="备注占位符 2"/>
+          <p:cNvSpPr>
+            <a:spLocks noGrp="1"/>
+          </p:cNvSpPr>
+          <p:nvPr>
+            <p:ph type="body" idx="1"/>
+          </p:nvPr>
+        </p:nvSpPr>
+        <p:spPr/>
+        <p:txBody>
+          <a:bodyPr/>
+          <a:lstStyle/>
+          <a:p>
+            <a:endParaRPr lang="zh-CN" altLang="en-US"/>
+          </a:p>
+        </p:txBody>
+      </p:sp>
+      <p:sp>
+        <p:nvSpPr>
+          <p:cNvPr id="4" name="灯片编号占位符 3"/>
+          <p:cNvSpPr>
+            <a:spLocks noGrp="1"/>
+          </p:cNvSpPr>
+          <p:nvPr>
+            <p:ph type="sldNum" sz="quarter" idx="10"/>
+          </p:nvPr>
+        </p:nvSpPr>
+        <p:spPr/>
+        <p:txBody>
+          <a:bodyPr/>
+          <a:lstStyle/>
+          <a:p>
+            <a:fld id="{418F03C3-53C1-4F10-8DAF-D1F318E96C6E}" type="slidenum">
+              <a:rPr lang="zh-CN" altLang="en-US" smtClean="0"/>
+              <a:t>13</a:t>
+            </a:fld>
+            <a:endParaRPr lang="zh-CN" altLang="en-US"/>
+          </a:p>
+        </p:txBody>
+      </p:sp>
+    </p:spTree>
+  </p:cSld>
+  <p:clrMapOvr>
+    <a:masterClrMapping/>
+  </p:clrMapOvr>
+</p:notes>
+</file>
+
+<file path=ppt/notesSlides/notesSlide14.xml><?xml version="1.0" encoding="utf-8"?>
+<p:notes xmlns:a="http://schemas.openxmlformats.org/drawingml/2006/main" xmlns:r="http://schemas.openxmlformats.org/officeDocument/2006/relationships" xmlns:p="http://schemas.openxmlformats.org/presentationml/2006/main">
+  <p:cSld>
+    <p:spTree>
+      <p:nvGrpSpPr>
+        <p:cNvPr id="1" name=""/>
+        <p:cNvGrpSpPr/>
+        <p:nvPr/>
+      </p:nvGrpSpPr>
+      <p:grpSpPr>
+        <a:xfrm>
+          <a:off x="0" y="0"/>
+          <a:ext cx="0" cy="0"/>
+          <a:chOff x="0" y="0"/>
+          <a:chExt cx="0" cy="0"/>
+        </a:xfrm>
+      </p:grpSpPr>
+      <p:sp>
+        <p:nvSpPr>
+          <p:cNvPr id="2" name="幻灯片图像占位符 1"/>
+          <p:cNvSpPr>
+            <a:spLocks noGrp="1" noRot="1" noChangeAspect="1"/>
+          </p:cNvSpPr>
+          <p:nvPr>
+            <p:ph type="sldImg"/>
+          </p:nvPr>
+        </p:nvSpPr>
+        <p:spPr>
+          <a:xfrm>
+            <a:off x="481013" y="1279525"/>
+            <a:ext cx="6140450" cy="3454400"/>
+          </a:xfrm>
+        </p:spPr>
+      </p:sp>
+      <p:sp>
+        <p:nvSpPr>
+          <p:cNvPr id="3" name="备注占位符 2"/>
+          <p:cNvSpPr>
+            <a:spLocks noGrp="1"/>
+          </p:cNvSpPr>
+          <p:nvPr>
+            <p:ph type="body" idx="1"/>
+          </p:nvPr>
+        </p:nvSpPr>
+        <p:spPr/>
+        <p:txBody>
+          <a:bodyPr/>
+          <a:lstStyle/>
+          <a:p>
+            <a:endParaRPr lang="zh-CN" altLang="en-US"/>
+          </a:p>
+        </p:txBody>
+      </p:sp>
+      <p:sp>
+        <p:nvSpPr>
+          <p:cNvPr id="4" name="灯片编号占位符 3"/>
+          <p:cNvSpPr>
+            <a:spLocks noGrp="1"/>
+          </p:cNvSpPr>
+          <p:nvPr>
+            <p:ph type="sldNum" sz="quarter" idx="10"/>
+          </p:nvPr>
+        </p:nvSpPr>
+        <p:spPr/>
+        <p:txBody>
+          <a:bodyPr/>
+          <a:lstStyle/>
+          <a:p>
+            <a:fld id="{418F03C3-53C1-4F10-8DAF-D1F318E96C6E}" type="slidenum">
+              <a:rPr lang="zh-CN" altLang="en-US" smtClean="0"/>
+              <a:t>14</a:t>
+            </a:fld>
+            <a:endParaRPr lang="zh-CN" altLang="en-US"/>
+          </a:p>
+        </p:txBody>
+      </p:sp>
+    </p:spTree>
+  </p:cSld>
+  <p:clrMapOvr>
+    <a:masterClrMapping/>
+  </p:clrMapOvr>
+</p:notes>
+</file>
+
+<file path=ppt/notesSlides/notesSlide15.xml><?xml version="1.0" encoding="utf-8"?>
+<p:notes xmlns:a="http://schemas.openxmlformats.org/drawingml/2006/main" xmlns:r="http://schemas.openxmlformats.org/officeDocument/2006/relationships" xmlns:p="http://schemas.openxmlformats.org/presentationml/2006/main">
+  <p:cSld>
+    <p:spTree>
+      <p:nvGrpSpPr>
+        <p:cNvPr id="1" name=""/>
+        <p:cNvGrpSpPr/>
+        <p:nvPr/>
+      </p:nvGrpSpPr>
+      <p:grpSpPr>
+        <a:xfrm>
+          <a:off x="0" y="0"/>
+          <a:ext cx="0" cy="0"/>
+          <a:chOff x="0" y="0"/>
+          <a:chExt cx="0" cy="0"/>
+        </a:xfrm>
+      </p:grpSpPr>
+      <p:sp>
+        <p:nvSpPr>
+          <p:cNvPr id="2" name="幻灯片图像占位符 1"/>
+          <p:cNvSpPr>
+            <a:spLocks noGrp="1" noRot="1" noChangeAspect="1"/>
+          </p:cNvSpPr>
+          <p:nvPr>
+            <p:ph type="sldImg"/>
+          </p:nvPr>
+        </p:nvSpPr>
+        <p:spPr>
+          <a:xfrm>
+            <a:off x="481013" y="1279525"/>
+            <a:ext cx="6140450" cy="3454400"/>
+          </a:xfrm>
+        </p:spPr>
+      </p:sp>
+      <p:sp>
+        <p:nvSpPr>
+          <p:cNvPr id="3" name="备注占位符 2"/>
+          <p:cNvSpPr>
+            <a:spLocks noGrp="1"/>
+          </p:cNvSpPr>
+          <p:nvPr>
+            <p:ph type="body" idx="1"/>
+          </p:nvPr>
+        </p:nvSpPr>
+        <p:spPr/>
+        <p:txBody>
+          <a:bodyPr/>
+          <a:lstStyle/>
+          <a:p>
+            <a:endParaRPr lang="zh-CN" altLang="en-US"/>
+          </a:p>
+        </p:txBody>
+      </p:sp>
+      <p:sp>
+        <p:nvSpPr>
+          <p:cNvPr id="4" name="灯片编号占位符 3"/>
+          <p:cNvSpPr>
+            <a:spLocks noGrp="1"/>
+          </p:cNvSpPr>
+          <p:nvPr>
+            <p:ph type="sldNum" sz="quarter" idx="10"/>
+          </p:nvPr>
+        </p:nvSpPr>
+        <p:spPr/>
+        <p:txBody>
+          <a:bodyPr/>
+          <a:lstStyle/>
+          <a:p>
+            <a:fld id="{418F03C3-53C1-4F10-8DAF-D1F318E96C6E}" type="slidenum">
+              <a:rPr lang="zh-CN" altLang="en-US" smtClean="0"/>
+              <a:t>15</a:t>
+            </a:fld>
+            <a:endParaRPr lang="zh-CN" altLang="en-US"/>
+          </a:p>
+        </p:txBody>
+      </p:sp>
+    </p:spTree>
+  </p:cSld>
+  <p:clrMapOvr>
+    <a:masterClrMapping/>
+  </p:clrMapOvr>
+</p:notes>
+</file>
+
+<file path=ppt/notesSlides/notesSlide16.xml><?xml version="1.0" encoding="utf-8"?>
 <p:notes xmlns:a="http://schemas.openxmlformats.org/drawingml/2006/main" xmlns:r="http://schemas.openxmlformats.org/officeDocument/2006/relationships" xmlns:p="http://schemas.openxmlformats.org/presentationml/2006/main">
   <p:cSld>
     <p:spTree>
@@ -610,6 +1129,7 @@
           <a:p>
             <a:fld id="{418F03C3-53C1-4F10-8DAF-D1F318E96C6E}" type="slidenum">
               <a:rPr lang="zh-CN" altLang="en-US" smtClean="0"/>
+              <a:t>16</a:t>
             </a:fld>
             <a:endParaRPr lang="zh-CN" altLang="en-US"/>
           </a:p>
@@ -623,7 +1143,7 @@
 </p:notes>
 </file>
 
-<file path=ppt/notesSlides/notesSlide11.xml><?xml version="1.0" encoding="utf-8"?>
+<file path=ppt/notesSlides/notesSlide17.xml><?xml version="1.0" encoding="utf-8"?>
 <p:notes xmlns:a="http://schemas.openxmlformats.org/drawingml/2006/main" xmlns:r="http://schemas.openxmlformats.org/officeDocument/2006/relationships" xmlns:p="http://schemas.openxmlformats.org/presentationml/2006/main">
   <p:cSld>
     <p:spTree>
@@ -688,6 +1208,7 @@
           <a:p>
             <a:fld id="{418F03C3-53C1-4F10-8DAF-D1F318E96C6E}" type="slidenum">
               <a:rPr lang="zh-CN" altLang="en-US" smtClean="0"/>
+              <a:t>17</a:t>
             </a:fld>
             <a:endParaRPr lang="zh-CN" altLang="en-US"/>
           </a:p>
@@ -766,6 +1287,7 @@
           <a:p>
             <a:fld id="{418F03C3-53C1-4F10-8DAF-D1F318E96C6E}" type="slidenum">
               <a:rPr lang="zh-CN" altLang="en-US" smtClean="0"/>
+              <a:t>2</a:t>
             </a:fld>
             <a:endParaRPr lang="zh-CN" altLang="en-US"/>
           </a:p>
@@ -806,7 +1328,12 @@
             <p:ph type="sldImg"/>
           </p:nvPr>
         </p:nvSpPr>
-        <p:spPr/>
+        <p:spPr>
+          <a:xfrm>
+            <a:off x="481013" y="1279525"/>
+            <a:ext cx="6140450" cy="3454400"/>
+          </a:xfrm>
+        </p:spPr>
       </p:sp>
       <p:sp>
         <p:nvSpPr>
@@ -844,6 +1371,7 @@
           <a:p>
             <a:fld id="{418F03C3-53C1-4F10-8DAF-D1F318E96C6E}" type="slidenum">
               <a:rPr lang="zh-CN" altLang="en-US" smtClean="0"/>
+              <a:t>3</a:t>
             </a:fld>
             <a:endParaRPr lang="zh-CN" altLang="en-US"/>
           </a:p>
@@ -922,6 +1450,7 @@
           <a:p>
             <a:fld id="{418F03C3-53C1-4F10-8DAF-D1F318E96C6E}" type="slidenum">
               <a:rPr lang="zh-CN" altLang="en-US" smtClean="0"/>
+              <a:t>4</a:t>
             </a:fld>
             <a:endParaRPr lang="zh-CN" altLang="en-US"/>
           </a:p>
@@ -1000,6 +1529,7 @@
           <a:p>
             <a:fld id="{418F03C3-53C1-4F10-8DAF-D1F318E96C6E}" type="slidenum">
               <a:rPr lang="zh-CN" altLang="en-US" smtClean="0"/>
+              <a:t>5</a:t>
             </a:fld>
             <a:endParaRPr lang="zh-CN" altLang="en-US"/>
           </a:p>
@@ -1078,6 +1608,7 @@
           <a:p>
             <a:fld id="{418F03C3-53C1-4F10-8DAF-D1F318E96C6E}" type="slidenum">
               <a:rPr lang="zh-CN" altLang="en-US" smtClean="0"/>
+              <a:t>6</a:t>
             </a:fld>
             <a:endParaRPr lang="zh-CN" altLang="en-US"/>
           </a:p>
@@ -1156,6 +1687,7 @@
           <a:p>
             <a:fld id="{418F03C3-53C1-4F10-8DAF-D1F318E96C6E}" type="slidenum">
               <a:rPr lang="zh-CN" altLang="en-US" smtClean="0"/>
+              <a:t>7</a:t>
             </a:fld>
             <a:endParaRPr lang="zh-CN" altLang="en-US"/>
           </a:p>
@@ -1196,7 +1728,12 @@
             <p:ph type="sldImg"/>
           </p:nvPr>
         </p:nvSpPr>
-        <p:spPr/>
+        <p:spPr>
+          <a:xfrm>
+            <a:off x="481013" y="1279525"/>
+            <a:ext cx="6140450" cy="3454400"/>
+          </a:xfrm>
+        </p:spPr>
       </p:sp>
       <p:sp>
         <p:nvSpPr>
@@ -1234,6 +1771,7 @@
           <a:p>
             <a:fld id="{418F03C3-53C1-4F10-8DAF-D1F318E96C6E}" type="slidenum">
               <a:rPr lang="zh-CN" altLang="en-US" smtClean="0"/>
+              <a:t>8</a:t>
             </a:fld>
             <a:endParaRPr lang="zh-CN" altLang="en-US"/>
           </a:p>
@@ -1274,7 +1812,12 @@
             <p:ph type="sldImg"/>
           </p:nvPr>
         </p:nvSpPr>
-        <p:spPr/>
+        <p:spPr>
+          <a:xfrm>
+            <a:off x="481013" y="1279525"/>
+            <a:ext cx="6140450" cy="3454400"/>
+          </a:xfrm>
+        </p:spPr>
       </p:sp>
       <p:sp>
         <p:nvSpPr>
@@ -1312,6 +1855,7 @@
           <a:p>
             <a:fld id="{418F03C3-53C1-4F10-8DAF-D1F318E96C6E}" type="slidenum">
               <a:rPr lang="zh-CN" altLang="en-US" smtClean="0"/>
+              <a:t>9</a:t>
             </a:fld>
             <a:endParaRPr lang="zh-CN" altLang="en-US"/>
           </a:p>
@@ -1463,6 +2007,7 @@
           <a:p>
             <a:fld id="{82F288E0-7875-42C4-84C8-98DBBD3BF4D2}" type="datetimeFigureOut">
               <a:rPr lang="zh-CN" altLang="en-US" smtClean="0"/>
+              <a:t>2018/7/27</a:t>
             </a:fld>
             <a:endParaRPr lang="zh-CN" altLang="en-US"/>
           </a:p>
@@ -1504,6 +2049,7 @@
           <a:p>
             <a:fld id="{7D9BB5D0-35E4-459D-AEF3-FE4D7C45CC19}" type="slidenum">
               <a:rPr lang="zh-CN" altLang="en-US" smtClean="0"/>
+              <a:t>‹#›</a:t>
             </a:fld>
             <a:endParaRPr lang="zh-CN" altLang="en-US"/>
           </a:p>
@@ -1514,13 +2060,13 @@
   <p:clrMapOvr>
     <a:masterClrMapping/>
   </p:clrMapOvr>
-  <mc:AlternateContent xmlns:mc="http://schemas.openxmlformats.org/markup-compatibility/2006">
-    <mc:Choice xmlns:p14="http://schemas.microsoft.com/office/powerpoint/2010/main" Requires="p14">
+  <mc:AlternateContent xmlns:mc="http://schemas.openxmlformats.org/markup-compatibility/2006" xmlns:p14="http://schemas.microsoft.com/office/powerpoint/2010/main">
+    <mc:Choice Requires="p14">
       <p:transition p14:dur="250">
         <p:fade/>
       </p:transition>
     </mc:Choice>
-    <mc:Fallback>
+    <mc:Fallback xmlns="">
       <p:transition>
         <p:fade/>
       </p:transition>
@@ -1575,7 +2121,6 @@
               <a:rPr lang="zh-CN" altLang="en-US" smtClean="0"/>
               <a:t>单击此处编辑母版文本样式</a:t>
             </a:r>
-            <a:endParaRPr lang="zh-CN" altLang="en-US" smtClean="0"/>
           </a:p>
           <a:p>
             <a:pPr lvl="1"/>
@@ -1583,7 +2128,6 @@
               <a:rPr lang="zh-CN" altLang="en-US" smtClean="0"/>
               <a:t>第二级</a:t>
             </a:r>
-            <a:endParaRPr lang="zh-CN" altLang="en-US" smtClean="0"/>
           </a:p>
           <a:p>
             <a:pPr lvl="2"/>
@@ -1591,7 +2135,6 @@
               <a:rPr lang="zh-CN" altLang="en-US" smtClean="0"/>
               <a:t>第三级</a:t>
             </a:r>
-            <a:endParaRPr lang="zh-CN" altLang="en-US" smtClean="0"/>
           </a:p>
           <a:p>
             <a:pPr lvl="3"/>
@@ -1599,7 +2142,6 @@
               <a:rPr lang="zh-CN" altLang="en-US" smtClean="0"/>
               <a:t>第四级</a:t>
             </a:r>
-            <a:endParaRPr lang="zh-CN" altLang="en-US" smtClean="0"/>
           </a:p>
           <a:p>
             <a:pPr lvl="4"/>
@@ -1628,6 +2170,7 @@
           <a:p>
             <a:fld id="{82F288E0-7875-42C4-84C8-98DBBD3BF4D2}" type="datetimeFigureOut">
               <a:rPr lang="zh-CN" altLang="en-US" smtClean="0"/>
+              <a:t>2018/7/27</a:t>
             </a:fld>
             <a:endParaRPr lang="zh-CN" altLang="en-US"/>
           </a:p>
@@ -1669,6 +2212,7 @@
           <a:p>
             <a:fld id="{7D9BB5D0-35E4-459D-AEF3-FE4D7C45CC19}" type="slidenum">
               <a:rPr lang="zh-CN" altLang="en-US" smtClean="0"/>
+              <a:t>‹#›</a:t>
             </a:fld>
             <a:endParaRPr lang="zh-CN" altLang="en-US"/>
           </a:p>
@@ -1679,13 +2223,13 @@
   <p:clrMapOvr>
     <a:masterClrMapping/>
   </p:clrMapOvr>
-  <mc:AlternateContent xmlns:mc="http://schemas.openxmlformats.org/markup-compatibility/2006">
-    <mc:Choice xmlns:p14="http://schemas.microsoft.com/office/powerpoint/2010/main" Requires="p14">
+  <mc:AlternateContent xmlns:mc="http://schemas.openxmlformats.org/markup-compatibility/2006" xmlns:p14="http://schemas.microsoft.com/office/powerpoint/2010/main">
+    <mc:Choice Requires="p14">
       <p:transition p14:dur="250">
         <p:fade/>
       </p:transition>
     </mc:Choice>
-    <mc:Fallback>
+    <mc:Fallback xmlns="">
       <p:transition>
         <p:fade/>
       </p:transition>
@@ -1728,6 +2272,7 @@
           <a:p>
             <a:fld id="{82F288E0-7875-42C4-84C8-98DBBD3BF4D2}" type="datetimeFigureOut">
               <a:rPr lang="zh-CN" altLang="en-US" smtClean="0"/>
+              <a:t>2018/7/27</a:t>
             </a:fld>
             <a:endParaRPr lang="zh-CN" altLang="en-US"/>
           </a:p>
@@ -1769,6 +2314,7 @@
           <a:p>
             <a:fld id="{7D9BB5D0-35E4-459D-AEF3-FE4D7C45CC19}" type="slidenum">
               <a:rPr lang="zh-CN" altLang="en-US" smtClean="0"/>
+              <a:t>‹#›</a:t>
             </a:fld>
             <a:endParaRPr lang="zh-CN" altLang="en-US"/>
           </a:p>
@@ -1779,13 +2325,13 @@
   <p:clrMapOvr>
     <a:masterClrMapping/>
   </p:clrMapOvr>
-  <mc:AlternateContent xmlns:mc="http://schemas.openxmlformats.org/markup-compatibility/2006">
-    <mc:Choice xmlns:p14="http://schemas.microsoft.com/office/powerpoint/2010/main" Requires="p14">
+  <mc:AlternateContent xmlns:mc="http://schemas.openxmlformats.org/markup-compatibility/2006" xmlns:p14="http://schemas.microsoft.com/office/powerpoint/2010/main">
+    <mc:Choice Requires="p14">
       <p:transition p14:dur="250">
         <p:fade/>
       </p:transition>
     </mc:Choice>
-    <mc:Fallback>
+    <mc:Fallback xmlns="">
       <p:transition>
         <p:fade/>
       </p:transition>
@@ -1828,6 +2374,7 @@
           <a:p>
             <a:fld id="{32BF82D2-7A68-459D-A996-9BDDA2518FA4}" type="datetimeFigureOut">
               <a:rPr lang="zh-CN" altLang="en-US" smtClean="0"/>
+              <a:t>2018/7/27</a:t>
             </a:fld>
             <a:endParaRPr lang="zh-CN" altLang="en-US"/>
           </a:p>
@@ -1869,6 +2416,7 @@
           <a:p>
             <a:fld id="{3E01EE5D-26FB-46D5-A381-ECFB35BF1D34}" type="slidenum">
               <a:rPr lang="zh-CN" altLang="en-US" smtClean="0"/>
+              <a:t>‹#›</a:t>
             </a:fld>
             <a:endParaRPr lang="zh-CN" altLang="en-US"/>
           </a:p>
@@ -1942,18 +2490,6 @@
               </a:rPr>
               <a:t>年度工作概述</a:t>
             </a:r>
-            <a:endParaRPr lang="zh-CN" altLang="en-US" sz="1735" dirty="0">
-              <a:solidFill>
-                <a:schemeClr val="tx1">
-                  <a:lumMod val="50000"/>
-                  <a:lumOff val="50000"/>
-                </a:schemeClr>
-              </a:solidFill>
-              <a:latin typeface="微软雅黑" panose="020B0503020204020204" charset="-122"/>
-              <a:ea typeface="微软雅黑" panose="020B0503020204020204" charset="-122"/>
-              <a:cs typeface="+mn-ea"/>
-              <a:sym typeface="+mn-lt"/>
-            </a:endParaRPr>
           </a:p>
         </p:txBody>
       </p:sp>
@@ -2088,6 +2624,7 @@
             </a:pPr>
             <a:fld id="{2062C1E6-100B-44D2-A1C7-A34E3BD9A12C}" type="datetimeFigureOut">
               <a:rPr lang="zh-CN" altLang="en-US"/>
+              <a:t>2018/7/27</a:t>
             </a:fld>
             <a:endParaRPr lang="zh-CN" altLang="en-US"/>
           </a:p>
@@ -2143,6 +2680,7 @@
             </a:pPr>
             <a:fld id="{C14A6F88-39AC-442E-B372-2FEBDC340D1D}" type="slidenum">
               <a:rPr lang="zh-CN" altLang="en-US"/>
+              <a:t>‹#›</a:t>
             </a:fld>
             <a:endParaRPr lang="zh-CN" altLang="en-US"/>
           </a:p>
@@ -2233,7 +2771,6 @@
               <a:rPr lang="zh-CN" altLang="en-US" smtClean="0"/>
               <a:t>单击此处编辑母版文本样式</a:t>
             </a:r>
-            <a:endParaRPr lang="zh-CN" altLang="en-US" smtClean="0"/>
           </a:p>
           <a:p>
             <a:pPr lvl="1"/>
@@ -2241,7 +2778,6 @@
               <a:rPr lang="zh-CN" altLang="en-US" smtClean="0"/>
               <a:t>第二级</a:t>
             </a:r>
-            <a:endParaRPr lang="zh-CN" altLang="en-US" smtClean="0"/>
           </a:p>
           <a:p>
             <a:pPr lvl="2"/>
@@ -2249,7 +2785,6 @@
               <a:rPr lang="zh-CN" altLang="en-US" smtClean="0"/>
               <a:t>第三级</a:t>
             </a:r>
-            <a:endParaRPr lang="zh-CN" altLang="en-US" smtClean="0"/>
           </a:p>
           <a:p>
             <a:pPr lvl="3"/>
@@ -2257,7 +2792,6 @@
               <a:rPr lang="zh-CN" altLang="en-US" smtClean="0"/>
               <a:t>第四级</a:t>
             </a:r>
-            <a:endParaRPr lang="zh-CN" altLang="en-US" smtClean="0"/>
           </a:p>
           <a:p>
             <a:pPr lvl="4"/>
@@ -2286,6 +2820,7 @@
           <a:p>
             <a:fld id="{82F288E0-7875-42C4-84C8-98DBBD3BF4D2}" type="datetimeFigureOut">
               <a:rPr lang="zh-CN" altLang="en-US" smtClean="0"/>
+              <a:t>2018/7/27</a:t>
             </a:fld>
             <a:endParaRPr lang="zh-CN" altLang="en-US"/>
           </a:p>
@@ -2327,6 +2862,7 @@
           <a:p>
             <a:fld id="{7D9BB5D0-35E4-459D-AEF3-FE4D7C45CC19}" type="slidenum">
               <a:rPr lang="zh-CN" altLang="en-US" smtClean="0"/>
+              <a:t>‹#›</a:t>
             </a:fld>
             <a:endParaRPr lang="zh-CN" altLang="en-US"/>
           </a:p>
@@ -2337,13 +2873,13 @@
   <p:clrMapOvr>
     <a:masterClrMapping/>
   </p:clrMapOvr>
-  <mc:AlternateContent xmlns:mc="http://schemas.openxmlformats.org/markup-compatibility/2006">
-    <mc:Choice xmlns:p14="http://schemas.microsoft.com/office/powerpoint/2010/main" Requires="p14">
+  <mc:AlternateContent xmlns:mc="http://schemas.openxmlformats.org/markup-compatibility/2006" xmlns:p14="http://schemas.microsoft.com/office/powerpoint/2010/main">
+    <mc:Choice Requires="p14">
       <p:transition p14:dur="250">
         <p:fade/>
       </p:transition>
     </mc:Choice>
-    <mc:Fallback>
+    <mc:Fallback xmlns="">
       <p:transition>
         <p:fade/>
       </p:transition>
@@ -2518,7 +3054,6 @@
               <a:rPr lang="zh-CN" altLang="en-US" smtClean="0"/>
               <a:t>单击此处编辑母版文本样式</a:t>
             </a:r>
-            <a:endParaRPr lang="zh-CN" altLang="en-US" smtClean="0"/>
           </a:p>
         </p:txBody>
       </p:sp>
@@ -2539,6 +3074,7 @@
           <a:p>
             <a:fld id="{82F288E0-7875-42C4-84C8-98DBBD3BF4D2}" type="datetimeFigureOut">
               <a:rPr lang="zh-CN" altLang="en-US" smtClean="0"/>
+              <a:t>2018/7/27</a:t>
             </a:fld>
             <a:endParaRPr lang="zh-CN" altLang="en-US"/>
           </a:p>
@@ -2580,6 +3116,7 @@
           <a:p>
             <a:fld id="{7D9BB5D0-35E4-459D-AEF3-FE4D7C45CC19}" type="slidenum">
               <a:rPr lang="zh-CN" altLang="en-US" smtClean="0"/>
+              <a:t>‹#›</a:t>
             </a:fld>
             <a:endParaRPr lang="zh-CN" altLang="en-US"/>
           </a:p>
@@ -2590,13 +3127,13 @@
   <p:clrMapOvr>
     <a:masterClrMapping/>
   </p:clrMapOvr>
-  <mc:AlternateContent xmlns:mc="http://schemas.openxmlformats.org/markup-compatibility/2006">
-    <mc:Choice xmlns:p14="http://schemas.microsoft.com/office/powerpoint/2010/main" Requires="p14">
+  <mc:AlternateContent xmlns:mc="http://schemas.openxmlformats.org/markup-compatibility/2006" xmlns:p14="http://schemas.microsoft.com/office/powerpoint/2010/main">
+    <mc:Choice Requires="p14">
       <p:transition p14:dur="250">
         <p:fade/>
       </p:transition>
     </mc:Choice>
-    <mc:Fallback>
+    <mc:Fallback xmlns="">
       <p:transition>
         <p:fade/>
       </p:transition>
@@ -2674,7 +3211,6 @@
               <a:rPr lang="zh-CN" altLang="en-US" smtClean="0"/>
               <a:t>单击此处编辑母版文本样式</a:t>
             </a:r>
-            <a:endParaRPr lang="zh-CN" altLang="en-US" smtClean="0"/>
           </a:p>
           <a:p>
             <a:pPr lvl="1"/>
@@ -2682,7 +3218,6 @@
               <a:rPr lang="zh-CN" altLang="en-US" smtClean="0"/>
               <a:t>第二级</a:t>
             </a:r>
-            <a:endParaRPr lang="zh-CN" altLang="en-US" smtClean="0"/>
           </a:p>
           <a:p>
             <a:pPr lvl="2"/>
@@ -2690,7 +3225,6 @@
               <a:rPr lang="zh-CN" altLang="en-US" smtClean="0"/>
               <a:t>第三级</a:t>
             </a:r>
-            <a:endParaRPr lang="zh-CN" altLang="en-US" smtClean="0"/>
           </a:p>
           <a:p>
             <a:pPr lvl="3"/>
@@ -2698,7 +3232,6 @@
               <a:rPr lang="zh-CN" altLang="en-US" smtClean="0"/>
               <a:t>第四级</a:t>
             </a:r>
-            <a:endParaRPr lang="zh-CN" altLang="en-US" smtClean="0"/>
           </a:p>
           <a:p>
             <a:pPr lvl="4"/>
@@ -2735,7 +3268,6 @@
               <a:rPr lang="zh-CN" altLang="en-US" smtClean="0"/>
               <a:t>单击此处编辑母版文本样式</a:t>
             </a:r>
-            <a:endParaRPr lang="zh-CN" altLang="en-US" smtClean="0"/>
           </a:p>
           <a:p>
             <a:pPr lvl="1"/>
@@ -2743,7 +3275,6 @@
               <a:rPr lang="zh-CN" altLang="en-US" smtClean="0"/>
               <a:t>第二级</a:t>
             </a:r>
-            <a:endParaRPr lang="zh-CN" altLang="en-US" smtClean="0"/>
           </a:p>
           <a:p>
             <a:pPr lvl="2"/>
@@ -2751,7 +3282,6 @@
               <a:rPr lang="zh-CN" altLang="en-US" smtClean="0"/>
               <a:t>第三级</a:t>
             </a:r>
-            <a:endParaRPr lang="zh-CN" altLang="en-US" smtClean="0"/>
           </a:p>
           <a:p>
             <a:pPr lvl="3"/>
@@ -2759,7 +3289,6 @@
               <a:rPr lang="zh-CN" altLang="en-US" smtClean="0"/>
               <a:t>第四级</a:t>
             </a:r>
-            <a:endParaRPr lang="zh-CN" altLang="en-US" smtClean="0"/>
           </a:p>
           <a:p>
             <a:pPr lvl="4"/>
@@ -2788,6 +3317,7 @@
           <a:p>
             <a:fld id="{82F288E0-7875-42C4-84C8-98DBBD3BF4D2}" type="datetimeFigureOut">
               <a:rPr lang="zh-CN" altLang="en-US" smtClean="0"/>
+              <a:t>2018/7/27</a:t>
             </a:fld>
             <a:endParaRPr lang="zh-CN" altLang="en-US"/>
           </a:p>
@@ -2829,6 +3359,7 @@
           <a:p>
             <a:fld id="{7D9BB5D0-35E4-459D-AEF3-FE4D7C45CC19}" type="slidenum">
               <a:rPr lang="zh-CN" altLang="en-US" smtClean="0"/>
+              <a:t>‹#›</a:t>
             </a:fld>
             <a:endParaRPr lang="zh-CN" altLang="en-US"/>
           </a:p>
@@ -2839,13 +3370,13 @@
   <p:clrMapOvr>
     <a:masterClrMapping/>
   </p:clrMapOvr>
-  <mc:AlternateContent xmlns:mc="http://schemas.openxmlformats.org/markup-compatibility/2006">
-    <mc:Choice xmlns:p14="http://schemas.microsoft.com/office/powerpoint/2010/main" Requires="p14">
+  <mc:AlternateContent xmlns:mc="http://schemas.openxmlformats.org/markup-compatibility/2006" xmlns:p14="http://schemas.microsoft.com/office/powerpoint/2010/main">
+    <mc:Choice Requires="p14">
       <p:transition p14:dur="250">
         <p:fade/>
       </p:transition>
     </mc:Choice>
-    <mc:Fallback>
+    <mc:Fallback xmlns="">
       <p:transition>
         <p:fade/>
       </p:transition>
@@ -2969,7 +3500,6 @@
               <a:rPr lang="zh-CN" altLang="en-US" smtClean="0"/>
               <a:t>单击此处编辑母版文本样式</a:t>
             </a:r>
-            <a:endParaRPr lang="zh-CN" altLang="en-US" smtClean="0"/>
           </a:p>
         </p:txBody>
       </p:sp>
@@ -3002,7 +3532,6 @@
               <a:rPr lang="zh-CN" altLang="en-US" smtClean="0"/>
               <a:t>单击此处编辑母版文本样式</a:t>
             </a:r>
-            <a:endParaRPr lang="zh-CN" altLang="en-US" smtClean="0"/>
           </a:p>
           <a:p>
             <a:pPr lvl="1"/>
@@ -3010,7 +3539,6 @@
               <a:rPr lang="zh-CN" altLang="en-US" smtClean="0"/>
               <a:t>第二级</a:t>
             </a:r>
-            <a:endParaRPr lang="zh-CN" altLang="en-US" smtClean="0"/>
           </a:p>
           <a:p>
             <a:pPr lvl="2"/>
@@ -3018,7 +3546,6 @@
               <a:rPr lang="zh-CN" altLang="en-US" smtClean="0"/>
               <a:t>第三级</a:t>
             </a:r>
-            <a:endParaRPr lang="zh-CN" altLang="en-US" smtClean="0"/>
           </a:p>
           <a:p>
             <a:pPr lvl="3"/>
@@ -3026,7 +3553,6 @@
               <a:rPr lang="zh-CN" altLang="en-US" smtClean="0"/>
               <a:t>第四级</a:t>
             </a:r>
-            <a:endParaRPr lang="zh-CN" altLang="en-US" smtClean="0"/>
           </a:p>
           <a:p>
             <a:pPr lvl="4"/>
@@ -3104,7 +3630,6 @@
               <a:rPr lang="zh-CN" altLang="en-US" smtClean="0"/>
               <a:t>单击此处编辑母版文本样式</a:t>
             </a:r>
-            <a:endParaRPr lang="zh-CN" altLang="en-US" smtClean="0"/>
           </a:p>
         </p:txBody>
       </p:sp>
@@ -3137,7 +3662,6 @@
               <a:rPr lang="zh-CN" altLang="en-US" smtClean="0"/>
               <a:t>单击此处编辑母版文本样式</a:t>
             </a:r>
-            <a:endParaRPr lang="zh-CN" altLang="en-US" smtClean="0"/>
           </a:p>
           <a:p>
             <a:pPr lvl="1"/>
@@ -3145,7 +3669,6 @@
               <a:rPr lang="zh-CN" altLang="en-US" smtClean="0"/>
               <a:t>第二级</a:t>
             </a:r>
-            <a:endParaRPr lang="zh-CN" altLang="en-US" smtClean="0"/>
           </a:p>
           <a:p>
             <a:pPr lvl="2"/>
@@ -3153,7 +3676,6 @@
               <a:rPr lang="zh-CN" altLang="en-US" smtClean="0"/>
               <a:t>第三级</a:t>
             </a:r>
-            <a:endParaRPr lang="zh-CN" altLang="en-US" smtClean="0"/>
           </a:p>
           <a:p>
             <a:pPr lvl="3"/>
@@ -3161,7 +3683,6 @@
               <a:rPr lang="zh-CN" altLang="en-US" smtClean="0"/>
               <a:t>第四级</a:t>
             </a:r>
-            <a:endParaRPr lang="zh-CN" altLang="en-US" smtClean="0"/>
           </a:p>
           <a:p>
             <a:pPr lvl="4"/>
@@ -3190,6 +3711,7 @@
           <a:p>
             <a:fld id="{82F288E0-7875-42C4-84C8-98DBBD3BF4D2}" type="datetimeFigureOut">
               <a:rPr lang="zh-CN" altLang="en-US" smtClean="0"/>
+              <a:t>2018/7/27</a:t>
             </a:fld>
             <a:endParaRPr lang="zh-CN" altLang="en-US"/>
           </a:p>
@@ -3231,6 +3753,7 @@
           <a:p>
             <a:fld id="{7D9BB5D0-35E4-459D-AEF3-FE4D7C45CC19}" type="slidenum">
               <a:rPr lang="zh-CN" altLang="en-US" smtClean="0"/>
+              <a:t>‹#›</a:t>
             </a:fld>
             <a:endParaRPr lang="zh-CN" altLang="en-US"/>
           </a:p>
@@ -3241,13 +3764,13 @@
   <p:clrMapOvr>
     <a:masterClrMapping/>
   </p:clrMapOvr>
-  <mc:AlternateContent xmlns:mc="http://schemas.openxmlformats.org/markup-compatibility/2006">
-    <mc:Choice xmlns:p14="http://schemas.microsoft.com/office/powerpoint/2010/main" Requires="p14">
+  <mc:AlternateContent xmlns:mc="http://schemas.openxmlformats.org/markup-compatibility/2006" xmlns:p14="http://schemas.microsoft.com/office/powerpoint/2010/main">
+    <mc:Choice Requires="p14">
       <p:transition p14:dur="250">
         <p:fade/>
       </p:transition>
     </mc:Choice>
-    <mc:Fallback>
+    <mc:Fallback xmlns="">
       <p:transition>
         <p:fade/>
       </p:transition>
@@ -3318,6 +3841,7 @@
           <a:p>
             <a:fld id="{82F288E0-7875-42C4-84C8-98DBBD3BF4D2}" type="datetimeFigureOut">
               <a:rPr lang="zh-CN" altLang="en-US" smtClean="0"/>
+              <a:t>2018/7/27</a:t>
             </a:fld>
             <a:endParaRPr lang="zh-CN" altLang="en-US"/>
           </a:p>
@@ -3359,6 +3883,7 @@
           <a:p>
             <a:fld id="{7D9BB5D0-35E4-459D-AEF3-FE4D7C45CC19}" type="slidenum">
               <a:rPr lang="zh-CN" altLang="en-US" smtClean="0"/>
+              <a:t>‹#›</a:t>
             </a:fld>
             <a:endParaRPr lang="zh-CN" altLang="en-US"/>
           </a:p>
@@ -3369,13 +3894,13 @@
   <p:clrMapOvr>
     <a:masterClrMapping/>
   </p:clrMapOvr>
-  <mc:AlternateContent xmlns:mc="http://schemas.openxmlformats.org/markup-compatibility/2006">
-    <mc:Choice xmlns:p14="http://schemas.microsoft.com/office/powerpoint/2010/main" Requires="p14">
+  <mc:AlternateContent xmlns:mc="http://schemas.openxmlformats.org/markup-compatibility/2006" xmlns:p14="http://schemas.microsoft.com/office/powerpoint/2010/main">
+    <mc:Choice Requires="p14">
       <p:transition p14:dur="250">
         <p:fade/>
       </p:transition>
     </mc:Choice>
-    <mc:Fallback>
+    <mc:Fallback xmlns="">
       <p:transition>
         <p:fade/>
       </p:transition>
@@ -3568,7 +4093,6 @@
               <a:rPr lang="zh-CN" altLang="en-US" smtClean="0"/>
               <a:t>单击此处编辑母版文本样式</a:t>
             </a:r>
-            <a:endParaRPr lang="zh-CN" altLang="en-US" smtClean="0"/>
           </a:p>
         </p:txBody>
       </p:sp>
@@ -3589,6 +4113,7 @@
           <a:p>
             <a:fld id="{82F288E0-7875-42C4-84C8-98DBBD3BF4D2}" type="datetimeFigureOut">
               <a:rPr lang="zh-CN" altLang="en-US" smtClean="0"/>
+              <a:t>2018/7/27</a:t>
             </a:fld>
             <a:endParaRPr lang="zh-CN" altLang="en-US"/>
           </a:p>
@@ -3630,6 +4155,7 @@
           <a:p>
             <a:fld id="{7D9BB5D0-35E4-459D-AEF3-FE4D7C45CC19}" type="slidenum">
               <a:rPr lang="zh-CN" altLang="en-US" smtClean="0"/>
+              <a:t>‹#›</a:t>
             </a:fld>
             <a:endParaRPr lang="zh-CN" altLang="en-US"/>
           </a:p>
@@ -3640,13 +4166,13 @@
   <p:clrMapOvr>
     <a:masterClrMapping/>
   </p:clrMapOvr>
-  <mc:AlternateContent xmlns:mc="http://schemas.openxmlformats.org/markup-compatibility/2006">
-    <mc:Choice xmlns:p14="http://schemas.microsoft.com/office/powerpoint/2010/main" Requires="p14">
+  <mc:AlternateContent xmlns:mc="http://schemas.openxmlformats.org/markup-compatibility/2006" xmlns:p14="http://schemas.microsoft.com/office/powerpoint/2010/main">
+    <mc:Choice Requires="p14">
       <p:transition p14:dur="250">
         <p:fade/>
       </p:transition>
     </mc:Choice>
-    <mc:Fallback>
+    <mc:Fallback xmlns="">
       <p:transition>
         <p:fade/>
       </p:transition>
@@ -3839,7 +4365,6 @@
               <a:rPr lang="zh-CN" altLang="en-US" smtClean="0"/>
               <a:t>单击此处编辑母版文本样式</a:t>
             </a:r>
-            <a:endParaRPr lang="zh-CN" altLang="en-US" smtClean="0"/>
           </a:p>
         </p:txBody>
       </p:sp>
@@ -3860,6 +4385,7 @@
           <a:p>
             <a:fld id="{82F288E0-7875-42C4-84C8-98DBBD3BF4D2}" type="datetimeFigureOut">
               <a:rPr lang="zh-CN" altLang="en-US" smtClean="0"/>
+              <a:t>2018/7/27</a:t>
             </a:fld>
             <a:endParaRPr lang="zh-CN" altLang="en-US"/>
           </a:p>
@@ -3901,6 +4427,7 @@
           <a:p>
             <a:fld id="{7D9BB5D0-35E4-459D-AEF3-FE4D7C45CC19}" type="slidenum">
               <a:rPr lang="zh-CN" altLang="en-US" smtClean="0"/>
+              <a:t>‹#›</a:t>
             </a:fld>
             <a:endParaRPr lang="zh-CN" altLang="en-US"/>
           </a:p>
@@ -3911,13 +4438,13 @@
   <p:clrMapOvr>
     <a:masterClrMapping/>
   </p:clrMapOvr>
-  <mc:AlternateContent xmlns:mc="http://schemas.openxmlformats.org/markup-compatibility/2006">
-    <mc:Choice xmlns:p14="http://schemas.microsoft.com/office/powerpoint/2010/main" Requires="p14">
+  <mc:AlternateContent xmlns:mc="http://schemas.openxmlformats.org/markup-compatibility/2006" xmlns:p14="http://schemas.microsoft.com/office/powerpoint/2010/main">
+    <mc:Choice Requires="p14">
       <p:transition p14:dur="250">
         <p:fade/>
       </p:transition>
     </mc:Choice>
-    <mc:Fallback>
+    <mc:Fallback xmlns="">
       <p:transition>
         <p:fade/>
       </p:transition>
@@ -3960,6 +4487,7 @@
           <a:p>
             <a:fld id="{82F288E0-7875-42C4-84C8-98DBBD3BF4D2}" type="datetimeFigureOut">
               <a:rPr lang="zh-CN" altLang="en-US" smtClean="0"/>
+              <a:t>2018/7/27</a:t>
             </a:fld>
             <a:endParaRPr lang="zh-CN" altLang="en-US"/>
           </a:p>
@@ -4001,6 +4529,7 @@
           <a:p>
             <a:fld id="{7D9BB5D0-35E4-459D-AEF3-FE4D7C45CC19}" type="slidenum">
               <a:rPr lang="zh-CN" altLang="en-US" smtClean="0"/>
+              <a:t>‹#›</a:t>
             </a:fld>
             <a:endParaRPr lang="zh-CN" altLang="en-US"/>
           </a:p>
@@ -4024,6 +4553,7 @@
         </p:spPr>
         <p:txBody>
           <a:bodyPr vert="eaVert"/>
+          <a:lstStyle/>
           <a:p>
             <a:r>
               <a:rPr lang="zh-CN" altLang="en-US" smtClean="0"/>
@@ -4051,13 +4581,13 @@
         </p:spPr>
         <p:txBody>
           <a:bodyPr vert="eaVert"/>
+          <a:lstStyle/>
           <a:p>
             <a:pPr lvl="0"/>
             <a:r>
               <a:rPr lang="zh-CN" altLang="en-US" smtClean="0"/>
               <a:t>单击此处编辑母版文本样式</a:t>
             </a:r>
-            <a:endParaRPr lang="zh-CN" altLang="en-US" smtClean="0"/>
           </a:p>
           <a:p>
             <a:pPr lvl="1"/>
@@ -4065,7 +4595,6 @@
               <a:rPr lang="zh-CN" altLang="en-US" smtClean="0"/>
               <a:t>第二级</a:t>
             </a:r>
-            <a:endParaRPr lang="zh-CN" altLang="en-US" smtClean="0"/>
           </a:p>
           <a:p>
             <a:pPr lvl="2"/>
@@ -4073,7 +4602,6 @@
               <a:rPr lang="zh-CN" altLang="en-US" smtClean="0"/>
               <a:t>第三级</a:t>
             </a:r>
-            <a:endParaRPr lang="zh-CN" altLang="en-US" smtClean="0"/>
           </a:p>
           <a:p>
             <a:pPr lvl="3"/>
@@ -4081,7 +4609,6 @@
               <a:rPr lang="zh-CN" altLang="en-US" smtClean="0"/>
               <a:t>第四级</a:t>
             </a:r>
-            <a:endParaRPr lang="zh-CN" altLang="en-US" smtClean="0"/>
           </a:p>
           <a:p>
             <a:pPr lvl="4"/>
@@ -4098,13 +4625,13 @@
   <p:clrMapOvr>
     <a:masterClrMapping/>
   </p:clrMapOvr>
-  <mc:AlternateContent xmlns:mc="http://schemas.openxmlformats.org/markup-compatibility/2006">
-    <mc:Choice xmlns:p14="http://schemas.microsoft.com/office/powerpoint/2010/main" Requires="p14">
+  <mc:AlternateContent xmlns:mc="http://schemas.openxmlformats.org/markup-compatibility/2006" xmlns:p14="http://schemas.microsoft.com/office/powerpoint/2010/main">
+    <mc:Choice Requires="p14">
       <p:transition p14:dur="250">
         <p:fade/>
       </p:transition>
     </mc:Choice>
-    <mc:Fallback>
+    <mc:Fallback xmlns="">
       <p:transition>
         <p:fade/>
       </p:transition>
@@ -4218,7 +4745,6 @@
               <a:rPr lang="zh-CN" altLang="en-US" smtClean="0"/>
               <a:t>单击此处编辑母版文本样式</a:t>
             </a:r>
-            <a:endParaRPr lang="zh-CN" altLang="en-US" smtClean="0"/>
           </a:p>
           <a:p>
             <a:pPr lvl="1"/>
@@ -4226,7 +4752,6 @@
               <a:rPr lang="zh-CN" altLang="en-US" smtClean="0"/>
               <a:t>第二级</a:t>
             </a:r>
-            <a:endParaRPr lang="zh-CN" altLang="en-US" smtClean="0"/>
           </a:p>
           <a:p>
             <a:pPr lvl="2"/>
@@ -4234,7 +4759,6 @@
               <a:rPr lang="zh-CN" altLang="en-US" smtClean="0"/>
               <a:t>第三级</a:t>
             </a:r>
-            <a:endParaRPr lang="zh-CN" altLang="en-US" smtClean="0"/>
           </a:p>
           <a:p>
             <a:pPr lvl="3"/>
@@ -4242,7 +4766,6 @@
               <a:rPr lang="zh-CN" altLang="en-US" smtClean="0"/>
               <a:t>第四级</a:t>
             </a:r>
-            <a:endParaRPr lang="zh-CN" altLang="en-US" smtClean="0"/>
           </a:p>
           <a:p>
             <a:pPr lvl="4"/>
@@ -4291,6 +4814,7 @@
           <a:p>
             <a:fld id="{82F288E0-7875-42C4-84C8-98DBBD3BF4D2}" type="datetimeFigureOut">
               <a:rPr lang="zh-CN" altLang="en-US" smtClean="0"/>
+              <a:t>2018/7/27</a:t>
             </a:fld>
             <a:endParaRPr lang="zh-CN" altLang="en-US"/>
           </a:p>
@@ -4372,6 +4896,7 @@
           <a:p>
             <a:fld id="{7D9BB5D0-35E4-459D-AEF3-FE4D7C45CC19}" type="slidenum">
               <a:rPr lang="zh-CN" altLang="en-US" smtClean="0"/>
+              <a:t>‹#›</a:t>
             </a:fld>
             <a:endParaRPr lang="zh-CN" altLang="en-US"/>
           </a:p>
@@ -4395,13 +4920,13 @@
     <p:sldLayoutId id="2147483660" r:id="rId12"/>
     <p:sldLayoutId id="2147483661" r:id="rId13"/>
   </p:sldLayoutIdLst>
-  <mc:AlternateContent xmlns:mc="http://schemas.openxmlformats.org/markup-compatibility/2006">
-    <mc:Choice xmlns:p14="http://schemas.microsoft.com/office/powerpoint/2010/main" Requires="p14">
+  <mc:AlternateContent xmlns:mc="http://schemas.openxmlformats.org/markup-compatibility/2006" xmlns:p14="http://schemas.microsoft.com/office/powerpoint/2010/main">
+    <mc:Choice Requires="p14">
       <p:transition p14:dur="250">
         <p:fade/>
       </p:transition>
     </mc:Choice>
-    <mc:Fallback>
+    <mc:Fallback xmlns="">
       <p:transition>
         <p:fade/>
       </p:transition>
@@ -4743,7 +5268,7 @@
           <p:nvPr/>
         </p:nvPicPr>
         <p:blipFill>
-          <a:blip r:embed="rId1" cstate="print"/>
+          <a:blip r:embed="rId3" cstate="print"/>
           <a:srcRect/>
           <a:stretch>
             <a:fillRect/>
@@ -4817,7 +5342,7 @@
         <p:spPr bwMode="auto">
           <a:xfrm>
             <a:off x="5195796" y="2919508"/>
-            <a:ext cx="1065530" cy="819785"/>
+            <a:ext cx="1075615" cy="820225"/>
           </a:xfrm>
           <a:prstGeom prst="rect">
             <a:avLst/>
@@ -5014,17 +5539,6 @@
               </a:rPr>
               <a:t> </a:t>
             </a:r>
-            <a:endParaRPr lang="zh-CN" altLang="en-US" sz="1335" dirty="0">
-              <a:solidFill>
-                <a:schemeClr val="tx1">
-                  <a:lumMod val="65000"/>
-                  <a:lumOff val="35000"/>
-                </a:schemeClr>
-              </a:solidFill>
-              <a:latin typeface="微软雅黑" panose="020B0503020204020204" charset="-122"/>
-              <a:ea typeface="微软雅黑" panose="020B0503020204020204" charset="-122"/>
-              <a:cs typeface="Arial" panose="020B0604020202020204" pitchFamily="34" charset="0"/>
-            </a:endParaRPr>
           </a:p>
         </p:txBody>
       </p:sp>
@@ -5037,7 +5551,7 @@
           <p:nvPr/>
         </p:nvPicPr>
         <p:blipFill>
-          <a:blip r:embed="rId2"/>
+          <a:blip r:embed="rId4"/>
           <a:stretch>
             <a:fillRect/>
           </a:stretch>
@@ -5057,11 +5571,11 @@
   <p:clrMapOvr>
     <a:masterClrMapping/>
   </p:clrMapOvr>
-  <mc:AlternateContent xmlns:mc="http://schemas.openxmlformats.org/markup-compatibility/2006">
-    <mc:Choice xmlns:p14="http://schemas.microsoft.com/office/powerpoint/2010/main" Requires="p14">
+  <mc:AlternateContent xmlns:mc="http://schemas.openxmlformats.org/markup-compatibility/2006" xmlns:p14="http://schemas.microsoft.com/office/powerpoint/2010/main">
+    <mc:Choice Requires="p14">
       <p:transition p14:dur="0"/>
     </mc:Choice>
-    <mc:Fallback>
+    <mc:Fallback xmlns="">
       <p:transition/>
     </mc:Fallback>
   </mc:AlternateContent>
@@ -5628,7 +6142,4863 @@
           <p:nvPr/>
         </p:nvPicPr>
         <p:blipFill>
-          <a:blip r:embed="rId1" cstate="print"/>
+          <a:blip r:embed="rId3" cstate="print"/>
+          <a:srcRect/>
+          <a:stretch>
+            <a:fillRect/>
+          </a:stretch>
+        </p:blipFill>
+        <p:spPr bwMode="auto">
+          <a:xfrm>
+            <a:off x="2775" y="0"/>
+            <a:ext cx="12188990" cy="6862655"/>
+          </a:xfrm>
+          <a:prstGeom prst="rect">
+            <a:avLst/>
+          </a:prstGeom>
+          <a:noFill/>
+        </p:spPr>
+      </p:pic>
+      <p:sp>
+        <p:nvSpPr>
+          <p:cNvPr id="22" name="矩形 21"/>
+          <p:cNvSpPr/>
+          <p:nvPr/>
+        </p:nvSpPr>
+        <p:spPr>
+          <a:xfrm>
+            <a:off x="576593" y="548968"/>
+            <a:ext cx="11038501" cy="5759218"/>
+          </a:xfrm>
+          <a:prstGeom prst="rect">
+            <a:avLst/>
+          </a:prstGeom>
+          <a:solidFill>
+            <a:schemeClr val="bg1"/>
+          </a:solidFill>
+          <a:ln>
+            <a:noFill/>
+          </a:ln>
+        </p:spPr>
+        <p:style>
+          <a:lnRef idx="2">
+            <a:schemeClr val="accent1">
+              <a:shade val="50000"/>
+            </a:schemeClr>
+          </a:lnRef>
+          <a:fillRef idx="1">
+            <a:schemeClr val="accent1"/>
+          </a:fillRef>
+          <a:effectRef idx="0">
+            <a:schemeClr val="accent1"/>
+          </a:effectRef>
+          <a:fontRef idx="minor">
+            <a:schemeClr val="lt1"/>
+          </a:fontRef>
+        </p:style>
+        <p:txBody>
+          <a:bodyPr rtlCol="0" anchor="ctr"/>
+          <a:lstStyle/>
+          <a:p>
+            <a:pPr algn="ctr"/>
+            <a:endParaRPr lang="zh-CN" altLang="en-US" sz="2400"/>
+          </a:p>
+        </p:txBody>
+      </p:sp>
+      <p:sp>
+        <p:nvSpPr>
+          <p:cNvPr id="2" name="文本框 1"/>
+          <p:cNvSpPr txBox="1"/>
+          <p:nvPr/>
+        </p:nvSpPr>
+        <p:spPr>
+          <a:xfrm>
+            <a:off x="837565" y="673735"/>
+            <a:ext cx="2722880" cy="460375"/>
+          </a:xfrm>
+          <a:prstGeom prst="rect">
+            <a:avLst/>
+          </a:prstGeom>
+          <a:noFill/>
+        </p:spPr>
+        <p:txBody>
+          <a:bodyPr wrap="square" rtlCol="0">
+            <a:spAutoFit/>
+            <a:scene3d>
+              <a:camera prst="orthographicFront"/>
+              <a:lightRig rig="threePt" dir="t"/>
+            </a:scene3d>
+          </a:bodyPr>
+          <a:lstStyle/>
+          <a:p>
+            <a:r>
+              <a:rPr lang="zh-CN" altLang="en-US" sz="2400">
+                <a:solidFill>
+                  <a:schemeClr val="tx1"/>
+                </a:solidFill>
+                <a:effectLst>
+                  <a:outerShdw blurRad="38100" dist="19050" dir="2700000" algn="tl" rotWithShape="0">
+                    <a:schemeClr val="dk1">
+                      <a:alpha val="40000"/>
+                    </a:schemeClr>
+                  </a:outerShdw>
+                </a:effectLst>
+                <a:latin typeface="微软雅黑" panose="020B0503020204020204" charset="-122"/>
+                <a:ea typeface="微软雅黑" panose="020B0503020204020204" charset="-122"/>
+                <a:cs typeface="微软雅黑" panose="020B0503020204020204" charset="-122"/>
+              </a:rPr>
+              <a:t>挨个来看看</a:t>
+            </a:r>
+          </a:p>
+        </p:txBody>
+      </p:sp>
+      <p:sp>
+        <p:nvSpPr>
+          <p:cNvPr id="3" name="文本框 2"/>
+          <p:cNvSpPr txBox="1"/>
+          <p:nvPr/>
+        </p:nvSpPr>
+        <p:spPr>
+          <a:xfrm>
+            <a:off x="1353185" y="1362075"/>
+            <a:ext cx="9030335" cy="646331"/>
+          </a:xfrm>
+          <a:prstGeom prst="rect">
+            <a:avLst/>
+          </a:prstGeom>
+          <a:noFill/>
+        </p:spPr>
+        <p:txBody>
+          <a:bodyPr wrap="square" rtlCol="0">
+            <a:spAutoFit/>
+          </a:bodyPr>
+          <a:lstStyle/>
+          <a:p>
+            <a:r>
+              <a:rPr lang="zh-CN" altLang="en-US" dirty="0" smtClean="0"/>
+              <a:t>无论严格模式与否，函数作为对象方法时，</a:t>
+            </a:r>
+            <a:r>
+              <a:rPr lang="en-US" altLang="zh-CN" dirty="0" smtClean="0"/>
+              <a:t>this</a:t>
+            </a:r>
+            <a:r>
+              <a:rPr lang="zh-CN" altLang="en-US" dirty="0" smtClean="0"/>
+              <a:t>所指则为对象本身</a:t>
+            </a:r>
+            <a:r>
+              <a:rPr lang="zh-CN" altLang="en-US" dirty="0" smtClean="0"/>
+              <a:t>。但要注意那些迷惑人的。</a:t>
+            </a:r>
+            <a:endParaRPr lang="zh-CN" altLang="en-US" dirty="0"/>
+          </a:p>
+        </p:txBody>
+      </p:sp>
+      <p:pic>
+        <p:nvPicPr>
+          <p:cNvPr id="4" name="Picture 3"/>
+          <p:cNvPicPr>
+            <a:picLocks noChangeAspect="1"/>
+          </p:cNvPicPr>
+          <p:nvPr/>
+        </p:nvPicPr>
+        <p:blipFill>
+          <a:blip r:embed="rId4">
+            <a:extLst>
+              <a:ext uri="{28A0092B-C50C-407E-A947-70E740481C1C}">
+                <a14:useLocalDpi xmlns:a14="http://schemas.microsoft.com/office/drawing/2010/main" val="0"/>
+              </a:ext>
+            </a:extLst>
+          </a:blip>
+          <a:stretch>
+            <a:fillRect/>
+          </a:stretch>
+        </p:blipFill>
+        <p:spPr>
+          <a:xfrm>
+            <a:off x="1353185" y="2090614"/>
+            <a:ext cx="7268589" cy="1762371"/>
+          </a:xfrm>
+          <a:prstGeom prst="rect">
+            <a:avLst/>
+          </a:prstGeom>
+        </p:spPr>
+      </p:pic>
+      <p:pic>
+        <p:nvPicPr>
+          <p:cNvPr id="5" name="Picture 4"/>
+          <p:cNvPicPr>
+            <a:picLocks noChangeAspect="1"/>
+          </p:cNvPicPr>
+          <p:nvPr/>
+        </p:nvPicPr>
+        <p:blipFill>
+          <a:blip r:embed="rId5">
+            <a:extLst>
+              <a:ext uri="{28A0092B-C50C-407E-A947-70E740481C1C}">
+                <a14:useLocalDpi xmlns:a14="http://schemas.microsoft.com/office/drawing/2010/main" val="0"/>
+              </a:ext>
+            </a:extLst>
+          </a:blip>
+          <a:stretch>
+            <a:fillRect/>
+          </a:stretch>
+        </p:blipFill>
+        <p:spPr>
+          <a:xfrm>
+            <a:off x="1353185" y="3193076"/>
+            <a:ext cx="6925642" cy="3115110"/>
+          </a:xfrm>
+          <a:prstGeom prst="rect">
+            <a:avLst/>
+          </a:prstGeom>
+        </p:spPr>
+      </p:pic>
+    </p:spTree>
+    <p:extLst>
+      <p:ext uri="{BB962C8B-B14F-4D97-AF65-F5344CB8AC3E}">
+        <p14:creationId xmlns:p14="http://schemas.microsoft.com/office/powerpoint/2010/main" val="450742730"/>
+      </p:ext>
+    </p:extLst>
+  </p:cSld>
+  <p:clrMapOvr>
+    <a:masterClrMapping/>
+  </p:clrMapOvr>
+  <mc:AlternateContent xmlns:mc="http://schemas.openxmlformats.org/markup-compatibility/2006" xmlns:p14="http://schemas.microsoft.com/office/powerpoint/2010/main">
+    <mc:Choice Requires="p14">
+      <p:transition p14:dur="0"/>
+    </mc:Choice>
+    <mc:Fallback xmlns="">
+      <p:transition/>
+    </mc:Fallback>
+  </mc:AlternateContent>
+  <p:timing>
+    <p:tnLst>
+      <p:par>
+        <p:cTn id="1" dur="indefinite" restart="never" nodeType="tmRoot">
+          <p:childTnLst>
+            <p:seq concurrent="1" nextAc="seek">
+              <p:cTn id="2" dur="indefinite" nodeType="mainSeq">
+                <p:childTnLst>
+                  <p:par>
+                    <p:cTn id="3" fill="hold">
+                      <p:stCondLst>
+                        <p:cond delay="indefinite"/>
+                      </p:stCondLst>
+                      <p:childTnLst>
+                        <p:par>
+                          <p:cTn id="4" fill="hold">
+                            <p:stCondLst>
+                              <p:cond delay="0"/>
+                            </p:stCondLst>
+                            <p:childTnLst>
+                              <p:par>
+                                <p:cTn id="5" presetID="50" presetClass="entr" presetSubtype="0" decel="100000" fill="hold" nodeType="clickEffect">
+                                  <p:stCondLst>
+                                    <p:cond delay="0"/>
+                                  </p:stCondLst>
+                                  <p:childTnLst>
+                                    <p:set>
+                                      <p:cBhvr>
+                                        <p:cTn id="6" dur="1" fill="hold">
+                                          <p:stCondLst>
+                                            <p:cond delay="0"/>
+                                          </p:stCondLst>
+                                        </p:cTn>
+                                        <p:tgtEl>
+                                          <p:spTgt spid="1026"/>
+                                        </p:tgtEl>
+                                        <p:attrNameLst>
+                                          <p:attrName>style.visibility</p:attrName>
+                                        </p:attrNameLst>
+                                      </p:cBhvr>
+                                      <p:to>
+                                        <p:strVal val="visible"/>
+                                      </p:to>
+                                    </p:set>
+                                    <p:anim calcmode="lin" valueType="num">
+                                      <p:cBhvr>
+                                        <p:cTn id="7" dur="1000" fill="hold"/>
+                                        <p:tgtEl>
+                                          <p:spTgt spid="1026"/>
+                                        </p:tgtEl>
+                                        <p:attrNameLst>
+                                          <p:attrName>ppt_w</p:attrName>
+                                        </p:attrNameLst>
+                                      </p:cBhvr>
+                                      <p:tavLst>
+                                        <p:tav tm="0">
+                                          <p:val>
+                                            <p:strVal val="#ppt_w+.3"/>
+                                          </p:val>
+                                        </p:tav>
+                                        <p:tav tm="100000">
+                                          <p:val>
+                                            <p:strVal val="#ppt_w"/>
+                                          </p:val>
+                                        </p:tav>
+                                      </p:tavLst>
+                                    </p:anim>
+                                    <p:anim calcmode="lin" valueType="num">
+                                      <p:cBhvr>
+                                        <p:cTn id="8" dur="1000" fill="hold"/>
+                                        <p:tgtEl>
+                                          <p:spTgt spid="1026"/>
+                                        </p:tgtEl>
+                                        <p:attrNameLst>
+                                          <p:attrName>ppt_h</p:attrName>
+                                        </p:attrNameLst>
+                                      </p:cBhvr>
+                                      <p:tavLst>
+                                        <p:tav tm="0">
+                                          <p:val>
+                                            <p:strVal val="#ppt_h"/>
+                                          </p:val>
+                                        </p:tav>
+                                        <p:tav tm="100000">
+                                          <p:val>
+                                            <p:strVal val="#ppt_h"/>
+                                          </p:val>
+                                        </p:tav>
+                                      </p:tavLst>
+                                    </p:anim>
+                                    <p:animEffect transition="in" filter="fade">
+                                      <p:cBhvr>
+                                        <p:cTn id="9" dur="1000"/>
+                                        <p:tgtEl>
+                                          <p:spTgt spid="1026"/>
+                                        </p:tgtEl>
+                                      </p:cBhvr>
+                                    </p:animEffect>
+                                  </p:childTnLst>
+                                </p:cTn>
+                              </p:par>
+                            </p:childTnLst>
+                          </p:cTn>
+                        </p:par>
+                      </p:childTnLst>
+                    </p:cTn>
+                  </p:par>
+                  <p:par>
+                    <p:cTn id="10" fill="hold">
+                      <p:stCondLst>
+                        <p:cond delay="indefinite"/>
+                      </p:stCondLst>
+                      <p:childTnLst>
+                        <p:par>
+                          <p:cTn id="11" fill="hold">
+                            <p:stCondLst>
+                              <p:cond delay="0"/>
+                            </p:stCondLst>
+                            <p:childTnLst>
+                              <p:par>
+                                <p:cTn id="12" presetID="42" presetClass="entr" presetSubtype="0" fill="hold" grpId="0" nodeType="clickEffect">
+                                  <p:stCondLst>
+                                    <p:cond delay="0"/>
+                                  </p:stCondLst>
+                                  <p:childTnLst>
+                                    <p:set>
+                                      <p:cBhvr>
+                                        <p:cTn id="13" dur="1" fill="hold">
+                                          <p:stCondLst>
+                                            <p:cond delay="0"/>
+                                          </p:stCondLst>
+                                        </p:cTn>
+                                        <p:tgtEl>
+                                          <p:spTgt spid="22"/>
+                                        </p:tgtEl>
+                                        <p:attrNameLst>
+                                          <p:attrName>style.visibility</p:attrName>
+                                        </p:attrNameLst>
+                                      </p:cBhvr>
+                                      <p:to>
+                                        <p:strVal val="visible"/>
+                                      </p:to>
+                                    </p:set>
+                                    <p:animEffect transition="in" filter="fade">
+                                      <p:cBhvr>
+                                        <p:cTn id="14" dur="1000"/>
+                                        <p:tgtEl>
+                                          <p:spTgt spid="22"/>
+                                        </p:tgtEl>
+                                      </p:cBhvr>
+                                    </p:animEffect>
+                                    <p:anim calcmode="lin" valueType="num">
+                                      <p:cBhvr>
+                                        <p:cTn id="15" dur="1000" fill="hold"/>
+                                        <p:tgtEl>
+                                          <p:spTgt spid="22"/>
+                                        </p:tgtEl>
+                                        <p:attrNameLst>
+                                          <p:attrName>ppt_x</p:attrName>
+                                        </p:attrNameLst>
+                                      </p:cBhvr>
+                                      <p:tavLst>
+                                        <p:tav tm="0">
+                                          <p:val>
+                                            <p:strVal val="#ppt_x"/>
+                                          </p:val>
+                                        </p:tav>
+                                        <p:tav tm="100000">
+                                          <p:val>
+                                            <p:strVal val="#ppt_x"/>
+                                          </p:val>
+                                        </p:tav>
+                                      </p:tavLst>
+                                    </p:anim>
+                                    <p:anim calcmode="lin" valueType="num">
+                                      <p:cBhvr>
+                                        <p:cTn id="16" dur="1000" fill="hold"/>
+                                        <p:tgtEl>
+                                          <p:spTgt spid="22"/>
+                                        </p:tgtEl>
+                                        <p:attrNameLst>
+                                          <p:attrName>ppt_y</p:attrName>
+                                        </p:attrNameLst>
+                                      </p:cBhvr>
+                                      <p:tavLst>
+                                        <p:tav tm="0">
+                                          <p:val>
+                                            <p:strVal val="#ppt_y+.1"/>
+                                          </p:val>
+                                        </p:tav>
+                                        <p:tav tm="100000">
+                                          <p:val>
+                                            <p:strVal val="#ppt_y"/>
+                                          </p:val>
+                                        </p:tav>
+                                      </p:tavLst>
+                                    </p:anim>
+                                  </p:childTnLst>
+                                </p:cTn>
+                              </p:par>
+                            </p:childTnLst>
+                          </p:cTn>
+                        </p:par>
+                        <p:par>
+                          <p:cTn id="17" fill="hold">
+                            <p:stCondLst>
+                              <p:cond delay="1000"/>
+                            </p:stCondLst>
+                            <p:childTnLst>
+                              <p:par>
+                                <p:cTn id="18" presetID="2" presetClass="entr" presetSubtype="4" fill="hold" grpId="0" nodeType="afterEffect">
+                                  <p:stCondLst>
+                                    <p:cond delay="0"/>
+                                  </p:stCondLst>
+                                  <p:childTnLst>
+                                    <p:set>
+                                      <p:cBhvr>
+                                        <p:cTn id="19" dur="1" fill="hold">
+                                          <p:stCondLst>
+                                            <p:cond delay="0"/>
+                                          </p:stCondLst>
+                                        </p:cTn>
+                                        <p:tgtEl>
+                                          <p:spTgt spid="2"/>
+                                        </p:tgtEl>
+                                        <p:attrNameLst>
+                                          <p:attrName>style.visibility</p:attrName>
+                                        </p:attrNameLst>
+                                      </p:cBhvr>
+                                      <p:to>
+                                        <p:strVal val="visible"/>
+                                      </p:to>
+                                    </p:set>
+                                    <p:anim calcmode="lin" valueType="num">
+                                      <p:cBhvr additive="base">
+                                        <p:cTn id="20" dur="500" fill="hold"/>
+                                        <p:tgtEl>
+                                          <p:spTgt spid="2"/>
+                                        </p:tgtEl>
+                                        <p:attrNameLst>
+                                          <p:attrName>ppt_x</p:attrName>
+                                        </p:attrNameLst>
+                                      </p:cBhvr>
+                                      <p:tavLst>
+                                        <p:tav tm="0">
+                                          <p:val>
+                                            <p:strVal val="#ppt_x"/>
+                                          </p:val>
+                                        </p:tav>
+                                        <p:tav tm="100000">
+                                          <p:val>
+                                            <p:strVal val="#ppt_x"/>
+                                          </p:val>
+                                        </p:tav>
+                                      </p:tavLst>
+                                    </p:anim>
+                                    <p:anim calcmode="lin" valueType="num">
+                                      <p:cBhvr additive="base">
+                                        <p:cTn id="21" dur="500" fill="hold"/>
+                                        <p:tgtEl>
+                                          <p:spTgt spid="2"/>
+                                        </p:tgtEl>
+                                        <p:attrNameLst>
+                                          <p:attrName>ppt_y</p:attrName>
+                                        </p:attrNameLst>
+                                      </p:cBhvr>
+                                      <p:tavLst>
+                                        <p:tav tm="0">
+                                          <p:val>
+                                            <p:strVal val="1+#ppt_h/2"/>
+                                          </p:val>
+                                        </p:tav>
+                                        <p:tav tm="100000">
+                                          <p:val>
+                                            <p:strVal val="#ppt_y"/>
+                                          </p:val>
+                                        </p:tav>
+                                      </p:tavLst>
+                                    </p:anim>
+                                  </p:childTnLst>
+                                </p:cTn>
+                              </p:par>
+                            </p:childTnLst>
+                          </p:cTn>
+                        </p:par>
+                        <p:par>
+                          <p:cTn id="22" fill="hold">
+                            <p:stCondLst>
+                              <p:cond delay="1500"/>
+                            </p:stCondLst>
+                            <p:childTnLst>
+                              <p:par>
+                                <p:cTn id="23" presetID="2" presetClass="entr" presetSubtype="4" fill="hold" grpId="0" nodeType="afterEffect">
+                                  <p:stCondLst>
+                                    <p:cond delay="0"/>
+                                  </p:stCondLst>
+                                  <p:childTnLst>
+                                    <p:set>
+                                      <p:cBhvr>
+                                        <p:cTn id="24" dur="1" fill="hold">
+                                          <p:stCondLst>
+                                            <p:cond delay="0"/>
+                                          </p:stCondLst>
+                                        </p:cTn>
+                                        <p:tgtEl>
+                                          <p:spTgt spid="3"/>
+                                        </p:tgtEl>
+                                        <p:attrNameLst>
+                                          <p:attrName>style.visibility</p:attrName>
+                                        </p:attrNameLst>
+                                      </p:cBhvr>
+                                      <p:to>
+                                        <p:strVal val="visible"/>
+                                      </p:to>
+                                    </p:set>
+                                    <p:anim calcmode="lin" valueType="num">
+                                      <p:cBhvr additive="base">
+                                        <p:cTn id="25" dur="500" fill="hold"/>
+                                        <p:tgtEl>
+                                          <p:spTgt spid="3"/>
+                                        </p:tgtEl>
+                                        <p:attrNameLst>
+                                          <p:attrName>ppt_x</p:attrName>
+                                        </p:attrNameLst>
+                                      </p:cBhvr>
+                                      <p:tavLst>
+                                        <p:tav tm="0">
+                                          <p:val>
+                                            <p:strVal val="#ppt_x"/>
+                                          </p:val>
+                                        </p:tav>
+                                        <p:tav tm="100000">
+                                          <p:val>
+                                            <p:strVal val="#ppt_x"/>
+                                          </p:val>
+                                        </p:tav>
+                                      </p:tavLst>
+                                    </p:anim>
+                                    <p:anim calcmode="lin" valueType="num">
+                                      <p:cBhvr additive="base">
+                                        <p:cTn id="26" dur="500" fill="hold"/>
+                                        <p:tgtEl>
+                                          <p:spTgt spid="3"/>
+                                        </p:tgtEl>
+                                        <p:attrNameLst>
+                                          <p:attrName>ppt_y</p:attrName>
+                                        </p:attrNameLst>
+                                      </p:cBhvr>
+                                      <p:tavLst>
+                                        <p:tav tm="0">
+                                          <p:val>
+                                            <p:strVal val="1+#ppt_h/2"/>
+                                          </p:val>
+                                        </p:tav>
+                                        <p:tav tm="100000">
+                                          <p:val>
+                                            <p:strVal val="#ppt_y"/>
+                                          </p:val>
+                                        </p:tav>
+                                      </p:tavLst>
+                                    </p:anim>
+                                  </p:childTnLst>
+                                </p:cTn>
+                              </p:par>
+                            </p:childTnLst>
+                          </p:cTn>
+                        </p:par>
+                      </p:childTnLst>
+                    </p:cTn>
+                  </p:par>
+                  <p:par>
+                    <p:cTn id="27" fill="hold">
+                      <p:stCondLst>
+                        <p:cond delay="indefinite"/>
+                      </p:stCondLst>
+                      <p:childTnLst>
+                        <p:par>
+                          <p:cTn id="28" fill="hold">
+                            <p:stCondLst>
+                              <p:cond delay="0"/>
+                            </p:stCondLst>
+                            <p:childTnLst>
+                              <p:par>
+                                <p:cTn id="29" presetID="2" presetClass="entr" presetSubtype="4" fill="hold" nodeType="clickEffect">
+                                  <p:stCondLst>
+                                    <p:cond delay="0"/>
+                                  </p:stCondLst>
+                                  <p:childTnLst>
+                                    <p:set>
+                                      <p:cBhvr>
+                                        <p:cTn id="30" dur="1" fill="hold">
+                                          <p:stCondLst>
+                                            <p:cond delay="0"/>
+                                          </p:stCondLst>
+                                        </p:cTn>
+                                        <p:tgtEl>
+                                          <p:spTgt spid="4"/>
+                                        </p:tgtEl>
+                                        <p:attrNameLst>
+                                          <p:attrName>style.visibility</p:attrName>
+                                        </p:attrNameLst>
+                                      </p:cBhvr>
+                                      <p:to>
+                                        <p:strVal val="visible"/>
+                                      </p:to>
+                                    </p:set>
+                                    <p:anim calcmode="lin" valueType="num">
+                                      <p:cBhvr additive="base">
+                                        <p:cTn id="31" dur="500" fill="hold"/>
+                                        <p:tgtEl>
+                                          <p:spTgt spid="4"/>
+                                        </p:tgtEl>
+                                        <p:attrNameLst>
+                                          <p:attrName>ppt_x</p:attrName>
+                                        </p:attrNameLst>
+                                      </p:cBhvr>
+                                      <p:tavLst>
+                                        <p:tav tm="0">
+                                          <p:val>
+                                            <p:strVal val="#ppt_x"/>
+                                          </p:val>
+                                        </p:tav>
+                                        <p:tav tm="100000">
+                                          <p:val>
+                                            <p:strVal val="#ppt_x"/>
+                                          </p:val>
+                                        </p:tav>
+                                      </p:tavLst>
+                                    </p:anim>
+                                    <p:anim calcmode="lin" valueType="num">
+                                      <p:cBhvr additive="base">
+                                        <p:cTn id="32" dur="500" fill="hold"/>
+                                        <p:tgtEl>
+                                          <p:spTgt spid="4"/>
+                                        </p:tgtEl>
+                                        <p:attrNameLst>
+                                          <p:attrName>ppt_y</p:attrName>
+                                        </p:attrNameLst>
+                                      </p:cBhvr>
+                                      <p:tavLst>
+                                        <p:tav tm="0">
+                                          <p:val>
+                                            <p:strVal val="1+#ppt_h/2"/>
+                                          </p:val>
+                                        </p:tav>
+                                        <p:tav tm="100000">
+                                          <p:val>
+                                            <p:strVal val="#ppt_y"/>
+                                          </p:val>
+                                        </p:tav>
+                                      </p:tavLst>
+                                    </p:anim>
+                                  </p:childTnLst>
+                                </p:cTn>
+                              </p:par>
+                            </p:childTnLst>
+                          </p:cTn>
+                        </p:par>
+                      </p:childTnLst>
+                    </p:cTn>
+                  </p:par>
+                  <p:par>
+                    <p:cTn id="33" fill="hold">
+                      <p:stCondLst>
+                        <p:cond delay="indefinite"/>
+                      </p:stCondLst>
+                      <p:childTnLst>
+                        <p:par>
+                          <p:cTn id="34" fill="hold">
+                            <p:stCondLst>
+                              <p:cond delay="0"/>
+                            </p:stCondLst>
+                            <p:childTnLst>
+                              <p:par>
+                                <p:cTn id="35" presetID="2" presetClass="entr" presetSubtype="4" fill="hold" nodeType="clickEffect">
+                                  <p:stCondLst>
+                                    <p:cond delay="0"/>
+                                  </p:stCondLst>
+                                  <p:childTnLst>
+                                    <p:set>
+                                      <p:cBhvr>
+                                        <p:cTn id="36" dur="1" fill="hold">
+                                          <p:stCondLst>
+                                            <p:cond delay="0"/>
+                                          </p:stCondLst>
+                                        </p:cTn>
+                                        <p:tgtEl>
+                                          <p:spTgt spid="5"/>
+                                        </p:tgtEl>
+                                        <p:attrNameLst>
+                                          <p:attrName>style.visibility</p:attrName>
+                                        </p:attrNameLst>
+                                      </p:cBhvr>
+                                      <p:to>
+                                        <p:strVal val="visible"/>
+                                      </p:to>
+                                    </p:set>
+                                    <p:anim calcmode="lin" valueType="num">
+                                      <p:cBhvr additive="base">
+                                        <p:cTn id="37" dur="500" fill="hold"/>
+                                        <p:tgtEl>
+                                          <p:spTgt spid="5"/>
+                                        </p:tgtEl>
+                                        <p:attrNameLst>
+                                          <p:attrName>ppt_x</p:attrName>
+                                        </p:attrNameLst>
+                                      </p:cBhvr>
+                                      <p:tavLst>
+                                        <p:tav tm="0">
+                                          <p:val>
+                                            <p:strVal val="#ppt_x"/>
+                                          </p:val>
+                                        </p:tav>
+                                        <p:tav tm="100000">
+                                          <p:val>
+                                            <p:strVal val="#ppt_x"/>
+                                          </p:val>
+                                        </p:tav>
+                                      </p:tavLst>
+                                    </p:anim>
+                                    <p:anim calcmode="lin" valueType="num">
+                                      <p:cBhvr additive="base">
+                                        <p:cTn id="38" dur="500" fill="hold"/>
+                                        <p:tgtEl>
+                                          <p:spTgt spid="5"/>
+                                        </p:tgtEl>
+                                        <p:attrNameLst>
+                                          <p:attrName>ppt_y</p:attrName>
+                                        </p:attrNameLst>
+                                      </p:cBhvr>
+                                      <p:tavLst>
+                                        <p:tav tm="0">
+                                          <p:val>
+                                            <p:strVal val="1+#ppt_h/2"/>
+                                          </p:val>
+                                        </p:tav>
+                                        <p:tav tm="100000">
+                                          <p:val>
+                                            <p:strVal val="#ppt_y"/>
+                                          </p:val>
+                                        </p:tav>
+                                      </p:tavLst>
+                                    </p:anim>
+                                  </p:childTnLst>
+                                </p:cTn>
+                              </p:par>
+                            </p:childTnLst>
+                          </p:cTn>
+                        </p:par>
+                      </p:childTnLst>
+                    </p:cTn>
+                  </p:par>
+                </p:childTnLst>
+              </p:cTn>
+              <p:prevCondLst>
+                <p:cond evt="onPrev" delay="0">
+                  <p:tgtEl>
+                    <p:sldTgt/>
+                  </p:tgtEl>
+                </p:cond>
+              </p:prevCondLst>
+              <p:nextCondLst>
+                <p:cond evt="onNext" delay="0">
+                  <p:tgtEl>
+                    <p:sldTgt/>
+                  </p:tgtEl>
+                </p:cond>
+              </p:nextCondLst>
+            </p:seq>
+          </p:childTnLst>
+        </p:cTn>
+      </p:par>
+    </p:tnLst>
+    <p:bldLst>
+      <p:bldP spid="22" grpId="0" bldLvl="0" animBg="1"/>
+      <p:bldP spid="2" grpId="0"/>
+      <p:bldP spid="3" grpId="0"/>
+    </p:bldLst>
+  </p:timing>
+</p:sld>
+</file>
+
+<file path=ppt/slides/slide11.xml><?xml version="1.0" encoding="utf-8"?>
+<p:sld xmlns:a="http://schemas.openxmlformats.org/drawingml/2006/main" xmlns:r="http://schemas.openxmlformats.org/officeDocument/2006/relationships" xmlns:p="http://schemas.openxmlformats.org/presentationml/2006/main">
+  <p:cSld>
+    <p:spTree>
+      <p:nvGrpSpPr>
+        <p:cNvPr id="1" name=""/>
+        <p:cNvGrpSpPr/>
+        <p:nvPr/>
+      </p:nvGrpSpPr>
+      <p:grpSpPr>
+        <a:xfrm>
+          <a:off x="0" y="0"/>
+          <a:ext cx="0" cy="0"/>
+          <a:chOff x="0" y="0"/>
+          <a:chExt cx="0" cy="0"/>
+        </a:xfrm>
+      </p:grpSpPr>
+      <p:pic>
+        <p:nvPicPr>
+          <p:cNvPr id="1026" name="Picture 2" descr="C:\Users\Administrator\Desktop\新建文件夹 (3)\17577f82066f5c6副本.jpg"/>
+          <p:cNvPicPr>
+            <a:picLocks noChangeAspect="1" noChangeArrowheads="1"/>
+          </p:cNvPicPr>
+          <p:nvPr/>
+        </p:nvPicPr>
+        <p:blipFill>
+          <a:blip r:embed="rId3" cstate="print"/>
+          <a:srcRect/>
+          <a:stretch>
+            <a:fillRect/>
+          </a:stretch>
+        </p:blipFill>
+        <p:spPr bwMode="auto">
+          <a:xfrm>
+            <a:off x="2775" y="0"/>
+            <a:ext cx="12188990" cy="6862655"/>
+          </a:xfrm>
+          <a:prstGeom prst="rect">
+            <a:avLst/>
+          </a:prstGeom>
+          <a:noFill/>
+        </p:spPr>
+      </p:pic>
+      <p:sp>
+        <p:nvSpPr>
+          <p:cNvPr id="22" name="矩形 21"/>
+          <p:cNvSpPr/>
+          <p:nvPr/>
+        </p:nvSpPr>
+        <p:spPr>
+          <a:xfrm>
+            <a:off x="576593" y="548968"/>
+            <a:ext cx="11038501" cy="5759218"/>
+          </a:xfrm>
+          <a:prstGeom prst="rect">
+            <a:avLst/>
+          </a:prstGeom>
+          <a:solidFill>
+            <a:schemeClr val="bg1"/>
+          </a:solidFill>
+          <a:ln>
+            <a:noFill/>
+          </a:ln>
+        </p:spPr>
+        <p:style>
+          <a:lnRef idx="2">
+            <a:schemeClr val="accent1">
+              <a:shade val="50000"/>
+            </a:schemeClr>
+          </a:lnRef>
+          <a:fillRef idx="1">
+            <a:schemeClr val="accent1"/>
+          </a:fillRef>
+          <a:effectRef idx="0">
+            <a:schemeClr val="accent1"/>
+          </a:effectRef>
+          <a:fontRef idx="minor">
+            <a:schemeClr val="lt1"/>
+          </a:fontRef>
+        </p:style>
+        <p:txBody>
+          <a:bodyPr rtlCol="0" anchor="ctr"/>
+          <a:lstStyle/>
+          <a:p>
+            <a:pPr algn="ctr"/>
+            <a:endParaRPr lang="zh-CN" altLang="en-US" sz="2400"/>
+          </a:p>
+        </p:txBody>
+      </p:sp>
+      <p:sp>
+        <p:nvSpPr>
+          <p:cNvPr id="2" name="文本框 1"/>
+          <p:cNvSpPr txBox="1"/>
+          <p:nvPr/>
+        </p:nvSpPr>
+        <p:spPr>
+          <a:xfrm>
+            <a:off x="837565" y="673735"/>
+            <a:ext cx="2722880" cy="460375"/>
+          </a:xfrm>
+          <a:prstGeom prst="rect">
+            <a:avLst/>
+          </a:prstGeom>
+          <a:noFill/>
+        </p:spPr>
+        <p:txBody>
+          <a:bodyPr wrap="square" rtlCol="0">
+            <a:spAutoFit/>
+            <a:scene3d>
+              <a:camera prst="orthographicFront"/>
+              <a:lightRig rig="threePt" dir="t"/>
+            </a:scene3d>
+          </a:bodyPr>
+          <a:lstStyle/>
+          <a:p>
+            <a:r>
+              <a:rPr lang="zh-CN" altLang="en-US" sz="2400">
+                <a:solidFill>
+                  <a:schemeClr val="tx1"/>
+                </a:solidFill>
+                <a:effectLst>
+                  <a:outerShdw blurRad="38100" dist="19050" dir="2700000" algn="tl" rotWithShape="0">
+                    <a:schemeClr val="dk1">
+                      <a:alpha val="40000"/>
+                    </a:schemeClr>
+                  </a:outerShdw>
+                </a:effectLst>
+                <a:latin typeface="微软雅黑" panose="020B0503020204020204" charset="-122"/>
+                <a:ea typeface="微软雅黑" panose="020B0503020204020204" charset="-122"/>
+                <a:cs typeface="微软雅黑" panose="020B0503020204020204" charset="-122"/>
+              </a:rPr>
+              <a:t>挨个来看看</a:t>
+            </a:r>
+          </a:p>
+        </p:txBody>
+      </p:sp>
+      <p:sp>
+        <p:nvSpPr>
+          <p:cNvPr id="3" name="文本框 2"/>
+          <p:cNvSpPr txBox="1"/>
+          <p:nvPr/>
+        </p:nvSpPr>
+        <p:spPr>
+          <a:xfrm>
+            <a:off x="1353185" y="1362075"/>
+            <a:ext cx="9030335" cy="646331"/>
+          </a:xfrm>
+          <a:prstGeom prst="rect">
+            <a:avLst/>
+          </a:prstGeom>
+          <a:noFill/>
+        </p:spPr>
+        <p:txBody>
+          <a:bodyPr wrap="square" rtlCol="0">
+            <a:spAutoFit/>
+          </a:bodyPr>
+          <a:lstStyle/>
+          <a:p>
+            <a:r>
+              <a:rPr lang="zh-CN" altLang="en-US" dirty="0" smtClean="0"/>
+              <a:t>无论严格模式与否，使用</a:t>
+            </a:r>
+            <a:r>
+              <a:rPr lang="en-US" altLang="zh-CN" dirty="0" smtClean="0"/>
+              <a:t>c</a:t>
+            </a:r>
+            <a:r>
+              <a:rPr lang="en-US" altLang="zh-CN" dirty="0" smtClean="0"/>
+              <a:t>all</a:t>
+            </a:r>
+            <a:r>
+              <a:rPr lang="zh-CN" altLang="en-US" dirty="0" smtClean="0"/>
+              <a:t>或</a:t>
+            </a:r>
+            <a:r>
+              <a:rPr lang="en-US" altLang="zh-CN" dirty="0" smtClean="0"/>
+              <a:t>apply</a:t>
+            </a:r>
+            <a:r>
+              <a:rPr lang="zh-CN" altLang="en-US" dirty="0" smtClean="0"/>
+              <a:t>方法时，</a:t>
+            </a:r>
+            <a:r>
+              <a:rPr lang="en-US" altLang="zh-CN" dirty="0" smtClean="0"/>
+              <a:t>this</a:t>
+            </a:r>
+            <a:r>
+              <a:rPr lang="zh-CN" altLang="en-US" dirty="0"/>
+              <a:t>指向</a:t>
+            </a:r>
+            <a:r>
+              <a:rPr lang="zh-CN" altLang="en-US" dirty="0" smtClean="0"/>
+              <a:t>调用时所传入的对象。使用</a:t>
+            </a:r>
+            <a:r>
+              <a:rPr lang="en-US" altLang="zh-CN" dirty="0" smtClean="0"/>
+              <a:t>bind</a:t>
+            </a:r>
+            <a:r>
+              <a:rPr lang="zh-CN" altLang="en-US" dirty="0" smtClean="0"/>
+              <a:t>方法时，</a:t>
+            </a:r>
+            <a:r>
+              <a:rPr lang="en-US" altLang="zh-CN" dirty="0" smtClean="0"/>
+              <a:t>this</a:t>
+            </a:r>
+            <a:r>
+              <a:rPr lang="zh-CN" altLang="en-US" dirty="0" smtClean="0"/>
+              <a:t>指向绑定的对象。注意调用</a:t>
+            </a:r>
+            <a:r>
+              <a:rPr lang="en-US" altLang="zh-CN" dirty="0" smtClean="0"/>
+              <a:t>bind</a:t>
+            </a:r>
+            <a:r>
+              <a:rPr lang="zh-CN" altLang="en-US" dirty="0" smtClean="0"/>
+              <a:t>方法后返回一个新的对象。</a:t>
+            </a:r>
+            <a:endParaRPr lang="zh-CN" altLang="en-US" dirty="0"/>
+          </a:p>
+        </p:txBody>
+      </p:sp>
+      <p:pic>
+        <p:nvPicPr>
+          <p:cNvPr id="4" name="Picture 3"/>
+          <p:cNvPicPr>
+            <a:picLocks noChangeAspect="1"/>
+          </p:cNvPicPr>
+          <p:nvPr/>
+        </p:nvPicPr>
+        <p:blipFill>
+          <a:blip r:embed="rId4">
+            <a:extLst>
+              <a:ext uri="{28A0092B-C50C-407E-A947-70E740481C1C}">
+                <a14:useLocalDpi xmlns:a14="http://schemas.microsoft.com/office/drawing/2010/main" val="0"/>
+              </a:ext>
+            </a:extLst>
+          </a:blip>
+          <a:stretch>
+            <a:fillRect/>
+          </a:stretch>
+        </p:blipFill>
+        <p:spPr>
+          <a:xfrm>
+            <a:off x="1353185" y="2182066"/>
+            <a:ext cx="7535327" cy="2238687"/>
+          </a:xfrm>
+          <a:prstGeom prst="rect">
+            <a:avLst/>
+          </a:prstGeom>
+        </p:spPr>
+      </p:pic>
+      <p:pic>
+        <p:nvPicPr>
+          <p:cNvPr id="5" name="Picture 4"/>
+          <p:cNvPicPr>
+            <a:picLocks noChangeAspect="1"/>
+          </p:cNvPicPr>
+          <p:nvPr/>
+        </p:nvPicPr>
+        <p:blipFill>
+          <a:blip r:embed="rId5">
+            <a:extLst>
+              <a:ext uri="{28A0092B-C50C-407E-A947-70E740481C1C}">
+                <a14:useLocalDpi xmlns:a14="http://schemas.microsoft.com/office/drawing/2010/main" val="0"/>
+              </a:ext>
+            </a:extLst>
+          </a:blip>
+          <a:stretch>
+            <a:fillRect/>
+          </a:stretch>
+        </p:blipFill>
+        <p:spPr>
+          <a:xfrm>
+            <a:off x="6451823" y="1890434"/>
+            <a:ext cx="5163271" cy="3991532"/>
+          </a:xfrm>
+          <a:prstGeom prst="rect">
+            <a:avLst/>
+          </a:prstGeom>
+        </p:spPr>
+      </p:pic>
+    </p:spTree>
+    <p:extLst>
+      <p:ext uri="{BB962C8B-B14F-4D97-AF65-F5344CB8AC3E}">
+        <p14:creationId xmlns:p14="http://schemas.microsoft.com/office/powerpoint/2010/main" val="794381508"/>
+      </p:ext>
+    </p:extLst>
+  </p:cSld>
+  <p:clrMapOvr>
+    <a:masterClrMapping/>
+  </p:clrMapOvr>
+  <mc:AlternateContent xmlns:mc="http://schemas.openxmlformats.org/markup-compatibility/2006" xmlns:p14="http://schemas.microsoft.com/office/powerpoint/2010/main">
+    <mc:Choice Requires="p14">
+      <p:transition p14:dur="0"/>
+    </mc:Choice>
+    <mc:Fallback xmlns="">
+      <p:transition/>
+    </mc:Fallback>
+  </mc:AlternateContent>
+  <p:timing>
+    <p:tnLst>
+      <p:par>
+        <p:cTn id="1" dur="indefinite" restart="never" nodeType="tmRoot">
+          <p:childTnLst>
+            <p:seq concurrent="1" nextAc="seek">
+              <p:cTn id="2" dur="indefinite" nodeType="mainSeq">
+                <p:childTnLst>
+                  <p:par>
+                    <p:cTn id="3" fill="hold">
+                      <p:stCondLst>
+                        <p:cond delay="indefinite"/>
+                      </p:stCondLst>
+                      <p:childTnLst>
+                        <p:par>
+                          <p:cTn id="4" fill="hold">
+                            <p:stCondLst>
+                              <p:cond delay="0"/>
+                            </p:stCondLst>
+                            <p:childTnLst>
+                              <p:par>
+                                <p:cTn id="5" presetID="50" presetClass="entr" presetSubtype="0" decel="100000" fill="hold" nodeType="clickEffect">
+                                  <p:stCondLst>
+                                    <p:cond delay="0"/>
+                                  </p:stCondLst>
+                                  <p:childTnLst>
+                                    <p:set>
+                                      <p:cBhvr>
+                                        <p:cTn id="6" dur="1" fill="hold">
+                                          <p:stCondLst>
+                                            <p:cond delay="0"/>
+                                          </p:stCondLst>
+                                        </p:cTn>
+                                        <p:tgtEl>
+                                          <p:spTgt spid="1026"/>
+                                        </p:tgtEl>
+                                        <p:attrNameLst>
+                                          <p:attrName>style.visibility</p:attrName>
+                                        </p:attrNameLst>
+                                      </p:cBhvr>
+                                      <p:to>
+                                        <p:strVal val="visible"/>
+                                      </p:to>
+                                    </p:set>
+                                    <p:anim calcmode="lin" valueType="num">
+                                      <p:cBhvr>
+                                        <p:cTn id="7" dur="1000" fill="hold"/>
+                                        <p:tgtEl>
+                                          <p:spTgt spid="1026"/>
+                                        </p:tgtEl>
+                                        <p:attrNameLst>
+                                          <p:attrName>ppt_w</p:attrName>
+                                        </p:attrNameLst>
+                                      </p:cBhvr>
+                                      <p:tavLst>
+                                        <p:tav tm="0">
+                                          <p:val>
+                                            <p:strVal val="#ppt_w+.3"/>
+                                          </p:val>
+                                        </p:tav>
+                                        <p:tav tm="100000">
+                                          <p:val>
+                                            <p:strVal val="#ppt_w"/>
+                                          </p:val>
+                                        </p:tav>
+                                      </p:tavLst>
+                                    </p:anim>
+                                    <p:anim calcmode="lin" valueType="num">
+                                      <p:cBhvr>
+                                        <p:cTn id="8" dur="1000" fill="hold"/>
+                                        <p:tgtEl>
+                                          <p:spTgt spid="1026"/>
+                                        </p:tgtEl>
+                                        <p:attrNameLst>
+                                          <p:attrName>ppt_h</p:attrName>
+                                        </p:attrNameLst>
+                                      </p:cBhvr>
+                                      <p:tavLst>
+                                        <p:tav tm="0">
+                                          <p:val>
+                                            <p:strVal val="#ppt_h"/>
+                                          </p:val>
+                                        </p:tav>
+                                        <p:tav tm="100000">
+                                          <p:val>
+                                            <p:strVal val="#ppt_h"/>
+                                          </p:val>
+                                        </p:tav>
+                                      </p:tavLst>
+                                    </p:anim>
+                                    <p:animEffect transition="in" filter="fade">
+                                      <p:cBhvr>
+                                        <p:cTn id="9" dur="1000"/>
+                                        <p:tgtEl>
+                                          <p:spTgt spid="1026"/>
+                                        </p:tgtEl>
+                                      </p:cBhvr>
+                                    </p:animEffect>
+                                  </p:childTnLst>
+                                </p:cTn>
+                              </p:par>
+                            </p:childTnLst>
+                          </p:cTn>
+                        </p:par>
+                      </p:childTnLst>
+                    </p:cTn>
+                  </p:par>
+                  <p:par>
+                    <p:cTn id="10" fill="hold">
+                      <p:stCondLst>
+                        <p:cond delay="indefinite"/>
+                      </p:stCondLst>
+                      <p:childTnLst>
+                        <p:par>
+                          <p:cTn id="11" fill="hold">
+                            <p:stCondLst>
+                              <p:cond delay="0"/>
+                            </p:stCondLst>
+                            <p:childTnLst>
+                              <p:par>
+                                <p:cTn id="12" presetID="42" presetClass="entr" presetSubtype="0" fill="hold" grpId="0" nodeType="clickEffect">
+                                  <p:stCondLst>
+                                    <p:cond delay="0"/>
+                                  </p:stCondLst>
+                                  <p:childTnLst>
+                                    <p:set>
+                                      <p:cBhvr>
+                                        <p:cTn id="13" dur="1" fill="hold">
+                                          <p:stCondLst>
+                                            <p:cond delay="0"/>
+                                          </p:stCondLst>
+                                        </p:cTn>
+                                        <p:tgtEl>
+                                          <p:spTgt spid="22"/>
+                                        </p:tgtEl>
+                                        <p:attrNameLst>
+                                          <p:attrName>style.visibility</p:attrName>
+                                        </p:attrNameLst>
+                                      </p:cBhvr>
+                                      <p:to>
+                                        <p:strVal val="visible"/>
+                                      </p:to>
+                                    </p:set>
+                                    <p:animEffect transition="in" filter="fade">
+                                      <p:cBhvr>
+                                        <p:cTn id="14" dur="1000"/>
+                                        <p:tgtEl>
+                                          <p:spTgt spid="22"/>
+                                        </p:tgtEl>
+                                      </p:cBhvr>
+                                    </p:animEffect>
+                                    <p:anim calcmode="lin" valueType="num">
+                                      <p:cBhvr>
+                                        <p:cTn id="15" dur="1000" fill="hold"/>
+                                        <p:tgtEl>
+                                          <p:spTgt spid="22"/>
+                                        </p:tgtEl>
+                                        <p:attrNameLst>
+                                          <p:attrName>ppt_x</p:attrName>
+                                        </p:attrNameLst>
+                                      </p:cBhvr>
+                                      <p:tavLst>
+                                        <p:tav tm="0">
+                                          <p:val>
+                                            <p:strVal val="#ppt_x"/>
+                                          </p:val>
+                                        </p:tav>
+                                        <p:tav tm="100000">
+                                          <p:val>
+                                            <p:strVal val="#ppt_x"/>
+                                          </p:val>
+                                        </p:tav>
+                                      </p:tavLst>
+                                    </p:anim>
+                                    <p:anim calcmode="lin" valueType="num">
+                                      <p:cBhvr>
+                                        <p:cTn id="16" dur="1000" fill="hold"/>
+                                        <p:tgtEl>
+                                          <p:spTgt spid="22"/>
+                                        </p:tgtEl>
+                                        <p:attrNameLst>
+                                          <p:attrName>ppt_y</p:attrName>
+                                        </p:attrNameLst>
+                                      </p:cBhvr>
+                                      <p:tavLst>
+                                        <p:tav tm="0">
+                                          <p:val>
+                                            <p:strVal val="#ppt_y+.1"/>
+                                          </p:val>
+                                        </p:tav>
+                                        <p:tav tm="100000">
+                                          <p:val>
+                                            <p:strVal val="#ppt_y"/>
+                                          </p:val>
+                                        </p:tav>
+                                      </p:tavLst>
+                                    </p:anim>
+                                  </p:childTnLst>
+                                </p:cTn>
+                              </p:par>
+                            </p:childTnLst>
+                          </p:cTn>
+                        </p:par>
+                        <p:par>
+                          <p:cTn id="17" fill="hold">
+                            <p:stCondLst>
+                              <p:cond delay="1000"/>
+                            </p:stCondLst>
+                            <p:childTnLst>
+                              <p:par>
+                                <p:cTn id="18" presetID="2" presetClass="entr" presetSubtype="4" fill="hold" grpId="0" nodeType="afterEffect">
+                                  <p:stCondLst>
+                                    <p:cond delay="0"/>
+                                  </p:stCondLst>
+                                  <p:childTnLst>
+                                    <p:set>
+                                      <p:cBhvr>
+                                        <p:cTn id="19" dur="1" fill="hold">
+                                          <p:stCondLst>
+                                            <p:cond delay="0"/>
+                                          </p:stCondLst>
+                                        </p:cTn>
+                                        <p:tgtEl>
+                                          <p:spTgt spid="2"/>
+                                        </p:tgtEl>
+                                        <p:attrNameLst>
+                                          <p:attrName>style.visibility</p:attrName>
+                                        </p:attrNameLst>
+                                      </p:cBhvr>
+                                      <p:to>
+                                        <p:strVal val="visible"/>
+                                      </p:to>
+                                    </p:set>
+                                    <p:anim calcmode="lin" valueType="num">
+                                      <p:cBhvr additive="base">
+                                        <p:cTn id="20" dur="500" fill="hold"/>
+                                        <p:tgtEl>
+                                          <p:spTgt spid="2"/>
+                                        </p:tgtEl>
+                                        <p:attrNameLst>
+                                          <p:attrName>ppt_x</p:attrName>
+                                        </p:attrNameLst>
+                                      </p:cBhvr>
+                                      <p:tavLst>
+                                        <p:tav tm="0">
+                                          <p:val>
+                                            <p:strVal val="#ppt_x"/>
+                                          </p:val>
+                                        </p:tav>
+                                        <p:tav tm="100000">
+                                          <p:val>
+                                            <p:strVal val="#ppt_x"/>
+                                          </p:val>
+                                        </p:tav>
+                                      </p:tavLst>
+                                    </p:anim>
+                                    <p:anim calcmode="lin" valueType="num">
+                                      <p:cBhvr additive="base">
+                                        <p:cTn id="21" dur="500" fill="hold"/>
+                                        <p:tgtEl>
+                                          <p:spTgt spid="2"/>
+                                        </p:tgtEl>
+                                        <p:attrNameLst>
+                                          <p:attrName>ppt_y</p:attrName>
+                                        </p:attrNameLst>
+                                      </p:cBhvr>
+                                      <p:tavLst>
+                                        <p:tav tm="0">
+                                          <p:val>
+                                            <p:strVal val="1+#ppt_h/2"/>
+                                          </p:val>
+                                        </p:tav>
+                                        <p:tav tm="100000">
+                                          <p:val>
+                                            <p:strVal val="#ppt_y"/>
+                                          </p:val>
+                                        </p:tav>
+                                      </p:tavLst>
+                                    </p:anim>
+                                  </p:childTnLst>
+                                </p:cTn>
+                              </p:par>
+                            </p:childTnLst>
+                          </p:cTn>
+                        </p:par>
+                        <p:par>
+                          <p:cTn id="22" fill="hold">
+                            <p:stCondLst>
+                              <p:cond delay="1500"/>
+                            </p:stCondLst>
+                            <p:childTnLst>
+                              <p:par>
+                                <p:cTn id="23" presetID="2" presetClass="entr" presetSubtype="4" fill="hold" grpId="0" nodeType="afterEffect">
+                                  <p:stCondLst>
+                                    <p:cond delay="0"/>
+                                  </p:stCondLst>
+                                  <p:childTnLst>
+                                    <p:set>
+                                      <p:cBhvr>
+                                        <p:cTn id="24" dur="1" fill="hold">
+                                          <p:stCondLst>
+                                            <p:cond delay="0"/>
+                                          </p:stCondLst>
+                                        </p:cTn>
+                                        <p:tgtEl>
+                                          <p:spTgt spid="3"/>
+                                        </p:tgtEl>
+                                        <p:attrNameLst>
+                                          <p:attrName>style.visibility</p:attrName>
+                                        </p:attrNameLst>
+                                      </p:cBhvr>
+                                      <p:to>
+                                        <p:strVal val="visible"/>
+                                      </p:to>
+                                    </p:set>
+                                    <p:anim calcmode="lin" valueType="num">
+                                      <p:cBhvr additive="base">
+                                        <p:cTn id="25" dur="500" fill="hold"/>
+                                        <p:tgtEl>
+                                          <p:spTgt spid="3"/>
+                                        </p:tgtEl>
+                                        <p:attrNameLst>
+                                          <p:attrName>ppt_x</p:attrName>
+                                        </p:attrNameLst>
+                                      </p:cBhvr>
+                                      <p:tavLst>
+                                        <p:tav tm="0">
+                                          <p:val>
+                                            <p:strVal val="#ppt_x"/>
+                                          </p:val>
+                                        </p:tav>
+                                        <p:tav tm="100000">
+                                          <p:val>
+                                            <p:strVal val="#ppt_x"/>
+                                          </p:val>
+                                        </p:tav>
+                                      </p:tavLst>
+                                    </p:anim>
+                                    <p:anim calcmode="lin" valueType="num">
+                                      <p:cBhvr additive="base">
+                                        <p:cTn id="26" dur="500" fill="hold"/>
+                                        <p:tgtEl>
+                                          <p:spTgt spid="3"/>
+                                        </p:tgtEl>
+                                        <p:attrNameLst>
+                                          <p:attrName>ppt_y</p:attrName>
+                                        </p:attrNameLst>
+                                      </p:cBhvr>
+                                      <p:tavLst>
+                                        <p:tav tm="0">
+                                          <p:val>
+                                            <p:strVal val="1+#ppt_h/2"/>
+                                          </p:val>
+                                        </p:tav>
+                                        <p:tav tm="100000">
+                                          <p:val>
+                                            <p:strVal val="#ppt_y"/>
+                                          </p:val>
+                                        </p:tav>
+                                      </p:tavLst>
+                                    </p:anim>
+                                  </p:childTnLst>
+                                </p:cTn>
+                              </p:par>
+                            </p:childTnLst>
+                          </p:cTn>
+                        </p:par>
+                      </p:childTnLst>
+                    </p:cTn>
+                  </p:par>
+                  <p:par>
+                    <p:cTn id="27" fill="hold">
+                      <p:stCondLst>
+                        <p:cond delay="indefinite"/>
+                      </p:stCondLst>
+                      <p:childTnLst>
+                        <p:par>
+                          <p:cTn id="28" fill="hold">
+                            <p:stCondLst>
+                              <p:cond delay="0"/>
+                            </p:stCondLst>
+                            <p:childTnLst>
+                              <p:par>
+                                <p:cTn id="29" presetID="2" presetClass="entr" presetSubtype="4" fill="hold" nodeType="clickEffect">
+                                  <p:stCondLst>
+                                    <p:cond delay="0"/>
+                                  </p:stCondLst>
+                                  <p:childTnLst>
+                                    <p:set>
+                                      <p:cBhvr>
+                                        <p:cTn id="30" dur="1" fill="hold">
+                                          <p:stCondLst>
+                                            <p:cond delay="0"/>
+                                          </p:stCondLst>
+                                        </p:cTn>
+                                        <p:tgtEl>
+                                          <p:spTgt spid="4"/>
+                                        </p:tgtEl>
+                                        <p:attrNameLst>
+                                          <p:attrName>style.visibility</p:attrName>
+                                        </p:attrNameLst>
+                                      </p:cBhvr>
+                                      <p:to>
+                                        <p:strVal val="visible"/>
+                                      </p:to>
+                                    </p:set>
+                                    <p:anim calcmode="lin" valueType="num">
+                                      <p:cBhvr additive="base">
+                                        <p:cTn id="31" dur="500" fill="hold"/>
+                                        <p:tgtEl>
+                                          <p:spTgt spid="4"/>
+                                        </p:tgtEl>
+                                        <p:attrNameLst>
+                                          <p:attrName>ppt_x</p:attrName>
+                                        </p:attrNameLst>
+                                      </p:cBhvr>
+                                      <p:tavLst>
+                                        <p:tav tm="0">
+                                          <p:val>
+                                            <p:strVal val="#ppt_x"/>
+                                          </p:val>
+                                        </p:tav>
+                                        <p:tav tm="100000">
+                                          <p:val>
+                                            <p:strVal val="#ppt_x"/>
+                                          </p:val>
+                                        </p:tav>
+                                      </p:tavLst>
+                                    </p:anim>
+                                    <p:anim calcmode="lin" valueType="num">
+                                      <p:cBhvr additive="base">
+                                        <p:cTn id="32" dur="500" fill="hold"/>
+                                        <p:tgtEl>
+                                          <p:spTgt spid="4"/>
+                                        </p:tgtEl>
+                                        <p:attrNameLst>
+                                          <p:attrName>ppt_y</p:attrName>
+                                        </p:attrNameLst>
+                                      </p:cBhvr>
+                                      <p:tavLst>
+                                        <p:tav tm="0">
+                                          <p:val>
+                                            <p:strVal val="1+#ppt_h/2"/>
+                                          </p:val>
+                                        </p:tav>
+                                        <p:tav tm="100000">
+                                          <p:val>
+                                            <p:strVal val="#ppt_y"/>
+                                          </p:val>
+                                        </p:tav>
+                                      </p:tavLst>
+                                    </p:anim>
+                                  </p:childTnLst>
+                                </p:cTn>
+                              </p:par>
+                            </p:childTnLst>
+                          </p:cTn>
+                        </p:par>
+                      </p:childTnLst>
+                    </p:cTn>
+                  </p:par>
+                  <p:par>
+                    <p:cTn id="33" fill="hold">
+                      <p:stCondLst>
+                        <p:cond delay="indefinite"/>
+                      </p:stCondLst>
+                      <p:childTnLst>
+                        <p:par>
+                          <p:cTn id="34" fill="hold">
+                            <p:stCondLst>
+                              <p:cond delay="0"/>
+                            </p:stCondLst>
+                            <p:childTnLst>
+                              <p:par>
+                                <p:cTn id="35" presetID="2" presetClass="entr" presetSubtype="4" fill="hold" nodeType="clickEffect">
+                                  <p:stCondLst>
+                                    <p:cond delay="0"/>
+                                  </p:stCondLst>
+                                  <p:childTnLst>
+                                    <p:set>
+                                      <p:cBhvr>
+                                        <p:cTn id="36" dur="1" fill="hold">
+                                          <p:stCondLst>
+                                            <p:cond delay="0"/>
+                                          </p:stCondLst>
+                                        </p:cTn>
+                                        <p:tgtEl>
+                                          <p:spTgt spid="5"/>
+                                        </p:tgtEl>
+                                        <p:attrNameLst>
+                                          <p:attrName>style.visibility</p:attrName>
+                                        </p:attrNameLst>
+                                      </p:cBhvr>
+                                      <p:to>
+                                        <p:strVal val="visible"/>
+                                      </p:to>
+                                    </p:set>
+                                    <p:anim calcmode="lin" valueType="num">
+                                      <p:cBhvr additive="base">
+                                        <p:cTn id="37" dur="500" fill="hold"/>
+                                        <p:tgtEl>
+                                          <p:spTgt spid="5"/>
+                                        </p:tgtEl>
+                                        <p:attrNameLst>
+                                          <p:attrName>ppt_x</p:attrName>
+                                        </p:attrNameLst>
+                                      </p:cBhvr>
+                                      <p:tavLst>
+                                        <p:tav tm="0">
+                                          <p:val>
+                                            <p:strVal val="#ppt_x"/>
+                                          </p:val>
+                                        </p:tav>
+                                        <p:tav tm="100000">
+                                          <p:val>
+                                            <p:strVal val="#ppt_x"/>
+                                          </p:val>
+                                        </p:tav>
+                                      </p:tavLst>
+                                    </p:anim>
+                                    <p:anim calcmode="lin" valueType="num">
+                                      <p:cBhvr additive="base">
+                                        <p:cTn id="38" dur="500" fill="hold"/>
+                                        <p:tgtEl>
+                                          <p:spTgt spid="5"/>
+                                        </p:tgtEl>
+                                        <p:attrNameLst>
+                                          <p:attrName>ppt_y</p:attrName>
+                                        </p:attrNameLst>
+                                      </p:cBhvr>
+                                      <p:tavLst>
+                                        <p:tav tm="0">
+                                          <p:val>
+                                            <p:strVal val="1+#ppt_h/2"/>
+                                          </p:val>
+                                        </p:tav>
+                                        <p:tav tm="100000">
+                                          <p:val>
+                                            <p:strVal val="#ppt_y"/>
+                                          </p:val>
+                                        </p:tav>
+                                      </p:tavLst>
+                                    </p:anim>
+                                  </p:childTnLst>
+                                </p:cTn>
+                              </p:par>
+                            </p:childTnLst>
+                          </p:cTn>
+                        </p:par>
+                      </p:childTnLst>
+                    </p:cTn>
+                  </p:par>
+                </p:childTnLst>
+              </p:cTn>
+              <p:prevCondLst>
+                <p:cond evt="onPrev" delay="0">
+                  <p:tgtEl>
+                    <p:sldTgt/>
+                  </p:tgtEl>
+                </p:cond>
+              </p:prevCondLst>
+              <p:nextCondLst>
+                <p:cond evt="onNext" delay="0">
+                  <p:tgtEl>
+                    <p:sldTgt/>
+                  </p:tgtEl>
+                </p:cond>
+              </p:nextCondLst>
+            </p:seq>
+          </p:childTnLst>
+        </p:cTn>
+      </p:par>
+    </p:tnLst>
+    <p:bldLst>
+      <p:bldP spid="22" grpId="0" bldLvl="0" animBg="1"/>
+      <p:bldP spid="2" grpId="0"/>
+      <p:bldP spid="3" grpId="0"/>
+    </p:bldLst>
+  </p:timing>
+</p:sld>
+</file>
+
+<file path=ppt/slides/slide12.xml><?xml version="1.0" encoding="utf-8"?>
+<p:sld xmlns:a="http://schemas.openxmlformats.org/drawingml/2006/main" xmlns:r="http://schemas.openxmlformats.org/officeDocument/2006/relationships" xmlns:p="http://schemas.openxmlformats.org/presentationml/2006/main">
+  <p:cSld>
+    <p:spTree>
+      <p:nvGrpSpPr>
+        <p:cNvPr id="1" name=""/>
+        <p:cNvGrpSpPr/>
+        <p:nvPr/>
+      </p:nvGrpSpPr>
+      <p:grpSpPr>
+        <a:xfrm>
+          <a:off x="0" y="0"/>
+          <a:ext cx="0" cy="0"/>
+          <a:chOff x="0" y="0"/>
+          <a:chExt cx="0" cy="0"/>
+        </a:xfrm>
+      </p:grpSpPr>
+      <p:pic>
+        <p:nvPicPr>
+          <p:cNvPr id="1026" name="Picture 2" descr="C:\Users\Administrator\Desktop\新建文件夹 (3)\17577f82066f5c6副本.jpg"/>
+          <p:cNvPicPr>
+            <a:picLocks noChangeAspect="1" noChangeArrowheads="1"/>
+          </p:cNvPicPr>
+          <p:nvPr/>
+        </p:nvPicPr>
+        <p:blipFill>
+          <a:blip r:embed="rId3" cstate="print"/>
+          <a:srcRect/>
+          <a:stretch>
+            <a:fillRect/>
+          </a:stretch>
+        </p:blipFill>
+        <p:spPr bwMode="auto">
+          <a:xfrm>
+            <a:off x="2775" y="0"/>
+            <a:ext cx="12188990" cy="6862655"/>
+          </a:xfrm>
+          <a:prstGeom prst="rect">
+            <a:avLst/>
+          </a:prstGeom>
+          <a:noFill/>
+        </p:spPr>
+      </p:pic>
+      <p:sp>
+        <p:nvSpPr>
+          <p:cNvPr id="22" name="矩形 21"/>
+          <p:cNvSpPr/>
+          <p:nvPr/>
+        </p:nvSpPr>
+        <p:spPr>
+          <a:xfrm>
+            <a:off x="576593" y="548968"/>
+            <a:ext cx="11038501" cy="5759218"/>
+          </a:xfrm>
+          <a:prstGeom prst="rect">
+            <a:avLst/>
+          </a:prstGeom>
+          <a:solidFill>
+            <a:schemeClr val="bg1"/>
+          </a:solidFill>
+          <a:ln>
+            <a:noFill/>
+          </a:ln>
+        </p:spPr>
+        <p:style>
+          <a:lnRef idx="2">
+            <a:schemeClr val="accent1">
+              <a:shade val="50000"/>
+            </a:schemeClr>
+          </a:lnRef>
+          <a:fillRef idx="1">
+            <a:schemeClr val="accent1"/>
+          </a:fillRef>
+          <a:effectRef idx="0">
+            <a:schemeClr val="accent1"/>
+          </a:effectRef>
+          <a:fontRef idx="minor">
+            <a:schemeClr val="lt1"/>
+          </a:fontRef>
+        </p:style>
+        <p:txBody>
+          <a:bodyPr rtlCol="0" anchor="ctr"/>
+          <a:lstStyle/>
+          <a:p>
+            <a:pPr algn="ctr"/>
+            <a:endParaRPr lang="zh-CN" altLang="en-US" sz="2400"/>
+          </a:p>
+        </p:txBody>
+      </p:sp>
+      <p:sp>
+        <p:nvSpPr>
+          <p:cNvPr id="2" name="文本框 1"/>
+          <p:cNvSpPr txBox="1"/>
+          <p:nvPr/>
+        </p:nvSpPr>
+        <p:spPr>
+          <a:xfrm>
+            <a:off x="837565" y="673735"/>
+            <a:ext cx="2722880" cy="460375"/>
+          </a:xfrm>
+          <a:prstGeom prst="rect">
+            <a:avLst/>
+          </a:prstGeom>
+          <a:noFill/>
+        </p:spPr>
+        <p:txBody>
+          <a:bodyPr wrap="square" rtlCol="0">
+            <a:spAutoFit/>
+            <a:scene3d>
+              <a:camera prst="orthographicFront"/>
+              <a:lightRig rig="threePt" dir="t"/>
+            </a:scene3d>
+          </a:bodyPr>
+          <a:lstStyle/>
+          <a:p>
+            <a:r>
+              <a:rPr lang="zh-CN" altLang="en-US" sz="2400">
+                <a:solidFill>
+                  <a:schemeClr val="tx1"/>
+                </a:solidFill>
+                <a:effectLst>
+                  <a:outerShdw blurRad="38100" dist="19050" dir="2700000" algn="tl" rotWithShape="0">
+                    <a:schemeClr val="dk1">
+                      <a:alpha val="40000"/>
+                    </a:schemeClr>
+                  </a:outerShdw>
+                </a:effectLst>
+                <a:latin typeface="微软雅黑" panose="020B0503020204020204" charset="-122"/>
+                <a:ea typeface="微软雅黑" panose="020B0503020204020204" charset="-122"/>
+                <a:cs typeface="微软雅黑" panose="020B0503020204020204" charset="-122"/>
+              </a:rPr>
+              <a:t>挨个来看看</a:t>
+            </a:r>
+          </a:p>
+        </p:txBody>
+      </p:sp>
+      <p:sp>
+        <p:nvSpPr>
+          <p:cNvPr id="3" name="文本框 2"/>
+          <p:cNvSpPr txBox="1"/>
+          <p:nvPr/>
+        </p:nvSpPr>
+        <p:spPr>
+          <a:xfrm>
+            <a:off x="1353184" y="1156483"/>
+            <a:ext cx="9030335" cy="1200329"/>
+          </a:xfrm>
+          <a:prstGeom prst="rect">
+            <a:avLst/>
+          </a:prstGeom>
+          <a:noFill/>
+        </p:spPr>
+        <p:txBody>
+          <a:bodyPr wrap="square" rtlCol="0">
+            <a:spAutoFit/>
+          </a:bodyPr>
+          <a:lstStyle/>
+          <a:p>
+            <a:r>
+              <a:rPr lang="zh-CN" altLang="en-US" dirty="0" smtClean="0"/>
+              <a:t>无论严格模式与否</a:t>
+            </a:r>
+            <a:r>
+              <a:rPr lang="zh-CN" altLang="en-US" dirty="0"/>
+              <a:t>，</a:t>
+            </a:r>
+            <a:r>
+              <a:rPr lang="zh-CN" altLang="en-US" dirty="0" smtClean="0"/>
+              <a:t>使用箭头函数时，箭头函数不能作为构造函数。</a:t>
+            </a:r>
+            <a:endParaRPr lang="en-US" altLang="zh-CN" dirty="0" smtClean="0"/>
+          </a:p>
+          <a:p>
+            <a:r>
+              <a:rPr lang="zh-CN" altLang="en-US" dirty="0" smtClean="0"/>
+              <a:t>箭头函数的</a:t>
+            </a:r>
+            <a:r>
+              <a:rPr lang="en-US" altLang="zh-CN" dirty="0" smtClean="0"/>
+              <a:t>this</a:t>
+            </a:r>
+            <a:r>
+              <a:rPr lang="zh-CN" altLang="en-US" dirty="0"/>
+              <a:t>与</a:t>
+            </a:r>
+            <a:r>
+              <a:rPr lang="zh-CN" altLang="en-US" b="1" dirty="0" smtClean="0"/>
+              <a:t>封闭词法上下文</a:t>
+            </a:r>
+            <a:r>
+              <a:rPr lang="zh-CN" altLang="en-US" dirty="0" smtClean="0"/>
+              <a:t>的</a:t>
+            </a:r>
+            <a:r>
+              <a:rPr lang="en-US" altLang="zh-CN" dirty="0" smtClean="0"/>
+              <a:t>this</a:t>
+            </a:r>
+            <a:r>
+              <a:rPr lang="zh-CN" altLang="en-US" dirty="0" smtClean="0"/>
+              <a:t>保持一致。没有自己的</a:t>
+            </a:r>
+            <a:r>
+              <a:rPr lang="en-US" altLang="zh-CN" dirty="0" smtClean="0"/>
+              <a:t>this</a:t>
+            </a:r>
+            <a:r>
+              <a:rPr lang="zh-CN" altLang="en-US" dirty="0" smtClean="0"/>
+              <a:t>，因此，不能作为对象方法。</a:t>
+            </a:r>
+            <a:endParaRPr lang="en-US" altLang="zh-CN" dirty="0" smtClean="0"/>
+          </a:p>
+          <a:p>
+            <a:r>
+              <a:rPr lang="zh-CN" altLang="en-US" dirty="0" smtClean="0"/>
+              <a:t>使用</a:t>
+            </a:r>
+            <a:r>
+              <a:rPr lang="en-US" altLang="zh-CN" dirty="0" smtClean="0"/>
+              <a:t>call</a:t>
+            </a:r>
+            <a:r>
+              <a:rPr lang="zh-CN" altLang="en-US" dirty="0" smtClean="0"/>
+              <a:t>或者</a:t>
+            </a:r>
+            <a:r>
+              <a:rPr lang="en-US" altLang="zh-CN" dirty="0" smtClean="0"/>
+              <a:t>apply</a:t>
+            </a:r>
+            <a:r>
+              <a:rPr lang="zh-CN" altLang="en-US" dirty="0" smtClean="0"/>
+              <a:t>或是</a:t>
+            </a:r>
+            <a:r>
+              <a:rPr lang="en-US" altLang="zh-CN" dirty="0" smtClean="0"/>
+              <a:t>bind</a:t>
+            </a:r>
+            <a:r>
+              <a:rPr lang="zh-CN" altLang="en-US" dirty="0" smtClean="0"/>
+              <a:t>方法不能向箭头函数传递</a:t>
+            </a:r>
+            <a:r>
+              <a:rPr lang="en-US" altLang="zh-CN" dirty="0" smtClean="0"/>
+              <a:t>this.</a:t>
+            </a:r>
+            <a:endParaRPr lang="zh-CN" altLang="en-US" dirty="0"/>
+          </a:p>
+        </p:txBody>
+      </p:sp>
+      <p:pic>
+        <p:nvPicPr>
+          <p:cNvPr id="4" name="Picture 3"/>
+          <p:cNvPicPr>
+            <a:picLocks noChangeAspect="1"/>
+          </p:cNvPicPr>
+          <p:nvPr/>
+        </p:nvPicPr>
+        <p:blipFill>
+          <a:blip r:embed="rId4">
+            <a:extLst>
+              <a:ext uri="{28A0092B-C50C-407E-A947-70E740481C1C}">
+                <a14:useLocalDpi xmlns:a14="http://schemas.microsoft.com/office/drawing/2010/main" val="0"/>
+              </a:ext>
+            </a:extLst>
+          </a:blip>
+          <a:stretch>
+            <a:fillRect/>
+          </a:stretch>
+        </p:blipFill>
+        <p:spPr>
+          <a:xfrm>
+            <a:off x="1353185" y="2511738"/>
+            <a:ext cx="4220164" cy="1324160"/>
+          </a:xfrm>
+          <a:prstGeom prst="rect">
+            <a:avLst/>
+          </a:prstGeom>
+        </p:spPr>
+      </p:pic>
+      <p:pic>
+        <p:nvPicPr>
+          <p:cNvPr id="5" name="Picture 4"/>
+          <p:cNvPicPr>
+            <a:picLocks noChangeAspect="1"/>
+          </p:cNvPicPr>
+          <p:nvPr/>
+        </p:nvPicPr>
+        <p:blipFill>
+          <a:blip r:embed="rId5">
+            <a:extLst>
+              <a:ext uri="{28A0092B-C50C-407E-A947-70E740481C1C}">
+                <a14:useLocalDpi xmlns:a14="http://schemas.microsoft.com/office/drawing/2010/main" val="0"/>
+              </a:ext>
+            </a:extLst>
+          </a:blip>
+          <a:stretch>
+            <a:fillRect/>
+          </a:stretch>
+        </p:blipFill>
+        <p:spPr>
+          <a:xfrm>
+            <a:off x="6095843" y="2511738"/>
+            <a:ext cx="4982270" cy="1571844"/>
+          </a:xfrm>
+          <a:prstGeom prst="rect">
+            <a:avLst/>
+          </a:prstGeom>
+        </p:spPr>
+      </p:pic>
+      <p:pic>
+        <p:nvPicPr>
+          <p:cNvPr id="6" name="Picture 5"/>
+          <p:cNvPicPr>
+            <a:picLocks noChangeAspect="1"/>
+          </p:cNvPicPr>
+          <p:nvPr/>
+        </p:nvPicPr>
+        <p:blipFill>
+          <a:blip r:embed="rId6">
+            <a:extLst>
+              <a:ext uri="{28A0092B-C50C-407E-A947-70E740481C1C}">
+                <a14:useLocalDpi xmlns:a14="http://schemas.microsoft.com/office/drawing/2010/main" val="0"/>
+              </a:ext>
+            </a:extLst>
+          </a:blip>
+          <a:stretch>
+            <a:fillRect/>
+          </a:stretch>
+        </p:blipFill>
+        <p:spPr>
+          <a:xfrm>
+            <a:off x="1353185" y="3512300"/>
+            <a:ext cx="4143953" cy="2924583"/>
+          </a:xfrm>
+          <a:prstGeom prst="rect">
+            <a:avLst/>
+          </a:prstGeom>
+        </p:spPr>
+      </p:pic>
+      <p:pic>
+        <p:nvPicPr>
+          <p:cNvPr id="7" name="Picture 6"/>
+          <p:cNvPicPr>
+            <a:picLocks noChangeAspect="1"/>
+          </p:cNvPicPr>
+          <p:nvPr/>
+        </p:nvPicPr>
+        <p:blipFill>
+          <a:blip r:embed="rId7">
+            <a:extLst>
+              <a:ext uri="{28A0092B-C50C-407E-A947-70E740481C1C}">
+                <a14:useLocalDpi xmlns:a14="http://schemas.microsoft.com/office/drawing/2010/main" val="0"/>
+              </a:ext>
+            </a:extLst>
+          </a:blip>
+          <a:stretch>
+            <a:fillRect/>
+          </a:stretch>
+        </p:blipFill>
+        <p:spPr>
+          <a:xfrm>
+            <a:off x="6405448" y="3431327"/>
+            <a:ext cx="4363059" cy="3086531"/>
+          </a:xfrm>
+          <a:prstGeom prst="rect">
+            <a:avLst/>
+          </a:prstGeom>
+        </p:spPr>
+      </p:pic>
+      <p:pic>
+        <p:nvPicPr>
+          <p:cNvPr id="9" name="Picture 8"/>
+          <p:cNvPicPr>
+            <a:picLocks noChangeAspect="1"/>
+          </p:cNvPicPr>
+          <p:nvPr/>
+        </p:nvPicPr>
+        <p:blipFill>
+          <a:blip r:embed="rId8">
+            <a:extLst>
+              <a:ext uri="{28A0092B-C50C-407E-A947-70E740481C1C}">
+                <a14:useLocalDpi xmlns:a14="http://schemas.microsoft.com/office/drawing/2010/main" val="0"/>
+              </a:ext>
+            </a:extLst>
+          </a:blip>
+          <a:stretch>
+            <a:fillRect/>
+          </a:stretch>
+        </p:blipFill>
+        <p:spPr>
+          <a:xfrm>
+            <a:off x="3742996" y="4083582"/>
+            <a:ext cx="4706007" cy="2686425"/>
+          </a:xfrm>
+          <a:prstGeom prst="rect">
+            <a:avLst/>
+          </a:prstGeom>
+        </p:spPr>
+      </p:pic>
+    </p:spTree>
+    <p:extLst>
+      <p:ext uri="{BB962C8B-B14F-4D97-AF65-F5344CB8AC3E}">
+        <p14:creationId xmlns:p14="http://schemas.microsoft.com/office/powerpoint/2010/main" val="3481551981"/>
+      </p:ext>
+    </p:extLst>
+  </p:cSld>
+  <p:clrMapOvr>
+    <a:masterClrMapping/>
+  </p:clrMapOvr>
+  <mc:AlternateContent xmlns:mc="http://schemas.openxmlformats.org/markup-compatibility/2006" xmlns:p14="http://schemas.microsoft.com/office/powerpoint/2010/main">
+    <mc:Choice Requires="p14">
+      <p:transition p14:dur="0"/>
+    </mc:Choice>
+    <mc:Fallback xmlns="">
+      <p:transition/>
+    </mc:Fallback>
+  </mc:AlternateContent>
+  <p:timing>
+    <p:tnLst>
+      <p:par>
+        <p:cTn id="1" dur="indefinite" restart="never" nodeType="tmRoot">
+          <p:childTnLst>
+            <p:seq concurrent="1" nextAc="seek">
+              <p:cTn id="2" dur="indefinite" nodeType="mainSeq">
+                <p:childTnLst>
+                  <p:par>
+                    <p:cTn id="3" fill="hold">
+                      <p:stCondLst>
+                        <p:cond delay="indefinite"/>
+                      </p:stCondLst>
+                      <p:childTnLst>
+                        <p:par>
+                          <p:cTn id="4" fill="hold">
+                            <p:stCondLst>
+                              <p:cond delay="0"/>
+                            </p:stCondLst>
+                            <p:childTnLst>
+                              <p:par>
+                                <p:cTn id="5" presetID="50" presetClass="entr" presetSubtype="0" decel="100000" fill="hold" nodeType="clickEffect">
+                                  <p:stCondLst>
+                                    <p:cond delay="0"/>
+                                  </p:stCondLst>
+                                  <p:childTnLst>
+                                    <p:set>
+                                      <p:cBhvr>
+                                        <p:cTn id="6" dur="1" fill="hold">
+                                          <p:stCondLst>
+                                            <p:cond delay="0"/>
+                                          </p:stCondLst>
+                                        </p:cTn>
+                                        <p:tgtEl>
+                                          <p:spTgt spid="1026"/>
+                                        </p:tgtEl>
+                                        <p:attrNameLst>
+                                          <p:attrName>style.visibility</p:attrName>
+                                        </p:attrNameLst>
+                                      </p:cBhvr>
+                                      <p:to>
+                                        <p:strVal val="visible"/>
+                                      </p:to>
+                                    </p:set>
+                                    <p:anim calcmode="lin" valueType="num">
+                                      <p:cBhvr>
+                                        <p:cTn id="7" dur="1000" fill="hold"/>
+                                        <p:tgtEl>
+                                          <p:spTgt spid="1026"/>
+                                        </p:tgtEl>
+                                        <p:attrNameLst>
+                                          <p:attrName>ppt_w</p:attrName>
+                                        </p:attrNameLst>
+                                      </p:cBhvr>
+                                      <p:tavLst>
+                                        <p:tav tm="0">
+                                          <p:val>
+                                            <p:strVal val="#ppt_w+.3"/>
+                                          </p:val>
+                                        </p:tav>
+                                        <p:tav tm="100000">
+                                          <p:val>
+                                            <p:strVal val="#ppt_w"/>
+                                          </p:val>
+                                        </p:tav>
+                                      </p:tavLst>
+                                    </p:anim>
+                                    <p:anim calcmode="lin" valueType="num">
+                                      <p:cBhvr>
+                                        <p:cTn id="8" dur="1000" fill="hold"/>
+                                        <p:tgtEl>
+                                          <p:spTgt spid="1026"/>
+                                        </p:tgtEl>
+                                        <p:attrNameLst>
+                                          <p:attrName>ppt_h</p:attrName>
+                                        </p:attrNameLst>
+                                      </p:cBhvr>
+                                      <p:tavLst>
+                                        <p:tav tm="0">
+                                          <p:val>
+                                            <p:strVal val="#ppt_h"/>
+                                          </p:val>
+                                        </p:tav>
+                                        <p:tav tm="100000">
+                                          <p:val>
+                                            <p:strVal val="#ppt_h"/>
+                                          </p:val>
+                                        </p:tav>
+                                      </p:tavLst>
+                                    </p:anim>
+                                    <p:animEffect transition="in" filter="fade">
+                                      <p:cBhvr>
+                                        <p:cTn id="9" dur="1000"/>
+                                        <p:tgtEl>
+                                          <p:spTgt spid="1026"/>
+                                        </p:tgtEl>
+                                      </p:cBhvr>
+                                    </p:animEffect>
+                                  </p:childTnLst>
+                                </p:cTn>
+                              </p:par>
+                            </p:childTnLst>
+                          </p:cTn>
+                        </p:par>
+                      </p:childTnLst>
+                    </p:cTn>
+                  </p:par>
+                  <p:par>
+                    <p:cTn id="10" fill="hold">
+                      <p:stCondLst>
+                        <p:cond delay="indefinite"/>
+                      </p:stCondLst>
+                      <p:childTnLst>
+                        <p:par>
+                          <p:cTn id="11" fill="hold">
+                            <p:stCondLst>
+                              <p:cond delay="0"/>
+                            </p:stCondLst>
+                            <p:childTnLst>
+                              <p:par>
+                                <p:cTn id="12" presetID="42" presetClass="entr" presetSubtype="0" fill="hold" grpId="0" nodeType="clickEffect">
+                                  <p:stCondLst>
+                                    <p:cond delay="0"/>
+                                  </p:stCondLst>
+                                  <p:childTnLst>
+                                    <p:set>
+                                      <p:cBhvr>
+                                        <p:cTn id="13" dur="1" fill="hold">
+                                          <p:stCondLst>
+                                            <p:cond delay="0"/>
+                                          </p:stCondLst>
+                                        </p:cTn>
+                                        <p:tgtEl>
+                                          <p:spTgt spid="22"/>
+                                        </p:tgtEl>
+                                        <p:attrNameLst>
+                                          <p:attrName>style.visibility</p:attrName>
+                                        </p:attrNameLst>
+                                      </p:cBhvr>
+                                      <p:to>
+                                        <p:strVal val="visible"/>
+                                      </p:to>
+                                    </p:set>
+                                    <p:animEffect transition="in" filter="fade">
+                                      <p:cBhvr>
+                                        <p:cTn id="14" dur="1000"/>
+                                        <p:tgtEl>
+                                          <p:spTgt spid="22"/>
+                                        </p:tgtEl>
+                                      </p:cBhvr>
+                                    </p:animEffect>
+                                    <p:anim calcmode="lin" valueType="num">
+                                      <p:cBhvr>
+                                        <p:cTn id="15" dur="1000" fill="hold"/>
+                                        <p:tgtEl>
+                                          <p:spTgt spid="22"/>
+                                        </p:tgtEl>
+                                        <p:attrNameLst>
+                                          <p:attrName>ppt_x</p:attrName>
+                                        </p:attrNameLst>
+                                      </p:cBhvr>
+                                      <p:tavLst>
+                                        <p:tav tm="0">
+                                          <p:val>
+                                            <p:strVal val="#ppt_x"/>
+                                          </p:val>
+                                        </p:tav>
+                                        <p:tav tm="100000">
+                                          <p:val>
+                                            <p:strVal val="#ppt_x"/>
+                                          </p:val>
+                                        </p:tav>
+                                      </p:tavLst>
+                                    </p:anim>
+                                    <p:anim calcmode="lin" valueType="num">
+                                      <p:cBhvr>
+                                        <p:cTn id="16" dur="1000" fill="hold"/>
+                                        <p:tgtEl>
+                                          <p:spTgt spid="22"/>
+                                        </p:tgtEl>
+                                        <p:attrNameLst>
+                                          <p:attrName>ppt_y</p:attrName>
+                                        </p:attrNameLst>
+                                      </p:cBhvr>
+                                      <p:tavLst>
+                                        <p:tav tm="0">
+                                          <p:val>
+                                            <p:strVal val="#ppt_y+.1"/>
+                                          </p:val>
+                                        </p:tav>
+                                        <p:tav tm="100000">
+                                          <p:val>
+                                            <p:strVal val="#ppt_y"/>
+                                          </p:val>
+                                        </p:tav>
+                                      </p:tavLst>
+                                    </p:anim>
+                                  </p:childTnLst>
+                                </p:cTn>
+                              </p:par>
+                            </p:childTnLst>
+                          </p:cTn>
+                        </p:par>
+                        <p:par>
+                          <p:cTn id="17" fill="hold">
+                            <p:stCondLst>
+                              <p:cond delay="1000"/>
+                            </p:stCondLst>
+                            <p:childTnLst>
+                              <p:par>
+                                <p:cTn id="18" presetID="2" presetClass="entr" presetSubtype="4" fill="hold" grpId="0" nodeType="afterEffect">
+                                  <p:stCondLst>
+                                    <p:cond delay="0"/>
+                                  </p:stCondLst>
+                                  <p:childTnLst>
+                                    <p:set>
+                                      <p:cBhvr>
+                                        <p:cTn id="19" dur="1" fill="hold">
+                                          <p:stCondLst>
+                                            <p:cond delay="0"/>
+                                          </p:stCondLst>
+                                        </p:cTn>
+                                        <p:tgtEl>
+                                          <p:spTgt spid="2"/>
+                                        </p:tgtEl>
+                                        <p:attrNameLst>
+                                          <p:attrName>style.visibility</p:attrName>
+                                        </p:attrNameLst>
+                                      </p:cBhvr>
+                                      <p:to>
+                                        <p:strVal val="visible"/>
+                                      </p:to>
+                                    </p:set>
+                                    <p:anim calcmode="lin" valueType="num">
+                                      <p:cBhvr additive="base">
+                                        <p:cTn id="20" dur="500" fill="hold"/>
+                                        <p:tgtEl>
+                                          <p:spTgt spid="2"/>
+                                        </p:tgtEl>
+                                        <p:attrNameLst>
+                                          <p:attrName>ppt_x</p:attrName>
+                                        </p:attrNameLst>
+                                      </p:cBhvr>
+                                      <p:tavLst>
+                                        <p:tav tm="0">
+                                          <p:val>
+                                            <p:strVal val="#ppt_x"/>
+                                          </p:val>
+                                        </p:tav>
+                                        <p:tav tm="100000">
+                                          <p:val>
+                                            <p:strVal val="#ppt_x"/>
+                                          </p:val>
+                                        </p:tav>
+                                      </p:tavLst>
+                                    </p:anim>
+                                    <p:anim calcmode="lin" valueType="num">
+                                      <p:cBhvr additive="base">
+                                        <p:cTn id="21" dur="500" fill="hold"/>
+                                        <p:tgtEl>
+                                          <p:spTgt spid="2"/>
+                                        </p:tgtEl>
+                                        <p:attrNameLst>
+                                          <p:attrName>ppt_y</p:attrName>
+                                        </p:attrNameLst>
+                                      </p:cBhvr>
+                                      <p:tavLst>
+                                        <p:tav tm="0">
+                                          <p:val>
+                                            <p:strVal val="1+#ppt_h/2"/>
+                                          </p:val>
+                                        </p:tav>
+                                        <p:tav tm="100000">
+                                          <p:val>
+                                            <p:strVal val="#ppt_y"/>
+                                          </p:val>
+                                        </p:tav>
+                                      </p:tavLst>
+                                    </p:anim>
+                                  </p:childTnLst>
+                                </p:cTn>
+                              </p:par>
+                            </p:childTnLst>
+                          </p:cTn>
+                        </p:par>
+                        <p:par>
+                          <p:cTn id="22" fill="hold">
+                            <p:stCondLst>
+                              <p:cond delay="1500"/>
+                            </p:stCondLst>
+                            <p:childTnLst>
+                              <p:par>
+                                <p:cTn id="23" presetID="2" presetClass="entr" presetSubtype="4" fill="hold" grpId="0" nodeType="afterEffect">
+                                  <p:stCondLst>
+                                    <p:cond delay="0"/>
+                                  </p:stCondLst>
+                                  <p:childTnLst>
+                                    <p:set>
+                                      <p:cBhvr>
+                                        <p:cTn id="24" dur="1" fill="hold">
+                                          <p:stCondLst>
+                                            <p:cond delay="0"/>
+                                          </p:stCondLst>
+                                        </p:cTn>
+                                        <p:tgtEl>
+                                          <p:spTgt spid="3"/>
+                                        </p:tgtEl>
+                                        <p:attrNameLst>
+                                          <p:attrName>style.visibility</p:attrName>
+                                        </p:attrNameLst>
+                                      </p:cBhvr>
+                                      <p:to>
+                                        <p:strVal val="visible"/>
+                                      </p:to>
+                                    </p:set>
+                                    <p:anim calcmode="lin" valueType="num">
+                                      <p:cBhvr additive="base">
+                                        <p:cTn id="25" dur="500" fill="hold"/>
+                                        <p:tgtEl>
+                                          <p:spTgt spid="3"/>
+                                        </p:tgtEl>
+                                        <p:attrNameLst>
+                                          <p:attrName>ppt_x</p:attrName>
+                                        </p:attrNameLst>
+                                      </p:cBhvr>
+                                      <p:tavLst>
+                                        <p:tav tm="0">
+                                          <p:val>
+                                            <p:strVal val="#ppt_x"/>
+                                          </p:val>
+                                        </p:tav>
+                                        <p:tav tm="100000">
+                                          <p:val>
+                                            <p:strVal val="#ppt_x"/>
+                                          </p:val>
+                                        </p:tav>
+                                      </p:tavLst>
+                                    </p:anim>
+                                    <p:anim calcmode="lin" valueType="num">
+                                      <p:cBhvr additive="base">
+                                        <p:cTn id="26" dur="500" fill="hold"/>
+                                        <p:tgtEl>
+                                          <p:spTgt spid="3"/>
+                                        </p:tgtEl>
+                                        <p:attrNameLst>
+                                          <p:attrName>ppt_y</p:attrName>
+                                        </p:attrNameLst>
+                                      </p:cBhvr>
+                                      <p:tavLst>
+                                        <p:tav tm="0">
+                                          <p:val>
+                                            <p:strVal val="1+#ppt_h/2"/>
+                                          </p:val>
+                                        </p:tav>
+                                        <p:tav tm="100000">
+                                          <p:val>
+                                            <p:strVal val="#ppt_y"/>
+                                          </p:val>
+                                        </p:tav>
+                                      </p:tavLst>
+                                    </p:anim>
+                                  </p:childTnLst>
+                                </p:cTn>
+                              </p:par>
+                            </p:childTnLst>
+                          </p:cTn>
+                        </p:par>
+                      </p:childTnLst>
+                    </p:cTn>
+                  </p:par>
+                  <p:par>
+                    <p:cTn id="27" fill="hold">
+                      <p:stCondLst>
+                        <p:cond delay="indefinite"/>
+                      </p:stCondLst>
+                      <p:childTnLst>
+                        <p:par>
+                          <p:cTn id="28" fill="hold">
+                            <p:stCondLst>
+                              <p:cond delay="0"/>
+                            </p:stCondLst>
+                            <p:childTnLst>
+                              <p:par>
+                                <p:cTn id="29" presetID="2" presetClass="entr" presetSubtype="4" fill="hold" nodeType="clickEffect">
+                                  <p:stCondLst>
+                                    <p:cond delay="0"/>
+                                  </p:stCondLst>
+                                  <p:childTnLst>
+                                    <p:set>
+                                      <p:cBhvr>
+                                        <p:cTn id="30" dur="1" fill="hold">
+                                          <p:stCondLst>
+                                            <p:cond delay="0"/>
+                                          </p:stCondLst>
+                                        </p:cTn>
+                                        <p:tgtEl>
+                                          <p:spTgt spid="4"/>
+                                        </p:tgtEl>
+                                        <p:attrNameLst>
+                                          <p:attrName>style.visibility</p:attrName>
+                                        </p:attrNameLst>
+                                      </p:cBhvr>
+                                      <p:to>
+                                        <p:strVal val="visible"/>
+                                      </p:to>
+                                    </p:set>
+                                    <p:anim calcmode="lin" valueType="num">
+                                      <p:cBhvr additive="base">
+                                        <p:cTn id="31" dur="500" fill="hold"/>
+                                        <p:tgtEl>
+                                          <p:spTgt spid="4"/>
+                                        </p:tgtEl>
+                                        <p:attrNameLst>
+                                          <p:attrName>ppt_x</p:attrName>
+                                        </p:attrNameLst>
+                                      </p:cBhvr>
+                                      <p:tavLst>
+                                        <p:tav tm="0">
+                                          <p:val>
+                                            <p:strVal val="#ppt_x"/>
+                                          </p:val>
+                                        </p:tav>
+                                        <p:tav tm="100000">
+                                          <p:val>
+                                            <p:strVal val="#ppt_x"/>
+                                          </p:val>
+                                        </p:tav>
+                                      </p:tavLst>
+                                    </p:anim>
+                                    <p:anim calcmode="lin" valueType="num">
+                                      <p:cBhvr additive="base">
+                                        <p:cTn id="32" dur="500" fill="hold"/>
+                                        <p:tgtEl>
+                                          <p:spTgt spid="4"/>
+                                        </p:tgtEl>
+                                        <p:attrNameLst>
+                                          <p:attrName>ppt_y</p:attrName>
+                                        </p:attrNameLst>
+                                      </p:cBhvr>
+                                      <p:tavLst>
+                                        <p:tav tm="0">
+                                          <p:val>
+                                            <p:strVal val="1+#ppt_h/2"/>
+                                          </p:val>
+                                        </p:tav>
+                                        <p:tav tm="100000">
+                                          <p:val>
+                                            <p:strVal val="#ppt_y"/>
+                                          </p:val>
+                                        </p:tav>
+                                      </p:tavLst>
+                                    </p:anim>
+                                  </p:childTnLst>
+                                </p:cTn>
+                              </p:par>
+                            </p:childTnLst>
+                          </p:cTn>
+                        </p:par>
+                      </p:childTnLst>
+                    </p:cTn>
+                  </p:par>
+                  <p:par>
+                    <p:cTn id="33" fill="hold">
+                      <p:stCondLst>
+                        <p:cond delay="indefinite"/>
+                      </p:stCondLst>
+                      <p:childTnLst>
+                        <p:par>
+                          <p:cTn id="34" fill="hold">
+                            <p:stCondLst>
+                              <p:cond delay="0"/>
+                            </p:stCondLst>
+                            <p:childTnLst>
+                              <p:par>
+                                <p:cTn id="35" presetID="2" presetClass="entr" presetSubtype="4" fill="hold" nodeType="clickEffect">
+                                  <p:stCondLst>
+                                    <p:cond delay="0"/>
+                                  </p:stCondLst>
+                                  <p:childTnLst>
+                                    <p:set>
+                                      <p:cBhvr>
+                                        <p:cTn id="36" dur="1" fill="hold">
+                                          <p:stCondLst>
+                                            <p:cond delay="0"/>
+                                          </p:stCondLst>
+                                        </p:cTn>
+                                        <p:tgtEl>
+                                          <p:spTgt spid="5"/>
+                                        </p:tgtEl>
+                                        <p:attrNameLst>
+                                          <p:attrName>style.visibility</p:attrName>
+                                        </p:attrNameLst>
+                                      </p:cBhvr>
+                                      <p:to>
+                                        <p:strVal val="visible"/>
+                                      </p:to>
+                                    </p:set>
+                                    <p:anim calcmode="lin" valueType="num">
+                                      <p:cBhvr additive="base">
+                                        <p:cTn id="37" dur="500" fill="hold"/>
+                                        <p:tgtEl>
+                                          <p:spTgt spid="5"/>
+                                        </p:tgtEl>
+                                        <p:attrNameLst>
+                                          <p:attrName>ppt_x</p:attrName>
+                                        </p:attrNameLst>
+                                      </p:cBhvr>
+                                      <p:tavLst>
+                                        <p:tav tm="0">
+                                          <p:val>
+                                            <p:strVal val="#ppt_x"/>
+                                          </p:val>
+                                        </p:tav>
+                                        <p:tav tm="100000">
+                                          <p:val>
+                                            <p:strVal val="#ppt_x"/>
+                                          </p:val>
+                                        </p:tav>
+                                      </p:tavLst>
+                                    </p:anim>
+                                    <p:anim calcmode="lin" valueType="num">
+                                      <p:cBhvr additive="base">
+                                        <p:cTn id="38" dur="500" fill="hold"/>
+                                        <p:tgtEl>
+                                          <p:spTgt spid="5"/>
+                                        </p:tgtEl>
+                                        <p:attrNameLst>
+                                          <p:attrName>ppt_y</p:attrName>
+                                        </p:attrNameLst>
+                                      </p:cBhvr>
+                                      <p:tavLst>
+                                        <p:tav tm="0">
+                                          <p:val>
+                                            <p:strVal val="1+#ppt_h/2"/>
+                                          </p:val>
+                                        </p:tav>
+                                        <p:tav tm="100000">
+                                          <p:val>
+                                            <p:strVal val="#ppt_y"/>
+                                          </p:val>
+                                        </p:tav>
+                                      </p:tavLst>
+                                    </p:anim>
+                                  </p:childTnLst>
+                                </p:cTn>
+                              </p:par>
+                            </p:childTnLst>
+                          </p:cTn>
+                        </p:par>
+                      </p:childTnLst>
+                    </p:cTn>
+                  </p:par>
+                  <p:par>
+                    <p:cTn id="39" fill="hold">
+                      <p:stCondLst>
+                        <p:cond delay="indefinite"/>
+                      </p:stCondLst>
+                      <p:childTnLst>
+                        <p:par>
+                          <p:cTn id="40" fill="hold">
+                            <p:stCondLst>
+                              <p:cond delay="0"/>
+                            </p:stCondLst>
+                            <p:childTnLst>
+                              <p:par>
+                                <p:cTn id="41" presetID="2" presetClass="entr" presetSubtype="4" fill="hold" nodeType="clickEffect">
+                                  <p:stCondLst>
+                                    <p:cond delay="0"/>
+                                  </p:stCondLst>
+                                  <p:childTnLst>
+                                    <p:set>
+                                      <p:cBhvr>
+                                        <p:cTn id="42" dur="1" fill="hold">
+                                          <p:stCondLst>
+                                            <p:cond delay="0"/>
+                                          </p:stCondLst>
+                                        </p:cTn>
+                                        <p:tgtEl>
+                                          <p:spTgt spid="6"/>
+                                        </p:tgtEl>
+                                        <p:attrNameLst>
+                                          <p:attrName>style.visibility</p:attrName>
+                                        </p:attrNameLst>
+                                      </p:cBhvr>
+                                      <p:to>
+                                        <p:strVal val="visible"/>
+                                      </p:to>
+                                    </p:set>
+                                    <p:anim calcmode="lin" valueType="num">
+                                      <p:cBhvr additive="base">
+                                        <p:cTn id="43" dur="500" fill="hold"/>
+                                        <p:tgtEl>
+                                          <p:spTgt spid="6"/>
+                                        </p:tgtEl>
+                                        <p:attrNameLst>
+                                          <p:attrName>ppt_x</p:attrName>
+                                        </p:attrNameLst>
+                                      </p:cBhvr>
+                                      <p:tavLst>
+                                        <p:tav tm="0">
+                                          <p:val>
+                                            <p:strVal val="#ppt_x"/>
+                                          </p:val>
+                                        </p:tav>
+                                        <p:tav tm="100000">
+                                          <p:val>
+                                            <p:strVal val="#ppt_x"/>
+                                          </p:val>
+                                        </p:tav>
+                                      </p:tavLst>
+                                    </p:anim>
+                                    <p:anim calcmode="lin" valueType="num">
+                                      <p:cBhvr additive="base">
+                                        <p:cTn id="44" dur="500" fill="hold"/>
+                                        <p:tgtEl>
+                                          <p:spTgt spid="6"/>
+                                        </p:tgtEl>
+                                        <p:attrNameLst>
+                                          <p:attrName>ppt_y</p:attrName>
+                                        </p:attrNameLst>
+                                      </p:cBhvr>
+                                      <p:tavLst>
+                                        <p:tav tm="0">
+                                          <p:val>
+                                            <p:strVal val="1+#ppt_h/2"/>
+                                          </p:val>
+                                        </p:tav>
+                                        <p:tav tm="100000">
+                                          <p:val>
+                                            <p:strVal val="#ppt_y"/>
+                                          </p:val>
+                                        </p:tav>
+                                      </p:tavLst>
+                                    </p:anim>
+                                  </p:childTnLst>
+                                </p:cTn>
+                              </p:par>
+                            </p:childTnLst>
+                          </p:cTn>
+                        </p:par>
+                      </p:childTnLst>
+                    </p:cTn>
+                  </p:par>
+                  <p:par>
+                    <p:cTn id="45" fill="hold">
+                      <p:stCondLst>
+                        <p:cond delay="indefinite"/>
+                      </p:stCondLst>
+                      <p:childTnLst>
+                        <p:par>
+                          <p:cTn id="46" fill="hold">
+                            <p:stCondLst>
+                              <p:cond delay="0"/>
+                            </p:stCondLst>
+                            <p:childTnLst>
+                              <p:par>
+                                <p:cTn id="47" presetID="2" presetClass="entr" presetSubtype="4" fill="hold" nodeType="clickEffect">
+                                  <p:stCondLst>
+                                    <p:cond delay="0"/>
+                                  </p:stCondLst>
+                                  <p:childTnLst>
+                                    <p:set>
+                                      <p:cBhvr>
+                                        <p:cTn id="48" dur="1" fill="hold">
+                                          <p:stCondLst>
+                                            <p:cond delay="0"/>
+                                          </p:stCondLst>
+                                        </p:cTn>
+                                        <p:tgtEl>
+                                          <p:spTgt spid="7"/>
+                                        </p:tgtEl>
+                                        <p:attrNameLst>
+                                          <p:attrName>style.visibility</p:attrName>
+                                        </p:attrNameLst>
+                                      </p:cBhvr>
+                                      <p:to>
+                                        <p:strVal val="visible"/>
+                                      </p:to>
+                                    </p:set>
+                                    <p:anim calcmode="lin" valueType="num">
+                                      <p:cBhvr additive="base">
+                                        <p:cTn id="49" dur="500" fill="hold"/>
+                                        <p:tgtEl>
+                                          <p:spTgt spid="7"/>
+                                        </p:tgtEl>
+                                        <p:attrNameLst>
+                                          <p:attrName>ppt_x</p:attrName>
+                                        </p:attrNameLst>
+                                      </p:cBhvr>
+                                      <p:tavLst>
+                                        <p:tav tm="0">
+                                          <p:val>
+                                            <p:strVal val="#ppt_x"/>
+                                          </p:val>
+                                        </p:tav>
+                                        <p:tav tm="100000">
+                                          <p:val>
+                                            <p:strVal val="#ppt_x"/>
+                                          </p:val>
+                                        </p:tav>
+                                      </p:tavLst>
+                                    </p:anim>
+                                    <p:anim calcmode="lin" valueType="num">
+                                      <p:cBhvr additive="base">
+                                        <p:cTn id="50" dur="500" fill="hold"/>
+                                        <p:tgtEl>
+                                          <p:spTgt spid="7"/>
+                                        </p:tgtEl>
+                                        <p:attrNameLst>
+                                          <p:attrName>ppt_y</p:attrName>
+                                        </p:attrNameLst>
+                                      </p:cBhvr>
+                                      <p:tavLst>
+                                        <p:tav tm="0">
+                                          <p:val>
+                                            <p:strVal val="1+#ppt_h/2"/>
+                                          </p:val>
+                                        </p:tav>
+                                        <p:tav tm="100000">
+                                          <p:val>
+                                            <p:strVal val="#ppt_y"/>
+                                          </p:val>
+                                        </p:tav>
+                                      </p:tavLst>
+                                    </p:anim>
+                                  </p:childTnLst>
+                                </p:cTn>
+                              </p:par>
+                            </p:childTnLst>
+                          </p:cTn>
+                        </p:par>
+                      </p:childTnLst>
+                    </p:cTn>
+                  </p:par>
+                  <p:par>
+                    <p:cTn id="51" fill="hold">
+                      <p:stCondLst>
+                        <p:cond delay="indefinite"/>
+                      </p:stCondLst>
+                      <p:childTnLst>
+                        <p:par>
+                          <p:cTn id="52" fill="hold">
+                            <p:stCondLst>
+                              <p:cond delay="0"/>
+                            </p:stCondLst>
+                            <p:childTnLst>
+                              <p:par>
+                                <p:cTn id="53" presetID="2" presetClass="entr" presetSubtype="4" fill="hold" nodeType="clickEffect">
+                                  <p:stCondLst>
+                                    <p:cond delay="0"/>
+                                  </p:stCondLst>
+                                  <p:childTnLst>
+                                    <p:set>
+                                      <p:cBhvr>
+                                        <p:cTn id="54" dur="1" fill="hold">
+                                          <p:stCondLst>
+                                            <p:cond delay="0"/>
+                                          </p:stCondLst>
+                                        </p:cTn>
+                                        <p:tgtEl>
+                                          <p:spTgt spid="9"/>
+                                        </p:tgtEl>
+                                        <p:attrNameLst>
+                                          <p:attrName>style.visibility</p:attrName>
+                                        </p:attrNameLst>
+                                      </p:cBhvr>
+                                      <p:to>
+                                        <p:strVal val="visible"/>
+                                      </p:to>
+                                    </p:set>
+                                    <p:anim calcmode="lin" valueType="num">
+                                      <p:cBhvr additive="base">
+                                        <p:cTn id="55" dur="500" fill="hold"/>
+                                        <p:tgtEl>
+                                          <p:spTgt spid="9"/>
+                                        </p:tgtEl>
+                                        <p:attrNameLst>
+                                          <p:attrName>ppt_x</p:attrName>
+                                        </p:attrNameLst>
+                                      </p:cBhvr>
+                                      <p:tavLst>
+                                        <p:tav tm="0">
+                                          <p:val>
+                                            <p:strVal val="#ppt_x"/>
+                                          </p:val>
+                                        </p:tav>
+                                        <p:tav tm="100000">
+                                          <p:val>
+                                            <p:strVal val="#ppt_x"/>
+                                          </p:val>
+                                        </p:tav>
+                                      </p:tavLst>
+                                    </p:anim>
+                                    <p:anim calcmode="lin" valueType="num">
+                                      <p:cBhvr additive="base">
+                                        <p:cTn id="56" dur="500" fill="hold"/>
+                                        <p:tgtEl>
+                                          <p:spTgt spid="9"/>
+                                        </p:tgtEl>
+                                        <p:attrNameLst>
+                                          <p:attrName>ppt_y</p:attrName>
+                                        </p:attrNameLst>
+                                      </p:cBhvr>
+                                      <p:tavLst>
+                                        <p:tav tm="0">
+                                          <p:val>
+                                            <p:strVal val="1+#ppt_h/2"/>
+                                          </p:val>
+                                        </p:tav>
+                                        <p:tav tm="100000">
+                                          <p:val>
+                                            <p:strVal val="#ppt_y"/>
+                                          </p:val>
+                                        </p:tav>
+                                      </p:tavLst>
+                                    </p:anim>
+                                  </p:childTnLst>
+                                </p:cTn>
+                              </p:par>
+                            </p:childTnLst>
+                          </p:cTn>
+                        </p:par>
+                      </p:childTnLst>
+                    </p:cTn>
+                  </p:par>
+                </p:childTnLst>
+              </p:cTn>
+              <p:prevCondLst>
+                <p:cond evt="onPrev" delay="0">
+                  <p:tgtEl>
+                    <p:sldTgt/>
+                  </p:tgtEl>
+                </p:cond>
+              </p:prevCondLst>
+              <p:nextCondLst>
+                <p:cond evt="onNext" delay="0">
+                  <p:tgtEl>
+                    <p:sldTgt/>
+                  </p:tgtEl>
+                </p:cond>
+              </p:nextCondLst>
+            </p:seq>
+          </p:childTnLst>
+        </p:cTn>
+      </p:par>
+    </p:tnLst>
+    <p:bldLst>
+      <p:bldP spid="22" grpId="0" bldLvl="0" animBg="1"/>
+      <p:bldP spid="2" grpId="0"/>
+      <p:bldP spid="3" grpId="0"/>
+    </p:bldLst>
+  </p:timing>
+</p:sld>
+</file>
+
+<file path=ppt/slides/slide13.xml><?xml version="1.0" encoding="utf-8"?>
+<p:sld xmlns:a="http://schemas.openxmlformats.org/drawingml/2006/main" xmlns:r="http://schemas.openxmlformats.org/officeDocument/2006/relationships" xmlns:p="http://schemas.openxmlformats.org/presentationml/2006/main">
+  <p:cSld>
+    <p:spTree>
+      <p:nvGrpSpPr>
+        <p:cNvPr id="1" name=""/>
+        <p:cNvGrpSpPr/>
+        <p:nvPr/>
+      </p:nvGrpSpPr>
+      <p:grpSpPr>
+        <a:xfrm>
+          <a:off x="0" y="0"/>
+          <a:ext cx="0" cy="0"/>
+          <a:chOff x="0" y="0"/>
+          <a:chExt cx="0" cy="0"/>
+        </a:xfrm>
+      </p:grpSpPr>
+      <p:pic>
+        <p:nvPicPr>
+          <p:cNvPr id="1026" name="Picture 2" descr="C:\Users\Administrator\Desktop\新建文件夹 (3)\17577f82066f5c6副本.jpg"/>
+          <p:cNvPicPr>
+            <a:picLocks noChangeAspect="1" noChangeArrowheads="1"/>
+          </p:cNvPicPr>
+          <p:nvPr/>
+        </p:nvPicPr>
+        <p:blipFill>
+          <a:blip r:embed="rId3" cstate="print"/>
+          <a:srcRect/>
+          <a:stretch>
+            <a:fillRect/>
+          </a:stretch>
+        </p:blipFill>
+        <p:spPr bwMode="auto">
+          <a:xfrm>
+            <a:off x="2775" y="0"/>
+            <a:ext cx="12188990" cy="6862655"/>
+          </a:xfrm>
+          <a:prstGeom prst="rect">
+            <a:avLst/>
+          </a:prstGeom>
+          <a:noFill/>
+        </p:spPr>
+      </p:pic>
+      <p:sp>
+        <p:nvSpPr>
+          <p:cNvPr id="22" name="矩形 21"/>
+          <p:cNvSpPr/>
+          <p:nvPr/>
+        </p:nvSpPr>
+        <p:spPr>
+          <a:xfrm>
+            <a:off x="576593" y="548968"/>
+            <a:ext cx="11038501" cy="5759218"/>
+          </a:xfrm>
+          <a:prstGeom prst="rect">
+            <a:avLst/>
+          </a:prstGeom>
+          <a:solidFill>
+            <a:schemeClr val="bg1"/>
+          </a:solidFill>
+          <a:ln>
+            <a:noFill/>
+          </a:ln>
+        </p:spPr>
+        <p:style>
+          <a:lnRef idx="2">
+            <a:schemeClr val="accent1">
+              <a:shade val="50000"/>
+            </a:schemeClr>
+          </a:lnRef>
+          <a:fillRef idx="1">
+            <a:schemeClr val="accent1"/>
+          </a:fillRef>
+          <a:effectRef idx="0">
+            <a:schemeClr val="accent1"/>
+          </a:effectRef>
+          <a:fontRef idx="minor">
+            <a:schemeClr val="lt1"/>
+          </a:fontRef>
+        </p:style>
+        <p:txBody>
+          <a:bodyPr rtlCol="0" anchor="ctr"/>
+          <a:lstStyle/>
+          <a:p>
+            <a:pPr algn="ctr"/>
+            <a:endParaRPr lang="zh-CN" altLang="en-US" sz="2400"/>
+          </a:p>
+        </p:txBody>
+      </p:sp>
+      <p:sp>
+        <p:nvSpPr>
+          <p:cNvPr id="2" name="文本框 1"/>
+          <p:cNvSpPr txBox="1"/>
+          <p:nvPr/>
+        </p:nvSpPr>
+        <p:spPr>
+          <a:xfrm>
+            <a:off x="837565" y="673735"/>
+            <a:ext cx="2722880" cy="460375"/>
+          </a:xfrm>
+          <a:prstGeom prst="rect">
+            <a:avLst/>
+          </a:prstGeom>
+          <a:noFill/>
+        </p:spPr>
+        <p:txBody>
+          <a:bodyPr wrap="square" rtlCol="0">
+            <a:spAutoFit/>
+            <a:scene3d>
+              <a:camera prst="orthographicFront"/>
+              <a:lightRig rig="threePt" dir="t"/>
+            </a:scene3d>
+          </a:bodyPr>
+          <a:lstStyle/>
+          <a:p>
+            <a:r>
+              <a:rPr lang="zh-CN" altLang="en-US" sz="2400">
+                <a:solidFill>
+                  <a:schemeClr val="tx1"/>
+                </a:solidFill>
+                <a:effectLst>
+                  <a:outerShdw blurRad="38100" dist="19050" dir="2700000" algn="tl" rotWithShape="0">
+                    <a:schemeClr val="dk1">
+                      <a:alpha val="40000"/>
+                    </a:schemeClr>
+                  </a:outerShdw>
+                </a:effectLst>
+                <a:latin typeface="微软雅黑" panose="020B0503020204020204" charset="-122"/>
+                <a:ea typeface="微软雅黑" panose="020B0503020204020204" charset="-122"/>
+                <a:cs typeface="微软雅黑" panose="020B0503020204020204" charset="-122"/>
+              </a:rPr>
+              <a:t>挨个来看看</a:t>
+            </a:r>
+          </a:p>
+        </p:txBody>
+      </p:sp>
+      <p:sp>
+        <p:nvSpPr>
+          <p:cNvPr id="3" name="文本框 2"/>
+          <p:cNvSpPr txBox="1"/>
+          <p:nvPr/>
+        </p:nvSpPr>
+        <p:spPr>
+          <a:xfrm>
+            <a:off x="1353185" y="1362075"/>
+            <a:ext cx="9030335" cy="368300"/>
+          </a:xfrm>
+          <a:prstGeom prst="rect">
+            <a:avLst/>
+          </a:prstGeom>
+          <a:noFill/>
+        </p:spPr>
+        <p:txBody>
+          <a:bodyPr wrap="square" rtlCol="0">
+            <a:spAutoFit/>
+          </a:bodyPr>
+          <a:lstStyle/>
+          <a:p>
+            <a:r>
+              <a:rPr lang="zh-CN" altLang="en-US" dirty="0"/>
+              <a:t>事</a:t>
+            </a:r>
+            <a:r>
+              <a:rPr lang="zh-CN" altLang="en-US" dirty="0" smtClean="0"/>
+              <a:t>件处理函数中的</a:t>
+            </a:r>
+            <a:r>
+              <a:rPr lang="en-US" altLang="zh-CN" dirty="0" smtClean="0"/>
+              <a:t>this</a:t>
+            </a:r>
+            <a:r>
+              <a:rPr lang="zh-CN" altLang="en-US" dirty="0" smtClean="0"/>
+              <a:t>指向触发事件的元素</a:t>
+            </a:r>
+            <a:endParaRPr lang="zh-CN" altLang="en-US" dirty="0"/>
+          </a:p>
+        </p:txBody>
+      </p:sp>
+    </p:spTree>
+    <p:extLst>
+      <p:ext uri="{BB962C8B-B14F-4D97-AF65-F5344CB8AC3E}">
+        <p14:creationId xmlns:p14="http://schemas.microsoft.com/office/powerpoint/2010/main" val="4031253242"/>
+      </p:ext>
+    </p:extLst>
+  </p:cSld>
+  <p:clrMapOvr>
+    <a:masterClrMapping/>
+  </p:clrMapOvr>
+  <mc:AlternateContent xmlns:mc="http://schemas.openxmlformats.org/markup-compatibility/2006" xmlns:p14="http://schemas.microsoft.com/office/powerpoint/2010/main">
+    <mc:Choice Requires="p14">
+      <p:transition p14:dur="0"/>
+    </mc:Choice>
+    <mc:Fallback xmlns="">
+      <p:transition/>
+    </mc:Fallback>
+  </mc:AlternateContent>
+  <p:timing>
+    <p:tnLst>
+      <p:par>
+        <p:cTn id="1" dur="indefinite" restart="never" nodeType="tmRoot">
+          <p:childTnLst>
+            <p:seq concurrent="1" nextAc="seek">
+              <p:cTn id="2" dur="indefinite" nodeType="mainSeq">
+                <p:childTnLst>
+                  <p:par>
+                    <p:cTn id="3" fill="hold">
+                      <p:stCondLst>
+                        <p:cond delay="indefinite"/>
+                      </p:stCondLst>
+                      <p:childTnLst>
+                        <p:par>
+                          <p:cTn id="4" fill="hold">
+                            <p:stCondLst>
+                              <p:cond delay="0"/>
+                            </p:stCondLst>
+                            <p:childTnLst>
+                              <p:par>
+                                <p:cTn id="5" presetID="50" presetClass="entr" presetSubtype="0" decel="100000" fill="hold" nodeType="clickEffect">
+                                  <p:stCondLst>
+                                    <p:cond delay="0"/>
+                                  </p:stCondLst>
+                                  <p:childTnLst>
+                                    <p:set>
+                                      <p:cBhvr>
+                                        <p:cTn id="6" dur="1" fill="hold">
+                                          <p:stCondLst>
+                                            <p:cond delay="0"/>
+                                          </p:stCondLst>
+                                        </p:cTn>
+                                        <p:tgtEl>
+                                          <p:spTgt spid="1026"/>
+                                        </p:tgtEl>
+                                        <p:attrNameLst>
+                                          <p:attrName>style.visibility</p:attrName>
+                                        </p:attrNameLst>
+                                      </p:cBhvr>
+                                      <p:to>
+                                        <p:strVal val="visible"/>
+                                      </p:to>
+                                    </p:set>
+                                    <p:anim calcmode="lin" valueType="num">
+                                      <p:cBhvr>
+                                        <p:cTn id="7" dur="1000" fill="hold"/>
+                                        <p:tgtEl>
+                                          <p:spTgt spid="1026"/>
+                                        </p:tgtEl>
+                                        <p:attrNameLst>
+                                          <p:attrName>ppt_w</p:attrName>
+                                        </p:attrNameLst>
+                                      </p:cBhvr>
+                                      <p:tavLst>
+                                        <p:tav tm="0">
+                                          <p:val>
+                                            <p:strVal val="#ppt_w+.3"/>
+                                          </p:val>
+                                        </p:tav>
+                                        <p:tav tm="100000">
+                                          <p:val>
+                                            <p:strVal val="#ppt_w"/>
+                                          </p:val>
+                                        </p:tav>
+                                      </p:tavLst>
+                                    </p:anim>
+                                    <p:anim calcmode="lin" valueType="num">
+                                      <p:cBhvr>
+                                        <p:cTn id="8" dur="1000" fill="hold"/>
+                                        <p:tgtEl>
+                                          <p:spTgt spid="1026"/>
+                                        </p:tgtEl>
+                                        <p:attrNameLst>
+                                          <p:attrName>ppt_h</p:attrName>
+                                        </p:attrNameLst>
+                                      </p:cBhvr>
+                                      <p:tavLst>
+                                        <p:tav tm="0">
+                                          <p:val>
+                                            <p:strVal val="#ppt_h"/>
+                                          </p:val>
+                                        </p:tav>
+                                        <p:tav tm="100000">
+                                          <p:val>
+                                            <p:strVal val="#ppt_h"/>
+                                          </p:val>
+                                        </p:tav>
+                                      </p:tavLst>
+                                    </p:anim>
+                                    <p:animEffect transition="in" filter="fade">
+                                      <p:cBhvr>
+                                        <p:cTn id="9" dur="1000"/>
+                                        <p:tgtEl>
+                                          <p:spTgt spid="1026"/>
+                                        </p:tgtEl>
+                                      </p:cBhvr>
+                                    </p:animEffect>
+                                  </p:childTnLst>
+                                </p:cTn>
+                              </p:par>
+                            </p:childTnLst>
+                          </p:cTn>
+                        </p:par>
+                      </p:childTnLst>
+                    </p:cTn>
+                  </p:par>
+                  <p:par>
+                    <p:cTn id="10" fill="hold">
+                      <p:stCondLst>
+                        <p:cond delay="indefinite"/>
+                      </p:stCondLst>
+                      <p:childTnLst>
+                        <p:par>
+                          <p:cTn id="11" fill="hold">
+                            <p:stCondLst>
+                              <p:cond delay="0"/>
+                            </p:stCondLst>
+                            <p:childTnLst>
+                              <p:par>
+                                <p:cTn id="12" presetID="42" presetClass="entr" presetSubtype="0" fill="hold" grpId="0" nodeType="clickEffect">
+                                  <p:stCondLst>
+                                    <p:cond delay="0"/>
+                                  </p:stCondLst>
+                                  <p:childTnLst>
+                                    <p:set>
+                                      <p:cBhvr>
+                                        <p:cTn id="13" dur="1" fill="hold">
+                                          <p:stCondLst>
+                                            <p:cond delay="0"/>
+                                          </p:stCondLst>
+                                        </p:cTn>
+                                        <p:tgtEl>
+                                          <p:spTgt spid="22"/>
+                                        </p:tgtEl>
+                                        <p:attrNameLst>
+                                          <p:attrName>style.visibility</p:attrName>
+                                        </p:attrNameLst>
+                                      </p:cBhvr>
+                                      <p:to>
+                                        <p:strVal val="visible"/>
+                                      </p:to>
+                                    </p:set>
+                                    <p:animEffect transition="in" filter="fade">
+                                      <p:cBhvr>
+                                        <p:cTn id="14" dur="1000"/>
+                                        <p:tgtEl>
+                                          <p:spTgt spid="22"/>
+                                        </p:tgtEl>
+                                      </p:cBhvr>
+                                    </p:animEffect>
+                                    <p:anim calcmode="lin" valueType="num">
+                                      <p:cBhvr>
+                                        <p:cTn id="15" dur="1000" fill="hold"/>
+                                        <p:tgtEl>
+                                          <p:spTgt spid="22"/>
+                                        </p:tgtEl>
+                                        <p:attrNameLst>
+                                          <p:attrName>ppt_x</p:attrName>
+                                        </p:attrNameLst>
+                                      </p:cBhvr>
+                                      <p:tavLst>
+                                        <p:tav tm="0">
+                                          <p:val>
+                                            <p:strVal val="#ppt_x"/>
+                                          </p:val>
+                                        </p:tav>
+                                        <p:tav tm="100000">
+                                          <p:val>
+                                            <p:strVal val="#ppt_x"/>
+                                          </p:val>
+                                        </p:tav>
+                                      </p:tavLst>
+                                    </p:anim>
+                                    <p:anim calcmode="lin" valueType="num">
+                                      <p:cBhvr>
+                                        <p:cTn id="16" dur="1000" fill="hold"/>
+                                        <p:tgtEl>
+                                          <p:spTgt spid="22"/>
+                                        </p:tgtEl>
+                                        <p:attrNameLst>
+                                          <p:attrName>ppt_y</p:attrName>
+                                        </p:attrNameLst>
+                                      </p:cBhvr>
+                                      <p:tavLst>
+                                        <p:tav tm="0">
+                                          <p:val>
+                                            <p:strVal val="#ppt_y+.1"/>
+                                          </p:val>
+                                        </p:tav>
+                                        <p:tav tm="100000">
+                                          <p:val>
+                                            <p:strVal val="#ppt_y"/>
+                                          </p:val>
+                                        </p:tav>
+                                      </p:tavLst>
+                                    </p:anim>
+                                  </p:childTnLst>
+                                </p:cTn>
+                              </p:par>
+                            </p:childTnLst>
+                          </p:cTn>
+                        </p:par>
+                        <p:par>
+                          <p:cTn id="17" fill="hold">
+                            <p:stCondLst>
+                              <p:cond delay="1000"/>
+                            </p:stCondLst>
+                            <p:childTnLst>
+                              <p:par>
+                                <p:cTn id="18" presetID="2" presetClass="entr" presetSubtype="4" fill="hold" grpId="0" nodeType="afterEffect">
+                                  <p:stCondLst>
+                                    <p:cond delay="0"/>
+                                  </p:stCondLst>
+                                  <p:childTnLst>
+                                    <p:set>
+                                      <p:cBhvr>
+                                        <p:cTn id="19" dur="1" fill="hold">
+                                          <p:stCondLst>
+                                            <p:cond delay="0"/>
+                                          </p:stCondLst>
+                                        </p:cTn>
+                                        <p:tgtEl>
+                                          <p:spTgt spid="2"/>
+                                        </p:tgtEl>
+                                        <p:attrNameLst>
+                                          <p:attrName>style.visibility</p:attrName>
+                                        </p:attrNameLst>
+                                      </p:cBhvr>
+                                      <p:to>
+                                        <p:strVal val="visible"/>
+                                      </p:to>
+                                    </p:set>
+                                    <p:anim calcmode="lin" valueType="num">
+                                      <p:cBhvr additive="base">
+                                        <p:cTn id="20" dur="500" fill="hold"/>
+                                        <p:tgtEl>
+                                          <p:spTgt spid="2"/>
+                                        </p:tgtEl>
+                                        <p:attrNameLst>
+                                          <p:attrName>ppt_x</p:attrName>
+                                        </p:attrNameLst>
+                                      </p:cBhvr>
+                                      <p:tavLst>
+                                        <p:tav tm="0">
+                                          <p:val>
+                                            <p:strVal val="#ppt_x"/>
+                                          </p:val>
+                                        </p:tav>
+                                        <p:tav tm="100000">
+                                          <p:val>
+                                            <p:strVal val="#ppt_x"/>
+                                          </p:val>
+                                        </p:tav>
+                                      </p:tavLst>
+                                    </p:anim>
+                                    <p:anim calcmode="lin" valueType="num">
+                                      <p:cBhvr additive="base">
+                                        <p:cTn id="21" dur="500" fill="hold"/>
+                                        <p:tgtEl>
+                                          <p:spTgt spid="2"/>
+                                        </p:tgtEl>
+                                        <p:attrNameLst>
+                                          <p:attrName>ppt_y</p:attrName>
+                                        </p:attrNameLst>
+                                      </p:cBhvr>
+                                      <p:tavLst>
+                                        <p:tav tm="0">
+                                          <p:val>
+                                            <p:strVal val="1+#ppt_h/2"/>
+                                          </p:val>
+                                        </p:tav>
+                                        <p:tav tm="100000">
+                                          <p:val>
+                                            <p:strVal val="#ppt_y"/>
+                                          </p:val>
+                                        </p:tav>
+                                      </p:tavLst>
+                                    </p:anim>
+                                  </p:childTnLst>
+                                </p:cTn>
+                              </p:par>
+                            </p:childTnLst>
+                          </p:cTn>
+                        </p:par>
+                        <p:par>
+                          <p:cTn id="22" fill="hold">
+                            <p:stCondLst>
+                              <p:cond delay="1500"/>
+                            </p:stCondLst>
+                            <p:childTnLst>
+                              <p:par>
+                                <p:cTn id="23" presetID="2" presetClass="entr" presetSubtype="4" fill="hold" grpId="0" nodeType="afterEffect">
+                                  <p:stCondLst>
+                                    <p:cond delay="0"/>
+                                  </p:stCondLst>
+                                  <p:childTnLst>
+                                    <p:set>
+                                      <p:cBhvr>
+                                        <p:cTn id="24" dur="1" fill="hold">
+                                          <p:stCondLst>
+                                            <p:cond delay="0"/>
+                                          </p:stCondLst>
+                                        </p:cTn>
+                                        <p:tgtEl>
+                                          <p:spTgt spid="3"/>
+                                        </p:tgtEl>
+                                        <p:attrNameLst>
+                                          <p:attrName>style.visibility</p:attrName>
+                                        </p:attrNameLst>
+                                      </p:cBhvr>
+                                      <p:to>
+                                        <p:strVal val="visible"/>
+                                      </p:to>
+                                    </p:set>
+                                    <p:anim calcmode="lin" valueType="num">
+                                      <p:cBhvr additive="base">
+                                        <p:cTn id="25" dur="500" fill="hold"/>
+                                        <p:tgtEl>
+                                          <p:spTgt spid="3"/>
+                                        </p:tgtEl>
+                                        <p:attrNameLst>
+                                          <p:attrName>ppt_x</p:attrName>
+                                        </p:attrNameLst>
+                                      </p:cBhvr>
+                                      <p:tavLst>
+                                        <p:tav tm="0">
+                                          <p:val>
+                                            <p:strVal val="#ppt_x"/>
+                                          </p:val>
+                                        </p:tav>
+                                        <p:tav tm="100000">
+                                          <p:val>
+                                            <p:strVal val="#ppt_x"/>
+                                          </p:val>
+                                        </p:tav>
+                                      </p:tavLst>
+                                    </p:anim>
+                                    <p:anim calcmode="lin" valueType="num">
+                                      <p:cBhvr additive="base">
+                                        <p:cTn id="26" dur="500" fill="hold"/>
+                                        <p:tgtEl>
+                                          <p:spTgt spid="3"/>
+                                        </p:tgtEl>
+                                        <p:attrNameLst>
+                                          <p:attrName>ppt_y</p:attrName>
+                                        </p:attrNameLst>
+                                      </p:cBhvr>
+                                      <p:tavLst>
+                                        <p:tav tm="0">
+                                          <p:val>
+                                            <p:strVal val="1+#ppt_h/2"/>
+                                          </p:val>
+                                        </p:tav>
+                                        <p:tav tm="100000">
+                                          <p:val>
+                                            <p:strVal val="#ppt_y"/>
+                                          </p:val>
+                                        </p:tav>
+                                      </p:tavLst>
+                                    </p:anim>
+                                  </p:childTnLst>
+                                </p:cTn>
+                              </p:par>
+                            </p:childTnLst>
+                          </p:cTn>
+                        </p:par>
+                      </p:childTnLst>
+                    </p:cTn>
+                  </p:par>
+                </p:childTnLst>
+              </p:cTn>
+              <p:prevCondLst>
+                <p:cond evt="onPrev" delay="0">
+                  <p:tgtEl>
+                    <p:sldTgt/>
+                  </p:tgtEl>
+                </p:cond>
+              </p:prevCondLst>
+              <p:nextCondLst>
+                <p:cond evt="onNext" delay="0">
+                  <p:tgtEl>
+                    <p:sldTgt/>
+                  </p:tgtEl>
+                </p:cond>
+              </p:nextCondLst>
+            </p:seq>
+          </p:childTnLst>
+        </p:cTn>
+      </p:par>
+    </p:tnLst>
+    <p:bldLst>
+      <p:bldP spid="22" grpId="0" bldLvl="0" animBg="1"/>
+      <p:bldP spid="2" grpId="0"/>
+      <p:bldP spid="3" grpId="0"/>
+    </p:bldLst>
+  </p:timing>
+</p:sld>
+</file>
+
+<file path=ppt/slides/slide14.xml><?xml version="1.0" encoding="utf-8"?>
+<p:sld xmlns:a="http://schemas.openxmlformats.org/drawingml/2006/main" xmlns:r="http://schemas.openxmlformats.org/officeDocument/2006/relationships" xmlns:p="http://schemas.openxmlformats.org/presentationml/2006/main">
+  <p:cSld>
+    <p:spTree>
+      <p:nvGrpSpPr>
+        <p:cNvPr id="1" name=""/>
+        <p:cNvGrpSpPr/>
+        <p:nvPr/>
+      </p:nvGrpSpPr>
+      <p:grpSpPr>
+        <a:xfrm>
+          <a:off x="0" y="0"/>
+          <a:ext cx="0" cy="0"/>
+          <a:chOff x="0" y="0"/>
+          <a:chExt cx="0" cy="0"/>
+        </a:xfrm>
+      </p:grpSpPr>
+      <p:pic>
+        <p:nvPicPr>
+          <p:cNvPr id="1026" name="Picture 2" descr="C:\Users\Administrator\Desktop\新建文件夹 (3)\17577f82066f5c6副本.jpg"/>
+          <p:cNvPicPr>
+            <a:picLocks noChangeAspect="1" noChangeArrowheads="1"/>
+          </p:cNvPicPr>
+          <p:nvPr/>
+        </p:nvPicPr>
+        <p:blipFill>
+          <a:blip r:embed="rId3" cstate="print"/>
+          <a:srcRect/>
+          <a:stretch>
+            <a:fillRect/>
+          </a:stretch>
+        </p:blipFill>
+        <p:spPr bwMode="auto">
+          <a:xfrm>
+            <a:off x="2775" y="0"/>
+            <a:ext cx="12188990" cy="6862655"/>
+          </a:xfrm>
+          <a:prstGeom prst="rect">
+            <a:avLst/>
+          </a:prstGeom>
+          <a:noFill/>
+        </p:spPr>
+      </p:pic>
+      <p:sp>
+        <p:nvSpPr>
+          <p:cNvPr id="22" name="矩形 21"/>
+          <p:cNvSpPr/>
+          <p:nvPr/>
+        </p:nvSpPr>
+        <p:spPr>
+          <a:xfrm>
+            <a:off x="576593" y="548968"/>
+            <a:ext cx="11038501" cy="5759218"/>
+          </a:xfrm>
+          <a:prstGeom prst="rect">
+            <a:avLst/>
+          </a:prstGeom>
+          <a:solidFill>
+            <a:schemeClr val="bg1"/>
+          </a:solidFill>
+          <a:ln>
+            <a:noFill/>
+          </a:ln>
+        </p:spPr>
+        <p:style>
+          <a:lnRef idx="2">
+            <a:schemeClr val="accent1">
+              <a:shade val="50000"/>
+            </a:schemeClr>
+          </a:lnRef>
+          <a:fillRef idx="1">
+            <a:schemeClr val="accent1"/>
+          </a:fillRef>
+          <a:effectRef idx="0">
+            <a:schemeClr val="accent1"/>
+          </a:effectRef>
+          <a:fontRef idx="minor">
+            <a:schemeClr val="lt1"/>
+          </a:fontRef>
+        </p:style>
+        <p:txBody>
+          <a:bodyPr rtlCol="0" anchor="ctr"/>
+          <a:lstStyle/>
+          <a:p>
+            <a:pPr algn="ctr"/>
+            <a:endParaRPr lang="zh-CN" altLang="en-US" sz="2400"/>
+          </a:p>
+        </p:txBody>
+      </p:sp>
+      <p:sp>
+        <p:nvSpPr>
+          <p:cNvPr id="2" name="文本框 1"/>
+          <p:cNvSpPr txBox="1"/>
+          <p:nvPr/>
+        </p:nvSpPr>
+        <p:spPr>
+          <a:xfrm>
+            <a:off x="837565" y="673735"/>
+            <a:ext cx="2722880" cy="460375"/>
+          </a:xfrm>
+          <a:prstGeom prst="rect">
+            <a:avLst/>
+          </a:prstGeom>
+          <a:noFill/>
+        </p:spPr>
+        <p:txBody>
+          <a:bodyPr wrap="square" rtlCol="0">
+            <a:spAutoFit/>
+            <a:scene3d>
+              <a:camera prst="orthographicFront"/>
+              <a:lightRig rig="threePt" dir="t"/>
+            </a:scene3d>
+          </a:bodyPr>
+          <a:lstStyle/>
+          <a:p>
+            <a:r>
+              <a:rPr lang="zh-CN" altLang="en-US" sz="2400">
+                <a:solidFill>
+                  <a:schemeClr val="tx1"/>
+                </a:solidFill>
+                <a:effectLst>
+                  <a:outerShdw blurRad="38100" dist="19050" dir="2700000" algn="tl" rotWithShape="0">
+                    <a:schemeClr val="dk1">
+                      <a:alpha val="40000"/>
+                    </a:schemeClr>
+                  </a:outerShdw>
+                </a:effectLst>
+                <a:latin typeface="微软雅黑" panose="020B0503020204020204" charset="-122"/>
+                <a:ea typeface="微软雅黑" panose="020B0503020204020204" charset="-122"/>
+                <a:cs typeface="微软雅黑" panose="020B0503020204020204" charset="-122"/>
+              </a:rPr>
+              <a:t>挨个来看看</a:t>
+            </a:r>
+          </a:p>
+        </p:txBody>
+      </p:sp>
+      <p:sp>
+        <p:nvSpPr>
+          <p:cNvPr id="3" name="文本框 2"/>
+          <p:cNvSpPr txBox="1"/>
+          <p:nvPr/>
+        </p:nvSpPr>
+        <p:spPr>
+          <a:xfrm>
+            <a:off x="1353185" y="1362075"/>
+            <a:ext cx="9030335" cy="368300"/>
+          </a:xfrm>
+          <a:prstGeom prst="rect">
+            <a:avLst/>
+          </a:prstGeom>
+          <a:noFill/>
+        </p:spPr>
+        <p:txBody>
+          <a:bodyPr wrap="square" rtlCol="0">
+            <a:spAutoFit/>
+          </a:bodyPr>
+          <a:lstStyle/>
+          <a:p>
+            <a:r>
+              <a:rPr lang="zh-CN" altLang="en-US" dirty="0" smtClean="0"/>
+              <a:t>内联事件处理函数中的</a:t>
+            </a:r>
+            <a:r>
+              <a:rPr lang="en-US" altLang="zh-CN" dirty="0" smtClean="0"/>
+              <a:t>this</a:t>
+            </a:r>
+            <a:r>
+              <a:rPr lang="zh-CN" altLang="en-US" dirty="0" smtClean="0"/>
+              <a:t>指向监听器所在的元素。</a:t>
+            </a:r>
+            <a:endParaRPr lang="zh-CN" altLang="en-US" dirty="0"/>
+          </a:p>
+        </p:txBody>
+      </p:sp>
+    </p:spTree>
+    <p:extLst>
+      <p:ext uri="{BB962C8B-B14F-4D97-AF65-F5344CB8AC3E}">
+        <p14:creationId xmlns:p14="http://schemas.microsoft.com/office/powerpoint/2010/main" val="3170395795"/>
+      </p:ext>
+    </p:extLst>
+  </p:cSld>
+  <p:clrMapOvr>
+    <a:masterClrMapping/>
+  </p:clrMapOvr>
+  <mc:AlternateContent xmlns:mc="http://schemas.openxmlformats.org/markup-compatibility/2006" xmlns:p14="http://schemas.microsoft.com/office/powerpoint/2010/main">
+    <mc:Choice Requires="p14">
+      <p:transition p14:dur="0"/>
+    </mc:Choice>
+    <mc:Fallback xmlns="">
+      <p:transition/>
+    </mc:Fallback>
+  </mc:AlternateContent>
+  <p:timing>
+    <p:tnLst>
+      <p:par>
+        <p:cTn id="1" dur="indefinite" restart="never" nodeType="tmRoot">
+          <p:childTnLst>
+            <p:seq concurrent="1" nextAc="seek">
+              <p:cTn id="2" dur="indefinite" nodeType="mainSeq">
+                <p:childTnLst>
+                  <p:par>
+                    <p:cTn id="3" fill="hold">
+                      <p:stCondLst>
+                        <p:cond delay="indefinite"/>
+                      </p:stCondLst>
+                      <p:childTnLst>
+                        <p:par>
+                          <p:cTn id="4" fill="hold">
+                            <p:stCondLst>
+                              <p:cond delay="0"/>
+                            </p:stCondLst>
+                            <p:childTnLst>
+                              <p:par>
+                                <p:cTn id="5" presetID="50" presetClass="entr" presetSubtype="0" decel="100000" fill="hold" nodeType="clickEffect">
+                                  <p:stCondLst>
+                                    <p:cond delay="0"/>
+                                  </p:stCondLst>
+                                  <p:childTnLst>
+                                    <p:set>
+                                      <p:cBhvr>
+                                        <p:cTn id="6" dur="1" fill="hold">
+                                          <p:stCondLst>
+                                            <p:cond delay="0"/>
+                                          </p:stCondLst>
+                                        </p:cTn>
+                                        <p:tgtEl>
+                                          <p:spTgt spid="1026"/>
+                                        </p:tgtEl>
+                                        <p:attrNameLst>
+                                          <p:attrName>style.visibility</p:attrName>
+                                        </p:attrNameLst>
+                                      </p:cBhvr>
+                                      <p:to>
+                                        <p:strVal val="visible"/>
+                                      </p:to>
+                                    </p:set>
+                                    <p:anim calcmode="lin" valueType="num">
+                                      <p:cBhvr>
+                                        <p:cTn id="7" dur="1000" fill="hold"/>
+                                        <p:tgtEl>
+                                          <p:spTgt spid="1026"/>
+                                        </p:tgtEl>
+                                        <p:attrNameLst>
+                                          <p:attrName>ppt_w</p:attrName>
+                                        </p:attrNameLst>
+                                      </p:cBhvr>
+                                      <p:tavLst>
+                                        <p:tav tm="0">
+                                          <p:val>
+                                            <p:strVal val="#ppt_w+.3"/>
+                                          </p:val>
+                                        </p:tav>
+                                        <p:tav tm="100000">
+                                          <p:val>
+                                            <p:strVal val="#ppt_w"/>
+                                          </p:val>
+                                        </p:tav>
+                                      </p:tavLst>
+                                    </p:anim>
+                                    <p:anim calcmode="lin" valueType="num">
+                                      <p:cBhvr>
+                                        <p:cTn id="8" dur="1000" fill="hold"/>
+                                        <p:tgtEl>
+                                          <p:spTgt spid="1026"/>
+                                        </p:tgtEl>
+                                        <p:attrNameLst>
+                                          <p:attrName>ppt_h</p:attrName>
+                                        </p:attrNameLst>
+                                      </p:cBhvr>
+                                      <p:tavLst>
+                                        <p:tav tm="0">
+                                          <p:val>
+                                            <p:strVal val="#ppt_h"/>
+                                          </p:val>
+                                        </p:tav>
+                                        <p:tav tm="100000">
+                                          <p:val>
+                                            <p:strVal val="#ppt_h"/>
+                                          </p:val>
+                                        </p:tav>
+                                      </p:tavLst>
+                                    </p:anim>
+                                    <p:animEffect transition="in" filter="fade">
+                                      <p:cBhvr>
+                                        <p:cTn id="9" dur="1000"/>
+                                        <p:tgtEl>
+                                          <p:spTgt spid="1026"/>
+                                        </p:tgtEl>
+                                      </p:cBhvr>
+                                    </p:animEffect>
+                                  </p:childTnLst>
+                                </p:cTn>
+                              </p:par>
+                            </p:childTnLst>
+                          </p:cTn>
+                        </p:par>
+                      </p:childTnLst>
+                    </p:cTn>
+                  </p:par>
+                  <p:par>
+                    <p:cTn id="10" fill="hold">
+                      <p:stCondLst>
+                        <p:cond delay="indefinite"/>
+                      </p:stCondLst>
+                      <p:childTnLst>
+                        <p:par>
+                          <p:cTn id="11" fill="hold">
+                            <p:stCondLst>
+                              <p:cond delay="0"/>
+                            </p:stCondLst>
+                            <p:childTnLst>
+                              <p:par>
+                                <p:cTn id="12" presetID="42" presetClass="entr" presetSubtype="0" fill="hold" grpId="0" nodeType="clickEffect">
+                                  <p:stCondLst>
+                                    <p:cond delay="0"/>
+                                  </p:stCondLst>
+                                  <p:childTnLst>
+                                    <p:set>
+                                      <p:cBhvr>
+                                        <p:cTn id="13" dur="1" fill="hold">
+                                          <p:stCondLst>
+                                            <p:cond delay="0"/>
+                                          </p:stCondLst>
+                                        </p:cTn>
+                                        <p:tgtEl>
+                                          <p:spTgt spid="22"/>
+                                        </p:tgtEl>
+                                        <p:attrNameLst>
+                                          <p:attrName>style.visibility</p:attrName>
+                                        </p:attrNameLst>
+                                      </p:cBhvr>
+                                      <p:to>
+                                        <p:strVal val="visible"/>
+                                      </p:to>
+                                    </p:set>
+                                    <p:animEffect transition="in" filter="fade">
+                                      <p:cBhvr>
+                                        <p:cTn id="14" dur="1000"/>
+                                        <p:tgtEl>
+                                          <p:spTgt spid="22"/>
+                                        </p:tgtEl>
+                                      </p:cBhvr>
+                                    </p:animEffect>
+                                    <p:anim calcmode="lin" valueType="num">
+                                      <p:cBhvr>
+                                        <p:cTn id="15" dur="1000" fill="hold"/>
+                                        <p:tgtEl>
+                                          <p:spTgt spid="22"/>
+                                        </p:tgtEl>
+                                        <p:attrNameLst>
+                                          <p:attrName>ppt_x</p:attrName>
+                                        </p:attrNameLst>
+                                      </p:cBhvr>
+                                      <p:tavLst>
+                                        <p:tav tm="0">
+                                          <p:val>
+                                            <p:strVal val="#ppt_x"/>
+                                          </p:val>
+                                        </p:tav>
+                                        <p:tav tm="100000">
+                                          <p:val>
+                                            <p:strVal val="#ppt_x"/>
+                                          </p:val>
+                                        </p:tav>
+                                      </p:tavLst>
+                                    </p:anim>
+                                    <p:anim calcmode="lin" valueType="num">
+                                      <p:cBhvr>
+                                        <p:cTn id="16" dur="1000" fill="hold"/>
+                                        <p:tgtEl>
+                                          <p:spTgt spid="22"/>
+                                        </p:tgtEl>
+                                        <p:attrNameLst>
+                                          <p:attrName>ppt_y</p:attrName>
+                                        </p:attrNameLst>
+                                      </p:cBhvr>
+                                      <p:tavLst>
+                                        <p:tav tm="0">
+                                          <p:val>
+                                            <p:strVal val="#ppt_y+.1"/>
+                                          </p:val>
+                                        </p:tav>
+                                        <p:tav tm="100000">
+                                          <p:val>
+                                            <p:strVal val="#ppt_y"/>
+                                          </p:val>
+                                        </p:tav>
+                                      </p:tavLst>
+                                    </p:anim>
+                                  </p:childTnLst>
+                                </p:cTn>
+                              </p:par>
+                            </p:childTnLst>
+                          </p:cTn>
+                        </p:par>
+                        <p:par>
+                          <p:cTn id="17" fill="hold">
+                            <p:stCondLst>
+                              <p:cond delay="1000"/>
+                            </p:stCondLst>
+                            <p:childTnLst>
+                              <p:par>
+                                <p:cTn id="18" presetID="2" presetClass="entr" presetSubtype="4" fill="hold" grpId="0" nodeType="afterEffect">
+                                  <p:stCondLst>
+                                    <p:cond delay="0"/>
+                                  </p:stCondLst>
+                                  <p:childTnLst>
+                                    <p:set>
+                                      <p:cBhvr>
+                                        <p:cTn id="19" dur="1" fill="hold">
+                                          <p:stCondLst>
+                                            <p:cond delay="0"/>
+                                          </p:stCondLst>
+                                        </p:cTn>
+                                        <p:tgtEl>
+                                          <p:spTgt spid="2"/>
+                                        </p:tgtEl>
+                                        <p:attrNameLst>
+                                          <p:attrName>style.visibility</p:attrName>
+                                        </p:attrNameLst>
+                                      </p:cBhvr>
+                                      <p:to>
+                                        <p:strVal val="visible"/>
+                                      </p:to>
+                                    </p:set>
+                                    <p:anim calcmode="lin" valueType="num">
+                                      <p:cBhvr additive="base">
+                                        <p:cTn id="20" dur="500" fill="hold"/>
+                                        <p:tgtEl>
+                                          <p:spTgt spid="2"/>
+                                        </p:tgtEl>
+                                        <p:attrNameLst>
+                                          <p:attrName>ppt_x</p:attrName>
+                                        </p:attrNameLst>
+                                      </p:cBhvr>
+                                      <p:tavLst>
+                                        <p:tav tm="0">
+                                          <p:val>
+                                            <p:strVal val="#ppt_x"/>
+                                          </p:val>
+                                        </p:tav>
+                                        <p:tav tm="100000">
+                                          <p:val>
+                                            <p:strVal val="#ppt_x"/>
+                                          </p:val>
+                                        </p:tav>
+                                      </p:tavLst>
+                                    </p:anim>
+                                    <p:anim calcmode="lin" valueType="num">
+                                      <p:cBhvr additive="base">
+                                        <p:cTn id="21" dur="500" fill="hold"/>
+                                        <p:tgtEl>
+                                          <p:spTgt spid="2"/>
+                                        </p:tgtEl>
+                                        <p:attrNameLst>
+                                          <p:attrName>ppt_y</p:attrName>
+                                        </p:attrNameLst>
+                                      </p:cBhvr>
+                                      <p:tavLst>
+                                        <p:tav tm="0">
+                                          <p:val>
+                                            <p:strVal val="1+#ppt_h/2"/>
+                                          </p:val>
+                                        </p:tav>
+                                        <p:tav tm="100000">
+                                          <p:val>
+                                            <p:strVal val="#ppt_y"/>
+                                          </p:val>
+                                        </p:tav>
+                                      </p:tavLst>
+                                    </p:anim>
+                                  </p:childTnLst>
+                                </p:cTn>
+                              </p:par>
+                            </p:childTnLst>
+                          </p:cTn>
+                        </p:par>
+                        <p:par>
+                          <p:cTn id="22" fill="hold">
+                            <p:stCondLst>
+                              <p:cond delay="1500"/>
+                            </p:stCondLst>
+                            <p:childTnLst>
+                              <p:par>
+                                <p:cTn id="23" presetID="2" presetClass="entr" presetSubtype="4" fill="hold" grpId="0" nodeType="afterEffect">
+                                  <p:stCondLst>
+                                    <p:cond delay="0"/>
+                                  </p:stCondLst>
+                                  <p:childTnLst>
+                                    <p:set>
+                                      <p:cBhvr>
+                                        <p:cTn id="24" dur="1" fill="hold">
+                                          <p:stCondLst>
+                                            <p:cond delay="0"/>
+                                          </p:stCondLst>
+                                        </p:cTn>
+                                        <p:tgtEl>
+                                          <p:spTgt spid="3"/>
+                                        </p:tgtEl>
+                                        <p:attrNameLst>
+                                          <p:attrName>style.visibility</p:attrName>
+                                        </p:attrNameLst>
+                                      </p:cBhvr>
+                                      <p:to>
+                                        <p:strVal val="visible"/>
+                                      </p:to>
+                                    </p:set>
+                                    <p:anim calcmode="lin" valueType="num">
+                                      <p:cBhvr additive="base">
+                                        <p:cTn id="25" dur="500" fill="hold"/>
+                                        <p:tgtEl>
+                                          <p:spTgt spid="3"/>
+                                        </p:tgtEl>
+                                        <p:attrNameLst>
+                                          <p:attrName>ppt_x</p:attrName>
+                                        </p:attrNameLst>
+                                      </p:cBhvr>
+                                      <p:tavLst>
+                                        <p:tav tm="0">
+                                          <p:val>
+                                            <p:strVal val="#ppt_x"/>
+                                          </p:val>
+                                        </p:tav>
+                                        <p:tav tm="100000">
+                                          <p:val>
+                                            <p:strVal val="#ppt_x"/>
+                                          </p:val>
+                                        </p:tav>
+                                      </p:tavLst>
+                                    </p:anim>
+                                    <p:anim calcmode="lin" valueType="num">
+                                      <p:cBhvr additive="base">
+                                        <p:cTn id="26" dur="500" fill="hold"/>
+                                        <p:tgtEl>
+                                          <p:spTgt spid="3"/>
+                                        </p:tgtEl>
+                                        <p:attrNameLst>
+                                          <p:attrName>ppt_y</p:attrName>
+                                        </p:attrNameLst>
+                                      </p:cBhvr>
+                                      <p:tavLst>
+                                        <p:tav tm="0">
+                                          <p:val>
+                                            <p:strVal val="1+#ppt_h/2"/>
+                                          </p:val>
+                                        </p:tav>
+                                        <p:tav tm="100000">
+                                          <p:val>
+                                            <p:strVal val="#ppt_y"/>
+                                          </p:val>
+                                        </p:tav>
+                                      </p:tavLst>
+                                    </p:anim>
+                                  </p:childTnLst>
+                                </p:cTn>
+                              </p:par>
+                            </p:childTnLst>
+                          </p:cTn>
+                        </p:par>
+                      </p:childTnLst>
+                    </p:cTn>
+                  </p:par>
+                </p:childTnLst>
+              </p:cTn>
+              <p:prevCondLst>
+                <p:cond evt="onPrev" delay="0">
+                  <p:tgtEl>
+                    <p:sldTgt/>
+                  </p:tgtEl>
+                </p:cond>
+              </p:prevCondLst>
+              <p:nextCondLst>
+                <p:cond evt="onNext" delay="0">
+                  <p:tgtEl>
+                    <p:sldTgt/>
+                  </p:tgtEl>
+                </p:cond>
+              </p:nextCondLst>
+            </p:seq>
+          </p:childTnLst>
+        </p:cTn>
+      </p:par>
+    </p:tnLst>
+    <p:bldLst>
+      <p:bldP spid="22" grpId="0" bldLvl="0" animBg="1"/>
+      <p:bldP spid="2" grpId="0"/>
+      <p:bldP spid="3" grpId="0"/>
+    </p:bldLst>
+  </p:timing>
+</p:sld>
+</file>
+
+<file path=ppt/slides/slide15.xml><?xml version="1.0" encoding="utf-8"?>
+<p:sld xmlns:a="http://schemas.openxmlformats.org/drawingml/2006/main" xmlns:r="http://schemas.openxmlformats.org/officeDocument/2006/relationships" xmlns:p="http://schemas.openxmlformats.org/presentationml/2006/main">
+  <p:cSld>
+    <p:spTree>
+      <p:nvGrpSpPr>
+        <p:cNvPr id="1" name=""/>
+        <p:cNvGrpSpPr/>
+        <p:nvPr/>
+      </p:nvGrpSpPr>
+      <p:grpSpPr>
+        <a:xfrm>
+          <a:off x="0" y="0"/>
+          <a:ext cx="0" cy="0"/>
+          <a:chOff x="0" y="0"/>
+          <a:chExt cx="0" cy="0"/>
+        </a:xfrm>
+      </p:grpSpPr>
+      <p:pic>
+        <p:nvPicPr>
+          <p:cNvPr id="1026" name="Picture 2" descr="C:\Users\Administrator\Desktop\新建文件夹 (3)\17577f82066f5c6副本.jpg"/>
+          <p:cNvPicPr>
+            <a:picLocks noChangeAspect="1" noChangeArrowheads="1"/>
+          </p:cNvPicPr>
+          <p:nvPr/>
+        </p:nvPicPr>
+        <p:blipFill>
+          <a:blip r:embed="rId3" cstate="print"/>
+          <a:srcRect/>
+          <a:stretch>
+            <a:fillRect/>
+          </a:stretch>
+        </p:blipFill>
+        <p:spPr bwMode="auto">
+          <a:xfrm>
+            <a:off x="2775" y="0"/>
+            <a:ext cx="12188990" cy="6862655"/>
+          </a:xfrm>
+          <a:prstGeom prst="rect">
+            <a:avLst/>
+          </a:prstGeom>
+          <a:noFill/>
+        </p:spPr>
+      </p:pic>
+      <p:sp>
+        <p:nvSpPr>
+          <p:cNvPr id="22" name="矩形 21"/>
+          <p:cNvSpPr/>
+          <p:nvPr/>
+        </p:nvSpPr>
+        <p:spPr>
+          <a:xfrm>
+            <a:off x="576593" y="548968"/>
+            <a:ext cx="11038501" cy="5759218"/>
+          </a:xfrm>
+          <a:prstGeom prst="rect">
+            <a:avLst/>
+          </a:prstGeom>
+          <a:solidFill>
+            <a:schemeClr val="bg1"/>
+          </a:solidFill>
+          <a:ln>
+            <a:noFill/>
+          </a:ln>
+        </p:spPr>
+        <p:style>
+          <a:lnRef idx="2">
+            <a:schemeClr val="accent1">
+              <a:shade val="50000"/>
+            </a:schemeClr>
+          </a:lnRef>
+          <a:fillRef idx="1">
+            <a:schemeClr val="accent1"/>
+          </a:fillRef>
+          <a:effectRef idx="0">
+            <a:schemeClr val="accent1"/>
+          </a:effectRef>
+          <a:fontRef idx="minor">
+            <a:schemeClr val="lt1"/>
+          </a:fontRef>
+        </p:style>
+        <p:txBody>
+          <a:bodyPr rtlCol="0" anchor="ctr"/>
+          <a:lstStyle/>
+          <a:p>
+            <a:pPr algn="ctr"/>
+            <a:endParaRPr lang="zh-CN" altLang="en-US" sz="2400"/>
+          </a:p>
+        </p:txBody>
+      </p:sp>
+      <p:sp>
+        <p:nvSpPr>
+          <p:cNvPr id="2" name="文本框 1"/>
+          <p:cNvSpPr txBox="1"/>
+          <p:nvPr/>
+        </p:nvSpPr>
+        <p:spPr>
+          <a:xfrm>
+            <a:off x="837565" y="673735"/>
+            <a:ext cx="2722880" cy="460375"/>
+          </a:xfrm>
+          <a:prstGeom prst="rect">
+            <a:avLst/>
+          </a:prstGeom>
+          <a:noFill/>
+        </p:spPr>
+        <p:txBody>
+          <a:bodyPr wrap="square" rtlCol="0">
+            <a:spAutoFit/>
+            <a:scene3d>
+              <a:camera prst="orthographicFront"/>
+              <a:lightRig rig="threePt" dir="t"/>
+            </a:scene3d>
+          </a:bodyPr>
+          <a:lstStyle/>
+          <a:p>
+            <a:r>
+              <a:rPr lang="zh-CN" altLang="en-US" sz="2400">
+                <a:solidFill>
+                  <a:schemeClr val="tx1"/>
+                </a:solidFill>
+                <a:effectLst>
+                  <a:outerShdw blurRad="38100" dist="19050" dir="2700000" algn="tl" rotWithShape="0">
+                    <a:schemeClr val="dk1">
+                      <a:alpha val="40000"/>
+                    </a:schemeClr>
+                  </a:outerShdw>
+                </a:effectLst>
+                <a:latin typeface="微软雅黑" panose="020B0503020204020204" charset="-122"/>
+                <a:ea typeface="微软雅黑" panose="020B0503020204020204" charset="-122"/>
+                <a:cs typeface="微软雅黑" panose="020B0503020204020204" charset="-122"/>
+              </a:rPr>
+              <a:t>总结</a:t>
+            </a:r>
+          </a:p>
+        </p:txBody>
+      </p:sp>
+      <p:sp>
+        <p:nvSpPr>
+          <p:cNvPr id="3" name="文本框 2"/>
+          <p:cNvSpPr txBox="1"/>
+          <p:nvPr/>
+        </p:nvSpPr>
+        <p:spPr>
+          <a:xfrm>
+            <a:off x="1285240" y="1352550"/>
+            <a:ext cx="8991600" cy="1754326"/>
+          </a:xfrm>
+          <a:prstGeom prst="rect">
+            <a:avLst/>
+          </a:prstGeom>
+          <a:noFill/>
+        </p:spPr>
+        <p:txBody>
+          <a:bodyPr wrap="square" rtlCol="0">
+            <a:spAutoFit/>
+          </a:bodyPr>
+          <a:lstStyle/>
+          <a:p>
+            <a:pPr marL="285750" indent="-285750">
+              <a:buFont typeface="Arial" panose="020B0604020202020204" pitchFamily="34" charset="0"/>
+              <a:buChar char="•"/>
+            </a:pPr>
+            <a:r>
+              <a:rPr lang="zh-CN" altLang="en-US" dirty="0" smtClean="0"/>
+              <a:t>全局上下文中，浏览器中</a:t>
+            </a:r>
+            <a:r>
+              <a:rPr lang="en-US" altLang="zh-CN" dirty="0" smtClean="0"/>
+              <a:t>this</a:t>
+            </a:r>
+            <a:r>
+              <a:rPr lang="zh-CN" altLang="en-US" dirty="0" smtClean="0"/>
+              <a:t>指向</a:t>
+            </a:r>
+            <a:r>
+              <a:rPr lang="en-US" altLang="zh-CN" dirty="0" smtClean="0"/>
+              <a:t>window, </a:t>
+            </a:r>
+            <a:r>
+              <a:rPr lang="en-US" altLang="zh-CN" dirty="0" err="1" smtClean="0"/>
+              <a:t>NodeJs</a:t>
+            </a:r>
+            <a:r>
+              <a:rPr lang="zh-CN" altLang="en-US" dirty="0" smtClean="0"/>
+              <a:t>中指向</a:t>
+            </a:r>
+            <a:r>
+              <a:rPr lang="en-US" altLang="zh-CN" dirty="0" err="1" smtClean="0"/>
+              <a:t>module.exports</a:t>
+            </a:r>
+            <a:r>
+              <a:rPr lang="zh-CN" altLang="en-US" dirty="0" smtClean="0"/>
+              <a:t>。</a:t>
+            </a:r>
+            <a:endParaRPr lang="en-US" altLang="zh-CN" dirty="0" smtClean="0"/>
+          </a:p>
+          <a:p>
+            <a:pPr marL="285750" indent="-285750">
+              <a:buFont typeface="Arial" panose="020B0604020202020204" pitchFamily="34" charset="0"/>
+              <a:buChar char="•"/>
+            </a:pPr>
+            <a:r>
+              <a:rPr lang="zh-CN" altLang="en-US" dirty="0" smtClean="0"/>
+              <a:t>在</a:t>
+            </a:r>
+            <a:r>
+              <a:rPr lang="zh-CN" altLang="en-US" dirty="0"/>
+              <a:t>严格模式</a:t>
+            </a:r>
+            <a:r>
+              <a:rPr lang="zh-CN" altLang="en-US" dirty="0" smtClean="0"/>
+              <a:t>下</a:t>
+            </a:r>
+            <a:r>
+              <a:rPr lang="zh-CN" altLang="en-US" dirty="0"/>
+              <a:t>，</a:t>
+            </a:r>
+            <a:r>
+              <a:rPr lang="zh-CN" altLang="en-US" dirty="0" smtClean="0"/>
+              <a:t>函数中</a:t>
+            </a:r>
+            <a:r>
+              <a:rPr lang="en-US" altLang="zh-CN" dirty="0" smtClean="0"/>
+              <a:t>this</a:t>
+            </a:r>
+            <a:r>
+              <a:rPr lang="zh-CN" altLang="en-US" dirty="0"/>
+              <a:t>的值为进入</a:t>
+            </a:r>
+            <a:r>
+              <a:rPr lang="zh-CN" altLang="en-US" dirty="0" smtClean="0"/>
+              <a:t>时</a:t>
+            </a:r>
+            <a:r>
+              <a:rPr lang="zh-CN" altLang="en-US" dirty="0"/>
+              <a:t>所设</a:t>
+            </a:r>
+            <a:r>
+              <a:rPr lang="zh-CN" altLang="en-US" dirty="0" smtClean="0"/>
+              <a:t>置的</a:t>
+            </a:r>
+            <a:r>
+              <a:rPr lang="zh-CN" altLang="en-US" dirty="0" smtClean="0"/>
+              <a:t>值</a:t>
+            </a:r>
+            <a:r>
+              <a:rPr lang="zh-CN" altLang="en-US" dirty="0"/>
+              <a:t>，如果没有设置则为</a:t>
+            </a:r>
+            <a:r>
+              <a:rPr lang="en-US" altLang="zh-CN" dirty="0"/>
+              <a:t>undefined.</a:t>
+            </a:r>
+          </a:p>
+          <a:p>
+            <a:pPr marL="285750" indent="-285750">
+              <a:buFont typeface="Arial" panose="020B0604020202020204" pitchFamily="34" charset="0"/>
+              <a:buChar char="•"/>
+            </a:pPr>
+            <a:r>
+              <a:rPr lang="zh-CN" altLang="en-US" dirty="0"/>
+              <a:t>非严格模式下</a:t>
+            </a:r>
+            <a:r>
+              <a:rPr lang="zh-CN" altLang="en-US" dirty="0" smtClean="0"/>
+              <a:t>，函数中</a:t>
+            </a:r>
+            <a:r>
+              <a:rPr lang="en-US" altLang="zh-CN" dirty="0" smtClean="0"/>
+              <a:t>this</a:t>
+            </a:r>
+            <a:r>
+              <a:rPr lang="zh-CN" altLang="en-US" dirty="0"/>
+              <a:t>的值则由调用方式决定。直接调用、构造函数、对象方法、原型链</a:t>
+            </a:r>
+            <a:r>
+              <a:rPr lang="en-US" altLang="zh-CN" dirty="0"/>
+              <a:t>...</a:t>
+            </a:r>
+          </a:p>
+          <a:p>
+            <a:pPr marL="285750" indent="-285750">
+              <a:buFont typeface="Arial" panose="020B0604020202020204" pitchFamily="34" charset="0"/>
+              <a:buChar char="•"/>
+            </a:pPr>
+            <a:r>
+              <a:rPr lang="zh-CN" altLang="en-US" dirty="0"/>
+              <a:t>传递</a:t>
+            </a:r>
+            <a:r>
+              <a:rPr lang="en-US" altLang="zh-CN" dirty="0"/>
+              <a:t>this</a:t>
+            </a:r>
+            <a:r>
+              <a:rPr lang="zh-CN" altLang="en-US" dirty="0"/>
+              <a:t>的值可以通过</a:t>
+            </a:r>
+            <a:r>
+              <a:rPr lang="en-US" altLang="zh-CN" dirty="0" err="1"/>
+              <a:t>call,apply</a:t>
+            </a:r>
+            <a:r>
+              <a:rPr lang="en-US" altLang="zh-CN" dirty="0"/>
+              <a:t>,</a:t>
+            </a:r>
+            <a:r>
+              <a:rPr lang="zh-CN" altLang="en-US" dirty="0"/>
+              <a:t>也可以通过</a:t>
+            </a:r>
+            <a:r>
+              <a:rPr lang="en-US" altLang="zh-CN" dirty="0"/>
+              <a:t>bind</a:t>
+            </a:r>
+            <a:r>
+              <a:rPr lang="zh-CN" altLang="en-US" dirty="0"/>
+              <a:t>绑定。</a:t>
+            </a:r>
+          </a:p>
+          <a:p>
+            <a:pPr marL="285750" indent="-285750">
+              <a:buFont typeface="Arial" panose="020B0604020202020204" pitchFamily="34" charset="0"/>
+              <a:buChar char="•"/>
+            </a:pPr>
+            <a:r>
+              <a:rPr lang="zh-CN" altLang="en-US" dirty="0"/>
+              <a:t>箭头函数的</a:t>
+            </a:r>
+            <a:r>
+              <a:rPr lang="en-US" altLang="zh-CN" dirty="0"/>
+              <a:t>this</a:t>
+            </a:r>
+            <a:r>
+              <a:rPr lang="zh-CN" altLang="en-US" dirty="0"/>
+              <a:t>是由创建它的上下文决</a:t>
+            </a:r>
+            <a:r>
+              <a:rPr lang="zh-CN" altLang="en-US"/>
+              <a:t>定</a:t>
+            </a:r>
+            <a:r>
+              <a:rPr lang="zh-CN" altLang="en-US" smtClean="0"/>
+              <a:t>。</a:t>
+            </a:r>
+            <a:endParaRPr lang="en-US" altLang="zh-CN" dirty="0" smtClean="0"/>
+          </a:p>
+        </p:txBody>
+      </p:sp>
+    </p:spTree>
+  </p:cSld>
+  <p:clrMapOvr>
+    <a:masterClrMapping/>
+  </p:clrMapOvr>
+  <mc:AlternateContent xmlns:mc="http://schemas.openxmlformats.org/markup-compatibility/2006" xmlns:p14="http://schemas.microsoft.com/office/powerpoint/2010/main">
+    <mc:Choice Requires="p14">
+      <p:transition p14:dur="0"/>
+    </mc:Choice>
+    <mc:Fallback xmlns="">
+      <p:transition/>
+    </mc:Fallback>
+  </mc:AlternateContent>
+  <p:timing>
+    <p:tnLst>
+      <p:par>
+        <p:cTn id="1" dur="indefinite" restart="never" nodeType="tmRoot">
+          <p:childTnLst>
+            <p:seq concurrent="1" nextAc="seek">
+              <p:cTn id="2" dur="indefinite" nodeType="mainSeq">
+                <p:childTnLst>
+                  <p:par>
+                    <p:cTn id="3" fill="hold">
+                      <p:stCondLst>
+                        <p:cond delay="indefinite"/>
+                      </p:stCondLst>
+                      <p:childTnLst>
+                        <p:par>
+                          <p:cTn id="4" fill="hold">
+                            <p:stCondLst>
+                              <p:cond delay="0"/>
+                            </p:stCondLst>
+                            <p:childTnLst>
+                              <p:par>
+                                <p:cTn id="5" presetID="50" presetClass="entr" presetSubtype="0" decel="100000" fill="hold" nodeType="clickEffect">
+                                  <p:stCondLst>
+                                    <p:cond delay="0"/>
+                                  </p:stCondLst>
+                                  <p:childTnLst>
+                                    <p:set>
+                                      <p:cBhvr>
+                                        <p:cTn id="6" dur="1" fill="hold">
+                                          <p:stCondLst>
+                                            <p:cond delay="0"/>
+                                          </p:stCondLst>
+                                        </p:cTn>
+                                        <p:tgtEl>
+                                          <p:spTgt spid="1026"/>
+                                        </p:tgtEl>
+                                        <p:attrNameLst>
+                                          <p:attrName>style.visibility</p:attrName>
+                                        </p:attrNameLst>
+                                      </p:cBhvr>
+                                      <p:to>
+                                        <p:strVal val="visible"/>
+                                      </p:to>
+                                    </p:set>
+                                    <p:anim calcmode="lin" valueType="num">
+                                      <p:cBhvr>
+                                        <p:cTn id="7" dur="1000" fill="hold"/>
+                                        <p:tgtEl>
+                                          <p:spTgt spid="1026"/>
+                                        </p:tgtEl>
+                                        <p:attrNameLst>
+                                          <p:attrName>ppt_w</p:attrName>
+                                        </p:attrNameLst>
+                                      </p:cBhvr>
+                                      <p:tavLst>
+                                        <p:tav tm="0">
+                                          <p:val>
+                                            <p:strVal val="#ppt_w+.3"/>
+                                          </p:val>
+                                        </p:tav>
+                                        <p:tav tm="100000">
+                                          <p:val>
+                                            <p:strVal val="#ppt_w"/>
+                                          </p:val>
+                                        </p:tav>
+                                      </p:tavLst>
+                                    </p:anim>
+                                    <p:anim calcmode="lin" valueType="num">
+                                      <p:cBhvr>
+                                        <p:cTn id="8" dur="1000" fill="hold"/>
+                                        <p:tgtEl>
+                                          <p:spTgt spid="1026"/>
+                                        </p:tgtEl>
+                                        <p:attrNameLst>
+                                          <p:attrName>ppt_h</p:attrName>
+                                        </p:attrNameLst>
+                                      </p:cBhvr>
+                                      <p:tavLst>
+                                        <p:tav tm="0">
+                                          <p:val>
+                                            <p:strVal val="#ppt_h"/>
+                                          </p:val>
+                                        </p:tav>
+                                        <p:tav tm="100000">
+                                          <p:val>
+                                            <p:strVal val="#ppt_h"/>
+                                          </p:val>
+                                        </p:tav>
+                                      </p:tavLst>
+                                    </p:anim>
+                                    <p:animEffect transition="in" filter="fade">
+                                      <p:cBhvr>
+                                        <p:cTn id="9" dur="1000"/>
+                                        <p:tgtEl>
+                                          <p:spTgt spid="1026"/>
+                                        </p:tgtEl>
+                                      </p:cBhvr>
+                                    </p:animEffect>
+                                  </p:childTnLst>
+                                </p:cTn>
+                              </p:par>
+                            </p:childTnLst>
+                          </p:cTn>
+                        </p:par>
+                      </p:childTnLst>
+                    </p:cTn>
+                  </p:par>
+                  <p:par>
+                    <p:cTn id="10" fill="hold">
+                      <p:stCondLst>
+                        <p:cond delay="indefinite"/>
+                      </p:stCondLst>
+                      <p:childTnLst>
+                        <p:par>
+                          <p:cTn id="11" fill="hold">
+                            <p:stCondLst>
+                              <p:cond delay="0"/>
+                            </p:stCondLst>
+                            <p:childTnLst>
+                              <p:par>
+                                <p:cTn id="12" presetID="42" presetClass="entr" presetSubtype="0" fill="hold" grpId="0" nodeType="clickEffect">
+                                  <p:stCondLst>
+                                    <p:cond delay="0"/>
+                                  </p:stCondLst>
+                                  <p:childTnLst>
+                                    <p:set>
+                                      <p:cBhvr>
+                                        <p:cTn id="13" dur="1" fill="hold">
+                                          <p:stCondLst>
+                                            <p:cond delay="0"/>
+                                          </p:stCondLst>
+                                        </p:cTn>
+                                        <p:tgtEl>
+                                          <p:spTgt spid="22"/>
+                                        </p:tgtEl>
+                                        <p:attrNameLst>
+                                          <p:attrName>style.visibility</p:attrName>
+                                        </p:attrNameLst>
+                                      </p:cBhvr>
+                                      <p:to>
+                                        <p:strVal val="visible"/>
+                                      </p:to>
+                                    </p:set>
+                                    <p:animEffect transition="in" filter="fade">
+                                      <p:cBhvr>
+                                        <p:cTn id="14" dur="1000"/>
+                                        <p:tgtEl>
+                                          <p:spTgt spid="22"/>
+                                        </p:tgtEl>
+                                      </p:cBhvr>
+                                    </p:animEffect>
+                                    <p:anim calcmode="lin" valueType="num">
+                                      <p:cBhvr>
+                                        <p:cTn id="15" dur="1000" fill="hold"/>
+                                        <p:tgtEl>
+                                          <p:spTgt spid="22"/>
+                                        </p:tgtEl>
+                                        <p:attrNameLst>
+                                          <p:attrName>ppt_x</p:attrName>
+                                        </p:attrNameLst>
+                                      </p:cBhvr>
+                                      <p:tavLst>
+                                        <p:tav tm="0">
+                                          <p:val>
+                                            <p:strVal val="#ppt_x"/>
+                                          </p:val>
+                                        </p:tav>
+                                        <p:tav tm="100000">
+                                          <p:val>
+                                            <p:strVal val="#ppt_x"/>
+                                          </p:val>
+                                        </p:tav>
+                                      </p:tavLst>
+                                    </p:anim>
+                                    <p:anim calcmode="lin" valueType="num">
+                                      <p:cBhvr>
+                                        <p:cTn id="16" dur="1000" fill="hold"/>
+                                        <p:tgtEl>
+                                          <p:spTgt spid="22"/>
+                                        </p:tgtEl>
+                                        <p:attrNameLst>
+                                          <p:attrName>ppt_y</p:attrName>
+                                        </p:attrNameLst>
+                                      </p:cBhvr>
+                                      <p:tavLst>
+                                        <p:tav tm="0">
+                                          <p:val>
+                                            <p:strVal val="#ppt_y+.1"/>
+                                          </p:val>
+                                        </p:tav>
+                                        <p:tav tm="100000">
+                                          <p:val>
+                                            <p:strVal val="#ppt_y"/>
+                                          </p:val>
+                                        </p:tav>
+                                      </p:tavLst>
+                                    </p:anim>
+                                  </p:childTnLst>
+                                </p:cTn>
+                              </p:par>
+                            </p:childTnLst>
+                          </p:cTn>
+                        </p:par>
+                        <p:par>
+                          <p:cTn id="17" fill="hold">
+                            <p:stCondLst>
+                              <p:cond delay="1000"/>
+                            </p:stCondLst>
+                            <p:childTnLst>
+                              <p:par>
+                                <p:cTn id="18" presetID="2" presetClass="entr" presetSubtype="4" fill="hold" grpId="0" nodeType="afterEffect">
+                                  <p:stCondLst>
+                                    <p:cond delay="0"/>
+                                  </p:stCondLst>
+                                  <p:childTnLst>
+                                    <p:set>
+                                      <p:cBhvr>
+                                        <p:cTn id="19" dur="1" fill="hold">
+                                          <p:stCondLst>
+                                            <p:cond delay="0"/>
+                                          </p:stCondLst>
+                                        </p:cTn>
+                                        <p:tgtEl>
+                                          <p:spTgt spid="2"/>
+                                        </p:tgtEl>
+                                        <p:attrNameLst>
+                                          <p:attrName>style.visibility</p:attrName>
+                                        </p:attrNameLst>
+                                      </p:cBhvr>
+                                      <p:to>
+                                        <p:strVal val="visible"/>
+                                      </p:to>
+                                    </p:set>
+                                    <p:anim calcmode="lin" valueType="num">
+                                      <p:cBhvr additive="base">
+                                        <p:cTn id="20" dur="500" fill="hold"/>
+                                        <p:tgtEl>
+                                          <p:spTgt spid="2"/>
+                                        </p:tgtEl>
+                                        <p:attrNameLst>
+                                          <p:attrName>ppt_x</p:attrName>
+                                        </p:attrNameLst>
+                                      </p:cBhvr>
+                                      <p:tavLst>
+                                        <p:tav tm="0">
+                                          <p:val>
+                                            <p:strVal val="#ppt_x"/>
+                                          </p:val>
+                                        </p:tav>
+                                        <p:tav tm="100000">
+                                          <p:val>
+                                            <p:strVal val="#ppt_x"/>
+                                          </p:val>
+                                        </p:tav>
+                                      </p:tavLst>
+                                    </p:anim>
+                                    <p:anim calcmode="lin" valueType="num">
+                                      <p:cBhvr additive="base">
+                                        <p:cTn id="21" dur="500" fill="hold"/>
+                                        <p:tgtEl>
+                                          <p:spTgt spid="2"/>
+                                        </p:tgtEl>
+                                        <p:attrNameLst>
+                                          <p:attrName>ppt_y</p:attrName>
+                                        </p:attrNameLst>
+                                      </p:cBhvr>
+                                      <p:tavLst>
+                                        <p:tav tm="0">
+                                          <p:val>
+                                            <p:strVal val="1+#ppt_h/2"/>
+                                          </p:val>
+                                        </p:tav>
+                                        <p:tav tm="100000">
+                                          <p:val>
+                                            <p:strVal val="#ppt_y"/>
+                                          </p:val>
+                                        </p:tav>
+                                      </p:tavLst>
+                                    </p:anim>
+                                  </p:childTnLst>
+                                </p:cTn>
+                              </p:par>
+                            </p:childTnLst>
+                          </p:cTn>
+                        </p:par>
+                      </p:childTnLst>
+                    </p:cTn>
+                  </p:par>
+                </p:childTnLst>
+              </p:cTn>
+              <p:prevCondLst>
+                <p:cond evt="onPrev" delay="0">
+                  <p:tgtEl>
+                    <p:sldTgt/>
+                  </p:tgtEl>
+                </p:cond>
+              </p:prevCondLst>
+              <p:nextCondLst>
+                <p:cond evt="onNext" delay="0">
+                  <p:tgtEl>
+                    <p:sldTgt/>
+                  </p:tgtEl>
+                </p:cond>
+              </p:nextCondLst>
+            </p:seq>
+          </p:childTnLst>
+        </p:cTn>
+      </p:par>
+    </p:tnLst>
+    <p:bldLst>
+      <p:bldP spid="22" grpId="0" bldLvl="0" animBg="1"/>
+      <p:bldP spid="2" grpId="0"/>
+    </p:bldLst>
+  </p:timing>
+</p:sld>
+</file>
+
+<file path=ppt/slides/slide16.xml><?xml version="1.0" encoding="utf-8"?>
+<p:sld xmlns:a="http://schemas.openxmlformats.org/drawingml/2006/main" xmlns:r="http://schemas.openxmlformats.org/officeDocument/2006/relationships" xmlns:p="http://schemas.openxmlformats.org/presentationml/2006/main">
+  <p:cSld>
+    <p:spTree>
+      <p:nvGrpSpPr>
+        <p:cNvPr id="1" name=""/>
+        <p:cNvGrpSpPr/>
+        <p:nvPr/>
+      </p:nvGrpSpPr>
+      <p:grpSpPr>
+        <a:xfrm>
+          <a:off x="0" y="0"/>
+          <a:ext cx="0" cy="0"/>
+          <a:chOff x="0" y="0"/>
+          <a:chExt cx="0" cy="0"/>
+        </a:xfrm>
+      </p:grpSpPr>
+      <p:pic>
+        <p:nvPicPr>
+          <p:cNvPr id="1026" name="Picture 2" descr="C:\Users\Administrator\Desktop\新建文件夹 (3)\17577f82066f5c6副本.jpg"/>
+          <p:cNvPicPr>
+            <a:picLocks noChangeAspect="1" noChangeArrowheads="1"/>
+          </p:cNvPicPr>
+          <p:nvPr/>
+        </p:nvPicPr>
+        <p:blipFill>
+          <a:blip r:embed="rId3" cstate="print"/>
           <a:srcRect/>
           <a:stretch>
             <a:fillRect/>
@@ -5715,6 +11085,7 @@
               <a:lightRig rig="threePt" dir="t"/>
             </a:scene3d>
           </a:bodyPr>
+          <a:lstStyle/>
           <a:p>
             <a:r>
               <a:rPr lang="zh-CN" altLang="en-US" sz="2400">
@@ -5734,21 +11105,6 @@
               </a:rPr>
               <a:t>讨论时间</a:t>
             </a:r>
-            <a:endParaRPr lang="zh-CN" altLang="en-US" sz="2400">
-              <a:solidFill>
-                <a:schemeClr val="tx1"/>
-              </a:solidFill>
-              <a:effectLst>
-                <a:outerShdw blurRad="38100" dist="19050" dir="2700000" algn="tl" rotWithShape="0">
-                  <a:schemeClr val="dk1">
-                    <a:alpha val="40000"/>
-                  </a:schemeClr>
-                </a:outerShdw>
-              </a:effectLst>
-              <a:latin typeface="微软雅黑" panose="020B0503020204020204" charset="-122"/>
-              <a:ea typeface="微软雅黑" panose="020B0503020204020204" charset="-122"/>
-              <a:cs typeface="微软雅黑" panose="020B0503020204020204" charset="-122"/>
-            </a:endParaRPr>
           </a:p>
         </p:txBody>
       </p:sp>
@@ -5757,11 +11113,11 @@
   <p:clrMapOvr>
     <a:masterClrMapping/>
   </p:clrMapOvr>
-  <mc:AlternateContent xmlns:mc="http://schemas.openxmlformats.org/markup-compatibility/2006">
-    <mc:Choice xmlns:p14="http://schemas.microsoft.com/office/powerpoint/2010/main" Requires="p14">
+  <mc:AlternateContent xmlns:mc="http://schemas.openxmlformats.org/markup-compatibility/2006" xmlns:p14="http://schemas.microsoft.com/office/powerpoint/2010/main">
+    <mc:Choice Requires="p14">
       <p:transition p14:dur="0"/>
     </mc:Choice>
-    <mc:Fallback>
+    <mc:Fallback xmlns="">
       <p:transition/>
     </mc:Fallback>
   </mc:AlternateContent>
@@ -6082,7 +11438,7 @@
 </p:sld>
 </file>
 
-<file path=ppt/slides/slide11.xml><?xml version="1.0" encoding="utf-8"?>
+<file path=ppt/slides/slide17.xml><?xml version="1.0" encoding="utf-8"?>
 <p:sld xmlns:a="http://schemas.openxmlformats.org/drawingml/2006/main" xmlns:r="http://schemas.openxmlformats.org/officeDocument/2006/relationships" xmlns:p="http://schemas.openxmlformats.org/presentationml/2006/main">
   <p:cSld>
     <p:spTree>
@@ -6108,7 +11464,7 @@
           <p:nvPr/>
         </p:nvPicPr>
         <p:blipFill>
-          <a:blip r:embed="rId1" cstate="print"/>
+          <a:blip r:embed="rId3" cstate="print"/>
           <a:srcRect/>
           <a:stretch>
             <a:fillRect/>
@@ -6253,11 +11609,11 @@
   <p:clrMapOvr>
     <a:masterClrMapping/>
   </p:clrMapOvr>
-  <mc:AlternateContent xmlns:mc="http://schemas.openxmlformats.org/markup-compatibility/2006">
-    <mc:Choice xmlns:p14="http://schemas.microsoft.com/office/powerpoint/2010/main" Requires="p14">
+  <mc:AlternateContent xmlns:mc="http://schemas.openxmlformats.org/markup-compatibility/2006" xmlns:p14="http://schemas.microsoft.com/office/powerpoint/2010/main">
+    <mc:Choice Requires="p14">
       <p:transition p14:dur="0"/>
     </mc:Choice>
-    <mc:Fallback>
+    <mc:Fallback xmlns="">
       <p:transition/>
     </mc:Fallback>
   </mc:AlternateContent>
@@ -6621,7 +11977,7 @@
           <p:nvPr/>
         </p:nvPicPr>
         <p:blipFill>
-          <a:blip r:embed="rId1" cstate="print"/>
+          <a:blip r:embed="rId13" cstate="print"/>
           <a:srcRect/>
           <a:stretch>
             <a:fillRect/>
@@ -6690,7 +12046,7 @@
           <p:cNvSpPr/>
           <p:nvPr>
             <p:custDataLst>
-              <p:tags r:id="rId2"/>
+              <p:tags r:id="rId1"/>
             </p:custDataLst>
           </p:nvPr>
         </p:nvSpPr>
@@ -6920,16 +12276,6 @@
               </a:rPr>
               <a:t>是什么</a:t>
             </a:r>
-            <a:endParaRPr lang="zh-CN" altLang="en-US" sz="2265" dirty="0">
-              <a:solidFill>
-                <a:schemeClr val="bg1">
-                  <a:lumMod val="65000"/>
-                </a:schemeClr>
-              </a:solidFill>
-              <a:latin typeface="Arial" panose="020B0604020202020204" pitchFamily="34" charset="0"/>
-              <a:ea typeface="微软雅黑" panose="020B0503020204020204" charset="-122"/>
-              <a:sym typeface="Arial" panose="020B0604020202020204" pitchFamily="34" charset="0"/>
-            </a:endParaRPr>
           </a:p>
         </p:txBody>
       </p:sp>
@@ -6939,7 +12285,7 @@
           <p:cNvSpPr txBox="1"/>
           <p:nvPr>
             <p:custDataLst>
-              <p:tags r:id="rId3"/>
+              <p:tags r:id="rId2"/>
             </p:custDataLst>
           </p:nvPr>
         </p:nvSpPr>
@@ -7014,7 +12360,7 @@
           <p:cNvSpPr/>
           <p:nvPr>
             <p:custDataLst>
-              <p:tags r:id="rId4"/>
+              <p:tags r:id="rId3"/>
             </p:custDataLst>
           </p:nvPr>
         </p:nvSpPr>
@@ -7232,16 +12578,6 @@
               </a:rPr>
               <a:t>它到底有多烦</a:t>
             </a:r>
-            <a:endParaRPr lang="zh-CN" altLang="en-US" sz="2265" dirty="0">
-              <a:solidFill>
-                <a:schemeClr val="bg1">
-                  <a:lumMod val="65000"/>
-                </a:schemeClr>
-              </a:solidFill>
-              <a:latin typeface="Arial" panose="020B0604020202020204" pitchFamily="34" charset="0"/>
-              <a:ea typeface="微软雅黑" panose="020B0503020204020204" charset="-122"/>
-              <a:sym typeface="Arial" panose="020B0604020202020204" pitchFamily="34" charset="0"/>
-            </a:endParaRPr>
           </a:p>
         </p:txBody>
       </p:sp>
@@ -7251,7 +12587,7 @@
           <p:cNvSpPr txBox="1"/>
           <p:nvPr>
             <p:custDataLst>
-              <p:tags r:id="rId5"/>
+              <p:tags r:id="rId4"/>
             </p:custDataLst>
           </p:nvPr>
         </p:nvSpPr>
@@ -7326,7 +12662,7 @@
           <p:cNvSpPr/>
           <p:nvPr>
             <p:custDataLst>
-              <p:tags r:id="rId6"/>
+              <p:tags r:id="rId5"/>
             </p:custDataLst>
           </p:nvPr>
         </p:nvSpPr>
@@ -7543,16 +12879,6 @@
               </a:rPr>
               <a:t>让它不那么烦人</a:t>
             </a:r>
-            <a:endParaRPr lang="zh-CN" altLang="en-US" sz="2265" dirty="0">
-              <a:solidFill>
-                <a:schemeClr val="bg1">
-                  <a:lumMod val="65000"/>
-                </a:schemeClr>
-              </a:solidFill>
-              <a:latin typeface="Arial" panose="020B0604020202020204" pitchFamily="34" charset="0"/>
-              <a:ea typeface="微软雅黑" panose="020B0503020204020204" charset="-122"/>
-              <a:sym typeface="Arial" panose="020B0604020202020204" pitchFamily="34" charset="0"/>
-            </a:endParaRPr>
           </a:p>
         </p:txBody>
       </p:sp>
@@ -7562,7 +12888,7 @@
           <p:cNvSpPr txBox="1"/>
           <p:nvPr>
             <p:custDataLst>
-              <p:tags r:id="rId7"/>
+              <p:tags r:id="rId6"/>
             </p:custDataLst>
           </p:nvPr>
         </p:nvSpPr>
@@ -7637,7 +12963,7 @@
           <p:cNvSpPr/>
           <p:nvPr>
             <p:custDataLst>
-              <p:tags r:id="rId8"/>
+              <p:tags r:id="rId7"/>
             </p:custDataLst>
           </p:nvPr>
         </p:nvSpPr>
@@ -7855,16 +13181,6 @@
               </a:rPr>
               <a:t>Q&amp;A</a:t>
             </a:r>
-            <a:endParaRPr lang="en-US" altLang="zh-CN" sz="2265" dirty="0">
-              <a:solidFill>
-                <a:schemeClr val="bg1">
-                  <a:lumMod val="65000"/>
-                </a:schemeClr>
-              </a:solidFill>
-              <a:latin typeface="Arial" panose="020B0604020202020204" pitchFamily="34" charset="0"/>
-              <a:ea typeface="微软雅黑" panose="020B0503020204020204" charset="-122"/>
-              <a:sym typeface="Arial" panose="020B0604020202020204" pitchFamily="34" charset="0"/>
-            </a:endParaRPr>
           </a:p>
         </p:txBody>
       </p:sp>
@@ -7874,7 +13190,7 @@
           <p:cNvSpPr txBox="1"/>
           <p:nvPr>
             <p:custDataLst>
-              <p:tags r:id="rId9"/>
+              <p:tags r:id="rId8"/>
             </p:custDataLst>
           </p:nvPr>
         </p:nvSpPr>
@@ -7949,7 +13265,7 @@
           <p:cNvSpPr txBox="1"/>
           <p:nvPr>
             <p:custDataLst>
-              <p:tags r:id="rId10"/>
+              <p:tags r:id="rId9"/>
             </p:custDataLst>
           </p:nvPr>
         </p:nvSpPr>
@@ -7983,16 +13299,6 @@
               </a:rPr>
               <a:t>目  录</a:t>
             </a:r>
-            <a:endParaRPr lang="zh-CN" altLang="en-US" sz="4130" b="1" dirty="0">
-              <a:solidFill>
-                <a:schemeClr val="bg1">
-                  <a:lumMod val="65000"/>
-                </a:schemeClr>
-              </a:solidFill>
-              <a:latin typeface="Arial" panose="020B0604020202020204" pitchFamily="34" charset="0"/>
-              <a:ea typeface="微软雅黑" panose="020B0503020204020204" charset="-122"/>
-              <a:sym typeface="Arial" panose="020B0604020202020204" pitchFamily="34" charset="0"/>
-            </a:endParaRPr>
           </a:p>
         </p:txBody>
       </p:sp>
@@ -8002,7 +13308,7 @@
           <p:cNvSpPr txBox="1"/>
           <p:nvPr>
             <p:custDataLst>
-              <p:tags r:id="rId11"/>
+              <p:tags r:id="rId10"/>
             </p:custDataLst>
           </p:nvPr>
         </p:nvSpPr>
@@ -8056,11 +13362,11 @@
   <p:clrMapOvr>
     <a:masterClrMapping/>
   </p:clrMapOvr>
-  <mc:AlternateContent xmlns:mc="http://schemas.openxmlformats.org/markup-compatibility/2006">
-    <mc:Choice xmlns:p14="http://schemas.microsoft.com/office/powerpoint/2010/main" Requires="p14">
+  <mc:AlternateContent xmlns:mc="http://schemas.openxmlformats.org/markup-compatibility/2006" xmlns:p14="http://schemas.microsoft.com/office/powerpoint/2010/main">
+    <mc:Choice Requires="p14">
       <p:transition p14:dur="0"/>
     </mc:Choice>
-    <mc:Fallback>
+    <mc:Fallback xmlns="">
       <p:transition/>
     </mc:Fallback>
   </mc:AlternateContent>
@@ -9188,7 +14494,7 @@
           <p:nvPr/>
         </p:nvPicPr>
         <p:blipFill>
-          <a:blip r:embed="rId1" cstate="print"/>
+          <a:blip r:embed="rId3" cstate="print"/>
           <a:srcRect/>
           <a:stretch>
             <a:fillRect/>
@@ -9275,6 +14581,7 @@
               <a:lightRig rig="threePt" dir="t"/>
             </a:scene3d>
           </a:bodyPr>
+          <a:lstStyle/>
           <a:p>
             <a:r>
               <a:rPr lang="en-US" altLang="zh-CN" sz="2400">
@@ -9312,21 +14619,6 @@
               </a:rPr>
               <a:t>是什么</a:t>
             </a:r>
-            <a:endParaRPr lang="zh-CN" altLang="en-US" sz="2400">
-              <a:solidFill>
-                <a:schemeClr val="tx1"/>
-              </a:solidFill>
-              <a:effectLst>
-                <a:outerShdw blurRad="38100" dist="19050" dir="2700000" algn="tl" rotWithShape="0">
-                  <a:schemeClr val="dk1">
-                    <a:alpha val="40000"/>
-                  </a:schemeClr>
-                </a:outerShdw>
-              </a:effectLst>
-              <a:latin typeface="微软雅黑" panose="020B0503020204020204" charset="-122"/>
-              <a:ea typeface="微软雅黑" panose="020B0503020204020204" charset="-122"/>
-              <a:cs typeface="微软雅黑" panose="020B0503020204020204" charset="-122"/>
-            </a:endParaRPr>
           </a:p>
         </p:txBody>
       </p:sp>
@@ -9350,61 +14642,29 @@
           <a:bodyPr wrap="square" rtlCol="0">
             <a:spAutoFit/>
           </a:bodyPr>
+          <a:lstStyle/>
           <a:p>
             <a:r>
-              <a:rPr lang="zh-CN" altLang="en-US"/>
+              <a:rPr lang="zh-CN" altLang="en-US" dirty="0"/>
               <a:t>我们所接触的大部分语言都有</a:t>
             </a:r>
             <a:r>
-              <a:rPr lang="en-US" altLang="zh-CN"/>
+              <a:rPr lang="en-US" altLang="zh-CN" dirty="0"/>
               <a:t>this</a:t>
             </a:r>
             <a:r>
-              <a:rPr lang="zh-CN" altLang="en-US"/>
+              <a:rPr lang="zh-CN" altLang="en-US" dirty="0"/>
               <a:t>关键字，说说在大家的印象中</a:t>
             </a:r>
             <a:r>
-              <a:rPr lang="en-US" altLang="zh-CN"/>
+              <a:rPr lang="en-US" altLang="zh-CN" dirty="0" smtClean="0"/>
               <a:t>this</a:t>
             </a:r>
-            <a:endParaRPr lang="en-US" altLang="zh-CN"/>
-          </a:p>
-        </p:txBody>
-      </p:sp>
-      <p:sp>
-        <p:nvSpPr>
-          <p:cNvPr id="4" name="文本框 3"/>
-          <p:cNvSpPr txBox="1"/>
-          <p:nvPr/>
-        </p:nvSpPr>
-        <p:spPr>
-          <a:xfrm>
-            <a:off x="1266190" y="1980565"/>
-            <a:ext cx="9484360" cy="368300"/>
-          </a:xfrm>
-          <a:prstGeom prst="rect">
-            <a:avLst/>
-          </a:prstGeom>
-          <a:noFill/>
-        </p:spPr>
-        <p:txBody>
-          <a:bodyPr wrap="square" rtlCol="0">
-            <a:spAutoFit/>
-          </a:bodyPr>
-          <a:p>
-            <a:r>
-              <a:rPr lang="zh-CN" altLang="en-US"/>
-              <a:t>通常情况下</a:t>
-            </a:r>
-            <a:r>
-              <a:rPr lang="en-US" altLang="zh-CN"/>
-              <a:t>this</a:t>
-            </a:r>
-            <a:r>
-              <a:rPr lang="zh-CN" altLang="en-US"/>
-              <a:t>都是指对象本身。</a:t>
-            </a:r>
-            <a:endParaRPr lang="zh-CN" altLang="en-US"/>
+            <a:r>
+              <a:rPr lang="zh-CN" altLang="en-US" dirty="0" smtClean="0"/>
+              <a:t>关键字。</a:t>
+            </a:r>
+            <a:endParaRPr lang="en-US" altLang="zh-CN" dirty="0"/>
           </a:p>
         </p:txBody>
       </p:sp>
@@ -9416,7 +14676,7 @@
         </p:nvSpPr>
         <p:spPr>
           <a:xfrm>
-            <a:off x="1266190" y="2638425"/>
+            <a:off x="1266189" y="2053634"/>
             <a:ext cx="9629775" cy="368300"/>
           </a:xfrm>
           <a:prstGeom prst="rect">
@@ -9428,24 +14688,25 @@
           <a:bodyPr wrap="square" rtlCol="0">
             <a:spAutoFit/>
           </a:bodyPr>
+          <a:lstStyle/>
           <a:p>
             <a:r>
-              <a:rPr lang="zh-CN" altLang="en-US"/>
+              <a:rPr lang="zh-CN" altLang="en-US" dirty="0"/>
               <a:t>但是在</a:t>
             </a:r>
             <a:r>
-              <a:rPr lang="en-US" altLang="zh-CN"/>
+              <a:rPr lang="en-US" altLang="zh-CN" dirty="0" err="1"/>
               <a:t>Javascript</a:t>
             </a:r>
             <a:r>
-              <a:rPr lang="zh-CN" altLang="en-US"/>
+              <a:rPr lang="zh-CN" altLang="en-US" dirty="0"/>
               <a:t>中的</a:t>
             </a:r>
             <a:r>
-              <a:rPr lang="en-US" altLang="zh-CN"/>
+              <a:rPr lang="en-US" altLang="zh-CN" dirty="0"/>
               <a:t>this...</a:t>
             </a:r>
-            <a:endParaRPr lang="zh-CN" altLang="en-US"/>
+            <a:endParaRPr lang="zh-CN" altLang="en-US" dirty="0"/>
           </a:p>
         </p:txBody>
       </p:sp>
@@ -9458,7 +14719,7 @@
           <p:nvPr/>
         </p:nvPicPr>
         <p:blipFill>
-          <a:blip r:embed="rId2"/>
+          <a:blip r:embed="rId4"/>
           <a:stretch>
             <a:fillRect/>
           </a:stretch>
@@ -9478,11 +14739,11 @@
   <p:clrMapOvr>
     <a:masterClrMapping/>
   </p:clrMapOvr>
-  <mc:AlternateContent xmlns:mc="http://schemas.openxmlformats.org/markup-compatibility/2006">
-    <mc:Choice xmlns:p14="http://schemas.microsoft.com/office/powerpoint/2010/main" Requires="p14">
+  <mc:AlternateContent xmlns:mc="http://schemas.openxmlformats.org/markup-compatibility/2006" xmlns:p14="http://schemas.microsoft.com/office/powerpoint/2010/main">
+    <mc:Choice Requires="p14">
       <p:transition p14:dur="0"/>
     </mc:Choice>
-    <mc:Fallback>
+    <mc:Fallback xmlns="">
       <p:transition/>
     </mc:Fallback>
   </mc:AlternateContent>
@@ -9891,7 +15152,7 @@
                                           </p:stCondLst>
                                         </p:cTn>
                                         <p:tgtEl>
-                                          <p:spTgt spid="4"/>
+                                          <p:spTgt spid="5"/>
                                         </p:tgtEl>
                                         <p:attrNameLst>
                                           <p:attrName>style.visibility</p:attrName>
@@ -9905,7 +15166,7 @@
                                       <p:cBhvr additive="base">
                                         <p:cTn id="32" dur="500" fill="hold"/>
                                         <p:tgtEl>
-                                          <p:spTgt spid="4"/>
+                                          <p:spTgt spid="5"/>
                                         </p:tgtEl>
                                         <p:attrNameLst>
                                           <p:attrName>ppt_x</p:attrName>
@@ -9928,7 +15189,7 @@
                                       <p:cBhvr additive="base">
                                         <p:cTn id="33" dur="500" fill="hold"/>
                                         <p:tgtEl>
-                                          <p:spTgt spid="4"/>
+                                          <p:spTgt spid="5"/>
                                         </p:tgtEl>
                                         <p:attrNameLst>
                                           <p:attrName>ppt_y</p:attrName>
@@ -9969,7 +15230,7 @@
                             </p:stCondLst>
                             <p:childTnLst>
                               <p:par>
-                                <p:cTn id="36" presetID="2" presetClass="entr" presetSubtype="4" fill="hold" grpId="0" nodeType="clickEffect">
+                                <p:cTn id="36" presetID="1" presetClass="entr" presetSubtype="0" fill="hold" nodeType="clickEffect">
                                   <p:stCondLst>
                                     <p:cond delay="0"/>
                                   </p:stCondLst>
@@ -9977,97 +15238,6 @@
                                     <p:set>
                                       <p:cBhvr>
                                         <p:cTn id="37" dur="1" fill="hold">
-                                          <p:stCondLst>
-                                            <p:cond delay="0"/>
-                                          </p:stCondLst>
-                                        </p:cTn>
-                                        <p:tgtEl>
-                                          <p:spTgt spid="5"/>
-                                        </p:tgtEl>
-                                        <p:attrNameLst>
-                                          <p:attrName>style.visibility</p:attrName>
-                                        </p:attrNameLst>
-                                      </p:cBhvr>
-                                      <p:to>
-                                        <p:strVal val="visible"/>
-                                      </p:to>
-                                    </p:set>
-                                    <p:anim calcmode="lin" valueType="num">
-                                      <p:cBhvr additive="base">
-                                        <p:cTn id="38" dur="500" fill="hold"/>
-                                        <p:tgtEl>
-                                          <p:spTgt spid="5"/>
-                                        </p:tgtEl>
-                                        <p:attrNameLst>
-                                          <p:attrName>ppt_x</p:attrName>
-                                        </p:attrNameLst>
-                                      </p:cBhvr>
-                                      <p:tavLst>
-                                        <p:tav tm="0">
-                                          <p:val>
-                                            <p:strVal val="#ppt_x"/>
-                                          </p:val>
-                                        </p:tav>
-                                        <p:tav tm="100000">
-                                          <p:val>
-                                            <p:strVal val="#ppt_x"/>
-                                          </p:val>
-                                        </p:tav>
-                                      </p:tavLst>
-                                    </p:anim>
-                                    <p:anim calcmode="lin" valueType="num">
-                                      <p:cBhvr additive="base">
-                                        <p:cTn id="39" dur="500" fill="hold"/>
-                                        <p:tgtEl>
-                                          <p:spTgt spid="5"/>
-                                        </p:tgtEl>
-                                        <p:attrNameLst>
-                                          <p:attrName>ppt_y</p:attrName>
-                                        </p:attrNameLst>
-                                      </p:cBhvr>
-                                      <p:tavLst>
-                                        <p:tav tm="0">
-                                          <p:val>
-                                            <p:strVal val="1+#ppt_h/2"/>
-                                          </p:val>
-                                        </p:tav>
-                                        <p:tav tm="100000">
-                                          <p:val>
-                                            <p:strVal val="#ppt_y"/>
-                                          </p:val>
-                                        </p:tav>
-                                      </p:tavLst>
-                                    </p:anim>
-                                  </p:childTnLst>
-                                </p:cTn>
-                              </p:par>
-                            </p:childTnLst>
-                          </p:cTn>
-                        </p:par>
-                      </p:childTnLst>
-                    </p:cTn>
-                  </p:par>
-                  <p:par>
-                    <p:cTn id="40" fill="hold">
-                      <p:stCondLst>
-                        <p:cond delay="indefinite"/>
-                      </p:stCondLst>
-                      <p:childTnLst>
-                        <p:par>
-                          <p:cTn id="41" fill="hold">
-                            <p:stCondLst>
-                              <p:cond delay="0"/>
-                            </p:stCondLst>
-                            <p:childTnLst>
-                              <p:par>
-                                <p:cTn id="42" presetID="1" presetClass="entr" presetSubtype="0" fill="hold" nodeType="clickEffect">
-                                  <p:stCondLst>
-                                    <p:cond delay="0"/>
-                                  </p:stCondLst>
-                                  <p:childTnLst>
-                                    <p:set>
-                                      <p:cBhvr>
-                                        <p:cTn id="43" dur="1" fill="hold">
                                           <p:stCondLst>
                                             <p:cond delay="0"/>
                                           </p:stCondLst>
@@ -10117,7 +15287,6 @@
       <p:bldP spid="22" grpId="0" bldLvl="0" animBg="1"/>
       <p:bldP spid="2" grpId="0"/>
       <p:bldP spid="3" grpId="0"/>
-      <p:bldP spid="4" grpId="0"/>
       <p:bldP spid="5" grpId="0"/>
     </p:bldLst>
   </p:timing>
@@ -10150,7 +15319,7 @@
           <p:nvPr/>
         </p:nvPicPr>
         <p:blipFill>
-          <a:blip r:embed="rId1" cstate="print"/>
+          <a:blip r:embed="rId3" cstate="print"/>
           <a:srcRect/>
           <a:stretch>
             <a:fillRect/>
@@ -10237,6 +15406,7 @@
               <a:lightRig rig="threePt" dir="t"/>
             </a:scene3d>
           </a:bodyPr>
+          <a:lstStyle/>
           <a:p>
             <a:r>
               <a:rPr lang="zh-CN" altLang="en-US" sz="2400">
@@ -10256,21 +15426,6 @@
               </a:rPr>
               <a:t>它到底多烦人</a:t>
             </a:r>
-            <a:endParaRPr lang="zh-CN" altLang="en-US" sz="2400">
-              <a:solidFill>
-                <a:schemeClr val="tx1"/>
-              </a:solidFill>
-              <a:effectLst>
-                <a:outerShdw blurRad="38100" dist="19050" dir="2700000" algn="tl" rotWithShape="0">
-                  <a:schemeClr val="dk1">
-                    <a:alpha val="40000"/>
-                  </a:schemeClr>
-                </a:outerShdw>
-              </a:effectLst>
-              <a:latin typeface="微软雅黑" panose="020B0503020204020204" charset="-122"/>
-              <a:ea typeface="微软雅黑" panose="020B0503020204020204" charset="-122"/>
-              <a:cs typeface="微软雅黑" panose="020B0503020204020204" charset="-122"/>
-            </a:endParaRPr>
           </a:p>
         </p:txBody>
       </p:sp>
@@ -10294,6 +15449,7 @@
           <a:bodyPr wrap="square" rtlCol="0">
             <a:spAutoFit/>
           </a:bodyPr>
+          <a:lstStyle/>
           <a:p>
             <a:r>
               <a:rPr lang="zh-CN" altLang="en-US"/>
@@ -10303,7 +15459,6 @@
               <a:rPr lang="en-US" altLang="zh-CN"/>
               <a:t>...</a:t>
             </a:r>
-            <a:endParaRPr lang="en-US" altLang="zh-CN"/>
           </a:p>
         </p:txBody>
       </p:sp>
@@ -10316,7 +15471,7 @@
           <p:nvPr/>
         </p:nvPicPr>
         <p:blipFill>
-          <a:blip r:embed="rId2"/>
+          <a:blip r:embed="rId4"/>
           <a:stretch>
             <a:fillRect/>
           </a:stretch>
@@ -10340,7 +15495,7 @@
           <p:nvPr/>
         </p:nvPicPr>
         <p:blipFill>
-          <a:blip r:embed="rId3"/>
+          <a:blip r:embed="rId5"/>
           <a:stretch>
             <a:fillRect/>
           </a:stretch>
@@ -10364,7 +15519,7 @@
           <p:nvPr/>
         </p:nvPicPr>
         <p:blipFill>
-          <a:blip r:embed="rId4"/>
+          <a:blip r:embed="rId6"/>
           <a:stretch>
             <a:fillRect/>
           </a:stretch>
@@ -10388,7 +15543,7 @@
           <p:nvPr/>
         </p:nvPicPr>
         <p:blipFill>
-          <a:blip r:embed="rId5"/>
+          <a:blip r:embed="rId7"/>
           <a:stretch>
             <a:fillRect/>
           </a:stretch>
@@ -10412,7 +15567,7 @@
           <p:nvPr/>
         </p:nvPicPr>
         <p:blipFill>
-          <a:blip r:embed="rId6"/>
+          <a:blip r:embed="rId8"/>
           <a:stretch>
             <a:fillRect/>
           </a:stretch>
@@ -10432,11 +15587,11 @@
   <p:clrMapOvr>
     <a:masterClrMapping/>
   </p:clrMapOvr>
-  <mc:AlternateContent xmlns:mc="http://schemas.openxmlformats.org/markup-compatibility/2006">
-    <mc:Choice xmlns:p14="http://schemas.microsoft.com/office/powerpoint/2010/main" Requires="p14">
+  <mc:AlternateContent xmlns:mc="http://schemas.openxmlformats.org/markup-compatibility/2006" xmlns:p14="http://schemas.microsoft.com/office/powerpoint/2010/main">
+    <mc:Choice Requires="p14">
       <p:transition p14:dur="0"/>
     </mc:Choice>
-    <mc:Fallback>
+    <mc:Fallback xmlns="">
       <p:transition/>
     </mc:Fallback>
   </mc:AlternateContent>
@@ -11330,7 +16485,7 @@
           <p:nvPr/>
         </p:nvPicPr>
         <p:blipFill>
-          <a:blip r:embed="rId1" cstate="print"/>
+          <a:blip r:embed="rId3" cstate="print"/>
           <a:srcRect/>
           <a:stretch>
             <a:fillRect/>
@@ -11417,6 +16572,7 @@
               <a:lightRig rig="threePt" dir="t"/>
             </a:scene3d>
           </a:bodyPr>
+          <a:lstStyle/>
           <a:p>
             <a:r>
               <a:rPr lang="zh-CN" altLang="en-US" sz="2400">
@@ -11436,21 +16592,6 @@
               </a:rPr>
               <a:t>还有这些烦人的</a:t>
             </a:r>
-            <a:endParaRPr lang="zh-CN" altLang="en-US" sz="2400">
-              <a:solidFill>
-                <a:schemeClr val="tx1"/>
-              </a:solidFill>
-              <a:effectLst>
-                <a:outerShdw blurRad="38100" dist="19050" dir="2700000" algn="tl" rotWithShape="0">
-                  <a:schemeClr val="dk1">
-                    <a:alpha val="40000"/>
-                  </a:schemeClr>
-                </a:outerShdw>
-              </a:effectLst>
-              <a:latin typeface="微软雅黑" panose="020B0503020204020204" charset="-122"/>
-              <a:ea typeface="微软雅黑" panose="020B0503020204020204" charset="-122"/>
-              <a:cs typeface="微软雅黑" panose="020B0503020204020204" charset="-122"/>
-            </a:endParaRPr>
           </a:p>
         </p:txBody>
       </p:sp>
@@ -11463,7 +16604,7 @@
           <p:nvPr/>
         </p:nvPicPr>
         <p:blipFill>
-          <a:blip r:embed="rId2"/>
+          <a:blip r:embed="rId4"/>
           <a:stretch>
             <a:fillRect/>
           </a:stretch>
@@ -11487,7 +16628,7 @@
           <p:nvPr/>
         </p:nvPicPr>
         <p:blipFill>
-          <a:blip r:embed="rId3"/>
+          <a:blip r:embed="rId5"/>
           <a:stretch>
             <a:fillRect/>
           </a:stretch>
@@ -11511,7 +16652,7 @@
           <p:nvPr/>
         </p:nvPicPr>
         <p:blipFill>
-          <a:blip r:embed="rId4"/>
+          <a:blip r:embed="rId6"/>
           <a:stretch>
             <a:fillRect/>
           </a:stretch>
@@ -11531,11 +16672,11 @@
   <p:clrMapOvr>
     <a:masterClrMapping/>
   </p:clrMapOvr>
-  <mc:AlternateContent xmlns:mc="http://schemas.openxmlformats.org/markup-compatibility/2006">
-    <mc:Choice xmlns:p14="http://schemas.microsoft.com/office/powerpoint/2010/main" Requires="p14">
+  <mc:AlternateContent xmlns:mc="http://schemas.openxmlformats.org/markup-compatibility/2006" xmlns:p14="http://schemas.microsoft.com/office/powerpoint/2010/main">
+    <mc:Choice Requires="p14">
       <p:transition p14:dur="0"/>
     </mc:Choice>
-    <mc:Fallback>
+    <mc:Fallback xmlns="">
       <p:transition/>
     </mc:Fallback>
   </mc:AlternateContent>
@@ -12155,7 +17296,7 @@
           <p:nvPr/>
         </p:nvPicPr>
         <p:blipFill>
-          <a:blip r:embed="rId1" cstate="print"/>
+          <a:blip r:embed="rId3" cstate="print"/>
           <a:srcRect/>
           <a:stretch>
             <a:fillRect/>
@@ -12242,6 +17383,7 @@
               <a:lightRig rig="threePt" dir="t"/>
             </a:scene3d>
           </a:bodyPr>
+          <a:lstStyle/>
           <a:p>
             <a:r>
               <a:rPr lang="zh-CN" altLang="en-US" sz="2400">
@@ -12279,21 +17421,6 @@
               </a:rPr>
               <a:t>...</a:t>
             </a:r>
-            <a:endParaRPr lang="en-US" altLang="zh-CN" sz="2400">
-              <a:solidFill>
-                <a:schemeClr val="tx1"/>
-              </a:solidFill>
-              <a:effectLst>
-                <a:outerShdw blurRad="38100" dist="19050" dir="2700000" algn="tl" rotWithShape="0">
-                  <a:schemeClr val="dk1">
-                    <a:alpha val="40000"/>
-                  </a:schemeClr>
-                </a:outerShdw>
-              </a:effectLst>
-              <a:latin typeface="微软雅黑" panose="020B0503020204020204" charset="-122"/>
-              <a:ea typeface="微软雅黑" panose="020B0503020204020204" charset="-122"/>
-              <a:cs typeface="微软雅黑" panose="020B0503020204020204" charset="-122"/>
-            </a:endParaRPr>
           </a:p>
         </p:txBody>
       </p:sp>
@@ -12306,7 +17433,7 @@
           <p:nvPr/>
         </p:nvPicPr>
         <p:blipFill>
-          <a:blip r:embed="rId2"/>
+          <a:blip r:embed="rId4"/>
           <a:stretch>
             <a:fillRect/>
           </a:stretch>
@@ -12326,11 +17453,11 @@
   <p:clrMapOvr>
     <a:masterClrMapping/>
   </p:clrMapOvr>
-  <mc:AlternateContent xmlns:mc="http://schemas.openxmlformats.org/markup-compatibility/2006">
-    <mc:Choice xmlns:p14="http://schemas.microsoft.com/office/powerpoint/2010/main" Requires="p14">
+  <mc:AlternateContent xmlns:mc="http://schemas.openxmlformats.org/markup-compatibility/2006" xmlns:p14="http://schemas.microsoft.com/office/powerpoint/2010/main">
+    <mc:Choice Requires="p14">
       <p:transition p14:dur="0"/>
     </mc:Choice>
-    <mc:Fallback>
+    <mc:Fallback xmlns="">
       <p:transition/>
     </mc:Fallback>
   </mc:AlternateContent>
@@ -12768,7 +17895,7 @@
           <p:nvPr/>
         </p:nvPicPr>
         <p:blipFill>
-          <a:blip r:embed="rId1" cstate="print"/>
+          <a:blip r:embed="rId3" cstate="print"/>
           <a:srcRect/>
           <a:stretch>
             <a:fillRect/>
@@ -12855,6 +17982,7 @@
               <a:lightRig rig="threePt" dir="t"/>
             </a:scene3d>
           </a:bodyPr>
+          <a:lstStyle/>
           <a:p>
             <a:r>
               <a:rPr lang="zh-CN" altLang="en-US" sz="2400">
@@ -12892,21 +18020,6 @@
               </a:rPr>
               <a:t>...</a:t>
             </a:r>
-            <a:endParaRPr lang="en-US" altLang="zh-CN" sz="2400">
-              <a:solidFill>
-                <a:schemeClr val="tx1"/>
-              </a:solidFill>
-              <a:effectLst>
-                <a:outerShdw blurRad="38100" dist="19050" dir="2700000" algn="tl" rotWithShape="0">
-                  <a:schemeClr val="dk1">
-                    <a:alpha val="40000"/>
-                  </a:schemeClr>
-                </a:outerShdw>
-              </a:effectLst>
-              <a:latin typeface="微软雅黑" panose="020B0503020204020204" charset="-122"/>
-              <a:ea typeface="微软雅黑" panose="020B0503020204020204" charset="-122"/>
-              <a:cs typeface="微软雅黑" panose="020B0503020204020204" charset="-122"/>
-            </a:endParaRPr>
           </a:p>
         </p:txBody>
       </p:sp>
@@ -12919,7 +18032,7 @@
           <p:nvPr/>
         </p:nvPicPr>
         <p:blipFill>
-          <a:blip r:embed="rId2"/>
+          <a:blip r:embed="rId4"/>
           <a:stretch>
             <a:fillRect/>
           </a:stretch>
@@ -12943,7 +18056,7 @@
           <p:nvPr/>
         </p:nvPicPr>
         <p:blipFill>
-          <a:blip r:embed="rId3"/>
+          <a:blip r:embed="rId5"/>
           <a:stretch>
             <a:fillRect/>
           </a:stretch>
@@ -12963,11 +18076,11 @@
   <p:clrMapOvr>
     <a:masterClrMapping/>
   </p:clrMapOvr>
-  <mc:AlternateContent xmlns:mc="http://schemas.openxmlformats.org/markup-compatibility/2006">
-    <mc:Choice xmlns:p14="http://schemas.microsoft.com/office/powerpoint/2010/main" Requires="p14">
+  <mc:AlternateContent xmlns:mc="http://schemas.openxmlformats.org/markup-compatibility/2006" xmlns:p14="http://schemas.microsoft.com/office/powerpoint/2010/main">
+    <mc:Choice Requires="p14">
       <p:transition p14:dur="0"/>
     </mc:Choice>
-    <mc:Fallback>
+    <mc:Fallback xmlns="">
       <p:transition/>
     </mc:Fallback>
   </mc:AlternateContent>
@@ -13496,7 +18609,7 @@
           <p:nvPr/>
         </p:nvPicPr>
         <p:blipFill>
-          <a:blip r:embed="rId1" cstate="print"/>
+          <a:blip r:embed="rId3" cstate="print"/>
           <a:srcRect/>
           <a:stretch>
             <a:fillRect/>
@@ -13583,6 +18696,7 @@
               <a:lightRig rig="threePt" dir="t"/>
             </a:scene3d>
           </a:bodyPr>
+          <a:lstStyle/>
           <a:p>
             <a:r>
               <a:rPr lang="zh-CN" altLang="en-US" sz="2400">
@@ -13602,21 +18716,6 @@
               </a:rPr>
               <a:t>挨个来看看</a:t>
             </a:r>
-            <a:endParaRPr lang="zh-CN" altLang="en-US" sz="2400">
-              <a:solidFill>
-                <a:schemeClr val="tx1"/>
-              </a:solidFill>
-              <a:effectLst>
-                <a:outerShdw blurRad="38100" dist="19050" dir="2700000" algn="tl" rotWithShape="0">
-                  <a:schemeClr val="dk1">
-                    <a:alpha val="40000"/>
-                  </a:schemeClr>
-                </a:outerShdw>
-              </a:effectLst>
-              <a:latin typeface="微软雅黑" panose="020B0503020204020204" charset="-122"/>
-              <a:ea typeface="微软雅黑" panose="020B0503020204020204" charset="-122"/>
-              <a:cs typeface="微软雅黑" panose="020B0503020204020204" charset="-122"/>
-            </a:endParaRPr>
           </a:p>
         </p:txBody>
       </p:sp>
@@ -13629,7 +18728,7 @@
         <p:spPr>
           <a:xfrm>
             <a:off x="1353185" y="1362075"/>
-            <a:ext cx="9030335" cy="368300"/>
+            <a:ext cx="9030335" cy="923330"/>
           </a:xfrm>
           <a:prstGeom prst="rect">
             <a:avLst/>
@@ -13640,49 +18739,190 @@
           <a:bodyPr wrap="square" rtlCol="0">
             <a:spAutoFit/>
           </a:bodyPr>
+          <a:lstStyle/>
           <a:p>
             <a:r>
-              <a:rPr lang="zh-CN" altLang="en-US"/>
-              <a:t>全局上下文中，</a:t>
-            </a:r>
-            <a:r>
-              <a:rPr lang="en-US" altLang="zh-CN"/>
+              <a:rPr lang="zh-CN" altLang="en-US" dirty="0"/>
+              <a:t>全局上下文</a:t>
+            </a:r>
+            <a:r>
+              <a:rPr lang="zh-CN" altLang="en-US" dirty="0" smtClean="0"/>
+              <a:t>中</a:t>
+            </a:r>
+            <a:r>
+              <a:rPr lang="en-US" altLang="zh-CN" dirty="0" smtClean="0"/>
               <a:t>this</a:t>
             </a:r>
             <a:r>
-              <a:rPr lang="zh-CN" altLang="en-US"/>
-              <a:t>永远都指向全局对象，浏览器中为</a:t>
-            </a:r>
-            <a:r>
-              <a:rPr lang="en-US" altLang="zh-CN"/>
+              <a:rPr lang="zh-CN" altLang="en-US" dirty="0" smtClean="0"/>
+              <a:t>指</a:t>
+            </a:r>
+            <a:r>
+              <a:rPr lang="zh-CN" altLang="en-US" dirty="0"/>
+              <a:t>向全局对象，浏览器中为</a:t>
+            </a:r>
+            <a:r>
+              <a:rPr lang="en-US" altLang="zh-CN" dirty="0" err="1"/>
               <a:t>window,Nodejs</a:t>
             </a:r>
             <a:r>
-              <a:rPr lang="zh-CN" altLang="en-US"/>
+              <a:rPr lang="zh-CN" altLang="en-US" dirty="0"/>
               <a:t>中</a:t>
             </a:r>
             <a:r>
-              <a:rPr lang="en-US" altLang="zh-CN"/>
+              <a:rPr lang="en-US" altLang="zh-CN" dirty="0"/>
               <a:t>...</a:t>
             </a:r>
             <a:r>
-              <a:rPr lang="zh-CN" altLang="en-US"/>
-              <a:t>分函数外函数内</a:t>
-            </a:r>
-            <a:endParaRPr lang="zh-CN" altLang="en-US"/>
+              <a:rPr lang="zh-CN" altLang="en-US" dirty="0"/>
+              <a:t>分函数外函数</a:t>
+            </a:r>
+            <a:r>
+              <a:rPr lang="zh-CN" altLang="en-US" dirty="0" smtClean="0"/>
+              <a:t>内。</a:t>
+            </a:r>
+            <a:endParaRPr lang="en-US" altLang="zh-CN" dirty="0" smtClean="0"/>
+          </a:p>
+          <a:p>
+            <a:r>
+              <a:rPr lang="zh-CN" altLang="en-US" dirty="0" smtClean="0"/>
+              <a:t>严格模式下，全局调用函数，</a:t>
+            </a:r>
+            <a:r>
+              <a:rPr lang="en-US" altLang="zh-CN" dirty="0" smtClean="0"/>
+              <a:t>this</a:t>
+            </a:r>
+            <a:r>
+              <a:rPr lang="zh-CN" altLang="en-US" dirty="0" smtClean="0"/>
+              <a:t>为调用时指定的对象，没有指定则为</a:t>
+            </a:r>
+            <a:r>
+              <a:rPr lang="en-US" altLang="zh-CN" dirty="0" smtClean="0"/>
+              <a:t>undefined</a:t>
+            </a:r>
+            <a:r>
+              <a:rPr lang="zh-CN" altLang="en-US" dirty="0" smtClean="0"/>
+              <a:t>。</a:t>
+            </a:r>
+            <a:endParaRPr lang="en-US" altLang="zh-CN" dirty="0" smtClean="0"/>
+          </a:p>
+          <a:p>
+            <a:r>
+              <a:rPr lang="zh-CN" altLang="en-US" dirty="0" smtClean="0"/>
+              <a:t>非严格模式下，</a:t>
+            </a:r>
+            <a:r>
+              <a:rPr lang="en-US" altLang="zh-CN" dirty="0" smtClean="0"/>
+              <a:t>this</a:t>
+            </a:r>
+            <a:r>
+              <a:rPr lang="zh-CN" altLang="en-US" dirty="0" smtClean="0"/>
+              <a:t>指向全局对象。</a:t>
+            </a:r>
+            <a:endParaRPr lang="en-US" altLang="zh-CN" dirty="0" smtClean="0"/>
           </a:p>
         </p:txBody>
       </p:sp>
+      <p:pic>
+        <p:nvPicPr>
+          <p:cNvPr id="4" name="Picture 3"/>
+          <p:cNvPicPr>
+            <a:picLocks noChangeAspect="1"/>
+          </p:cNvPicPr>
+          <p:nvPr/>
+        </p:nvPicPr>
+        <p:blipFill>
+          <a:blip r:embed="rId4">
+            <a:extLst>
+              <a:ext uri="{28A0092B-C50C-407E-A947-70E740481C1C}">
+                <a14:useLocalDpi xmlns:a14="http://schemas.microsoft.com/office/drawing/2010/main" val="0"/>
+              </a:ext>
+            </a:extLst>
+          </a:blip>
+          <a:stretch>
+            <a:fillRect/>
+          </a:stretch>
+        </p:blipFill>
+        <p:spPr>
+          <a:xfrm>
+            <a:off x="1353185" y="2203879"/>
+            <a:ext cx="5306165" cy="666843"/>
+          </a:xfrm>
+          <a:prstGeom prst="rect">
+            <a:avLst/>
+          </a:prstGeom>
+        </p:spPr>
+      </p:pic>
+      <p:pic>
+        <p:nvPicPr>
+          <p:cNvPr id="6" name="Picture 5"/>
+          <p:cNvPicPr>
+            <a:picLocks noChangeAspect="1"/>
+          </p:cNvPicPr>
+          <p:nvPr/>
+        </p:nvPicPr>
+        <p:blipFill>
+          <a:blip r:embed="rId5">
+            <a:extLst>
+              <a:ext uri="{28A0092B-C50C-407E-A947-70E740481C1C}">
+                <a14:useLocalDpi xmlns:a14="http://schemas.microsoft.com/office/drawing/2010/main" val="0"/>
+              </a:ext>
+            </a:extLst>
+          </a:blip>
+          <a:stretch>
+            <a:fillRect/>
+          </a:stretch>
+        </p:blipFill>
+        <p:spPr>
+          <a:xfrm>
+            <a:off x="1353184" y="2870722"/>
+            <a:ext cx="6535062" cy="2562583"/>
+          </a:xfrm>
+          <a:prstGeom prst="rect">
+            <a:avLst/>
+          </a:prstGeom>
+        </p:spPr>
+      </p:pic>
+      <p:pic>
+        <p:nvPicPr>
+          <p:cNvPr id="7" name="Picture 6"/>
+          <p:cNvPicPr>
+            <a:picLocks noChangeAspect="1"/>
+          </p:cNvPicPr>
+          <p:nvPr/>
+        </p:nvPicPr>
+        <p:blipFill>
+          <a:blip r:embed="rId6">
+            <a:extLst>
+              <a:ext uri="{28A0092B-C50C-407E-A947-70E740481C1C}">
+                <a14:useLocalDpi xmlns:a14="http://schemas.microsoft.com/office/drawing/2010/main" val="0"/>
+              </a:ext>
+            </a:extLst>
+          </a:blip>
+          <a:stretch>
+            <a:fillRect/>
+          </a:stretch>
+        </p:blipFill>
+        <p:spPr>
+          <a:xfrm>
+            <a:off x="1353185" y="4526485"/>
+            <a:ext cx="8497486" cy="1505160"/>
+          </a:xfrm>
+          <a:prstGeom prst="rect">
+            <a:avLst/>
+          </a:prstGeom>
+        </p:spPr>
+      </p:pic>
     </p:spTree>
   </p:cSld>
   <p:clrMapOvr>
     <a:masterClrMapping/>
   </p:clrMapOvr>
-  <mc:AlternateContent xmlns:mc="http://schemas.openxmlformats.org/markup-compatibility/2006">
-    <mc:Choice xmlns:p14="http://schemas.microsoft.com/office/powerpoint/2010/main" Requires="p14">
+  <mc:AlternateContent xmlns:mc="http://schemas.openxmlformats.org/markup-compatibility/2006" xmlns:p14="http://schemas.microsoft.com/office/powerpoint/2010/main">
+    <mc:Choice Requires="p14">
       <p:transition p14:dur="0"/>
     </mc:Choice>
-    <mc:Fallback>
+    <mc:Fallback xmlns="">
       <p:transition/>
     </mc:Fallback>
   </mc:AlternateContent>
@@ -14029,6 +19269,279 @@
                                         <p:cTn id="26" dur="500" fill="hold"/>
                                         <p:tgtEl>
                                           <p:spTgt spid="3"/>
+                                        </p:tgtEl>
+                                        <p:attrNameLst>
+                                          <p:attrName>ppt_y</p:attrName>
+                                        </p:attrNameLst>
+                                      </p:cBhvr>
+                                      <p:tavLst>
+                                        <p:tav tm="0">
+                                          <p:val>
+                                            <p:strVal val="1+#ppt_h/2"/>
+                                          </p:val>
+                                        </p:tav>
+                                        <p:tav tm="100000">
+                                          <p:val>
+                                            <p:strVal val="#ppt_y"/>
+                                          </p:val>
+                                        </p:tav>
+                                      </p:tavLst>
+                                    </p:anim>
+                                  </p:childTnLst>
+                                </p:cTn>
+                              </p:par>
+                            </p:childTnLst>
+                          </p:cTn>
+                        </p:par>
+                      </p:childTnLst>
+                    </p:cTn>
+                  </p:par>
+                  <p:par>
+                    <p:cTn id="27" fill="hold">
+                      <p:stCondLst>
+                        <p:cond delay="indefinite"/>
+                      </p:stCondLst>
+                      <p:childTnLst>
+                        <p:par>
+                          <p:cTn id="28" fill="hold">
+                            <p:stCondLst>
+                              <p:cond delay="0"/>
+                            </p:stCondLst>
+                            <p:childTnLst>
+                              <p:par>
+                                <p:cTn id="29" presetID="2" presetClass="entr" presetSubtype="4" fill="hold" nodeType="clickEffect">
+                                  <p:stCondLst>
+                                    <p:cond delay="0"/>
+                                  </p:stCondLst>
+                                  <p:childTnLst>
+                                    <p:set>
+                                      <p:cBhvr>
+                                        <p:cTn id="30" dur="1" fill="hold">
+                                          <p:stCondLst>
+                                            <p:cond delay="0"/>
+                                          </p:stCondLst>
+                                        </p:cTn>
+                                        <p:tgtEl>
+                                          <p:spTgt spid="4"/>
+                                        </p:tgtEl>
+                                        <p:attrNameLst>
+                                          <p:attrName>style.visibility</p:attrName>
+                                        </p:attrNameLst>
+                                      </p:cBhvr>
+                                      <p:to>
+                                        <p:strVal val="visible"/>
+                                      </p:to>
+                                    </p:set>
+                                    <p:anim calcmode="lin" valueType="num">
+                                      <p:cBhvr additive="base">
+                                        <p:cTn id="31" dur="500" fill="hold"/>
+                                        <p:tgtEl>
+                                          <p:spTgt spid="4"/>
+                                        </p:tgtEl>
+                                        <p:attrNameLst>
+                                          <p:attrName>ppt_x</p:attrName>
+                                        </p:attrNameLst>
+                                      </p:cBhvr>
+                                      <p:tavLst>
+                                        <p:tav tm="0">
+                                          <p:val>
+                                            <p:strVal val="#ppt_x"/>
+                                          </p:val>
+                                        </p:tav>
+                                        <p:tav tm="100000">
+                                          <p:val>
+                                            <p:strVal val="#ppt_x"/>
+                                          </p:val>
+                                        </p:tav>
+                                      </p:tavLst>
+                                    </p:anim>
+                                    <p:anim calcmode="lin" valueType="num">
+                                      <p:cBhvr additive="base">
+                                        <p:cTn id="32" dur="500" fill="hold"/>
+                                        <p:tgtEl>
+                                          <p:spTgt spid="4"/>
+                                        </p:tgtEl>
+                                        <p:attrNameLst>
+                                          <p:attrName>ppt_y</p:attrName>
+                                        </p:attrNameLst>
+                                      </p:cBhvr>
+                                      <p:tavLst>
+                                        <p:tav tm="0">
+                                          <p:val>
+                                            <p:strVal val="1+#ppt_h/2"/>
+                                          </p:val>
+                                        </p:tav>
+                                        <p:tav tm="100000">
+                                          <p:val>
+                                            <p:strVal val="#ppt_y"/>
+                                          </p:val>
+                                        </p:tav>
+                                      </p:tavLst>
+                                    </p:anim>
+                                  </p:childTnLst>
+                                </p:cTn>
+                              </p:par>
+                            </p:childTnLst>
+                          </p:cTn>
+                        </p:par>
+                      </p:childTnLst>
+                    </p:cTn>
+                  </p:par>
+                  <p:par>
+                    <p:cTn id="33" fill="hold">
+                      <p:stCondLst>
+                        <p:cond delay="indefinite"/>
+                      </p:stCondLst>
+                      <p:childTnLst>
+                        <p:par>
+                          <p:cTn id="34" fill="hold">
+                            <p:stCondLst>
+                              <p:cond delay="0"/>
+                            </p:stCondLst>
+                            <p:childTnLst>
+                              <p:par>
+                                <p:cTn id="35" presetID="2" presetClass="entr" presetSubtype="4" fill="hold" nodeType="clickEffect">
+                                  <p:stCondLst>
+                                    <p:cond delay="0"/>
+                                  </p:stCondLst>
+                                  <p:childTnLst>
+                                    <p:set>
+                                      <p:cBhvr>
+                                        <p:cTn id="36" dur="1" fill="hold">
+                                          <p:stCondLst>
+                                            <p:cond delay="0"/>
+                                          </p:stCondLst>
+                                        </p:cTn>
+                                        <p:tgtEl>
+                                          <p:spTgt spid="6"/>
+                                        </p:tgtEl>
+                                        <p:attrNameLst>
+                                          <p:attrName>style.visibility</p:attrName>
+                                        </p:attrNameLst>
+                                      </p:cBhvr>
+                                      <p:to>
+                                        <p:strVal val="visible"/>
+                                      </p:to>
+                                    </p:set>
+                                    <p:anim calcmode="lin" valueType="num">
+                                      <p:cBhvr additive="base">
+                                        <p:cTn id="37" dur="500" fill="hold"/>
+                                        <p:tgtEl>
+                                          <p:spTgt spid="6"/>
+                                        </p:tgtEl>
+                                        <p:attrNameLst>
+                                          <p:attrName>ppt_x</p:attrName>
+                                        </p:attrNameLst>
+                                      </p:cBhvr>
+                                      <p:tavLst>
+                                        <p:tav tm="0">
+                                          <p:val>
+                                            <p:strVal val="#ppt_x"/>
+                                          </p:val>
+                                        </p:tav>
+                                        <p:tav tm="100000">
+                                          <p:val>
+                                            <p:strVal val="#ppt_x"/>
+                                          </p:val>
+                                        </p:tav>
+                                      </p:tavLst>
+                                    </p:anim>
+                                    <p:anim calcmode="lin" valueType="num">
+                                      <p:cBhvr additive="base">
+                                        <p:cTn id="38" dur="500" fill="hold"/>
+                                        <p:tgtEl>
+                                          <p:spTgt spid="6"/>
+                                        </p:tgtEl>
+                                        <p:attrNameLst>
+                                          <p:attrName>ppt_y</p:attrName>
+                                        </p:attrNameLst>
+                                      </p:cBhvr>
+                                      <p:tavLst>
+                                        <p:tav tm="0">
+                                          <p:val>
+                                            <p:strVal val="1+#ppt_h/2"/>
+                                          </p:val>
+                                        </p:tav>
+                                        <p:tav tm="100000">
+                                          <p:val>
+                                            <p:strVal val="#ppt_y"/>
+                                          </p:val>
+                                        </p:tav>
+                                      </p:tavLst>
+                                    </p:anim>
+                                  </p:childTnLst>
+                                </p:cTn>
+                              </p:par>
+                            </p:childTnLst>
+                          </p:cTn>
+                        </p:par>
+                      </p:childTnLst>
+                    </p:cTn>
+                  </p:par>
+                  <p:par>
+                    <p:cTn id="39" fill="hold">
+                      <p:stCondLst>
+                        <p:cond delay="indefinite"/>
+                      </p:stCondLst>
+                      <p:childTnLst>
+                        <p:par>
+                          <p:cTn id="40" fill="hold">
+                            <p:stCondLst>
+                              <p:cond delay="0"/>
+                            </p:stCondLst>
+                            <p:childTnLst>
+                              <p:par>
+                                <p:cTn id="41" presetID="2" presetClass="entr" presetSubtype="4" fill="hold" nodeType="clickEffect">
+                                  <p:stCondLst>
+                                    <p:cond delay="0"/>
+                                  </p:stCondLst>
+                                  <p:childTnLst>
+                                    <p:set>
+                                      <p:cBhvr>
+                                        <p:cTn id="42" dur="1" fill="hold">
+                                          <p:stCondLst>
+                                            <p:cond delay="0"/>
+                                          </p:stCondLst>
+                                        </p:cTn>
+                                        <p:tgtEl>
+                                          <p:spTgt spid="7"/>
+                                        </p:tgtEl>
+                                        <p:attrNameLst>
+                                          <p:attrName>style.visibility</p:attrName>
+                                        </p:attrNameLst>
+                                      </p:cBhvr>
+                                      <p:to>
+                                        <p:strVal val="visible"/>
+                                      </p:to>
+                                    </p:set>
+                                    <p:anim calcmode="lin" valueType="num">
+                                      <p:cBhvr additive="base">
+                                        <p:cTn id="43" dur="500" fill="hold"/>
+                                        <p:tgtEl>
+                                          <p:spTgt spid="7"/>
+                                        </p:tgtEl>
+                                        <p:attrNameLst>
+                                          <p:attrName>ppt_x</p:attrName>
+                                        </p:attrNameLst>
+                                      </p:cBhvr>
+                                      <p:tavLst>
+                                        <p:tav tm="0">
+                                          <p:val>
+                                            <p:strVal val="#ppt_x"/>
+                                          </p:val>
+                                        </p:tav>
+                                        <p:tav tm="100000">
+                                          <p:val>
+                                            <p:strVal val="#ppt_x"/>
+                                          </p:val>
+                                        </p:tav>
+                                      </p:tavLst>
+                                    </p:anim>
+                                    <p:anim calcmode="lin" valueType="num">
+                                      <p:cBhvr additive="base">
+                                        <p:cTn id="44" dur="500" fill="hold"/>
+                                        <p:tgtEl>
+                                          <p:spTgt spid="7"/>
                                         </p:tgtEl>
                                         <p:attrNameLst>
                                           <p:attrName>ppt_y</p:attrName>
@@ -14112,7 +19625,7 @@
           <p:nvPr/>
         </p:nvPicPr>
         <p:blipFill>
-          <a:blip r:embed="rId1" cstate="print"/>
+          <a:blip r:embed="rId3" cstate="print"/>
           <a:srcRect/>
           <a:stretch>
             <a:fillRect/>
@@ -14199,6 +19712,7 @@
               <a:lightRig rig="threePt" dir="t"/>
             </a:scene3d>
           </a:bodyPr>
+          <a:lstStyle/>
           <a:p>
             <a:r>
               <a:rPr lang="zh-CN" altLang="en-US" sz="2400">
@@ -14216,23 +19730,8 @@
                 <a:ea typeface="微软雅黑" panose="020B0503020204020204" charset="-122"/>
                 <a:cs typeface="微软雅黑" panose="020B0503020204020204" charset="-122"/>
               </a:rPr>
-              <a:t>总结</a:t>
-            </a:r>
-            <a:endParaRPr lang="zh-CN" altLang="en-US" sz="2400">
-              <a:solidFill>
-                <a:schemeClr val="tx1"/>
-              </a:solidFill>
-              <a:effectLst>
-                <a:outerShdw blurRad="38100" dist="19050" dir="2700000" algn="tl" rotWithShape="0">
-                  <a:schemeClr val="dk1">
-                    <a:alpha val="40000"/>
-                  </a:schemeClr>
-                </a:outerShdw>
-              </a:effectLst>
-              <a:latin typeface="微软雅黑" panose="020B0503020204020204" charset="-122"/>
-              <a:ea typeface="微软雅黑" panose="020B0503020204020204" charset="-122"/>
-              <a:cs typeface="微软雅黑" panose="020B0503020204020204" charset="-122"/>
-            </a:endParaRPr>
+              <a:t>挨个来看看</a:t>
+            </a:r>
           </a:p>
         </p:txBody>
       </p:sp>
@@ -14244,8 +19743,8 @@
         </p:nvSpPr>
         <p:spPr>
           <a:xfrm>
-            <a:off x="1285240" y="1352550"/>
-            <a:ext cx="8991600" cy="1476375"/>
+            <a:off x="1353185" y="1362075"/>
+            <a:ext cx="9030335" cy="646331"/>
           </a:xfrm>
           <a:prstGeom prst="rect">
             <a:avLst/>
@@ -14256,118 +19755,137 @@
           <a:bodyPr wrap="square" rtlCol="0">
             <a:spAutoFit/>
           </a:bodyPr>
+          <a:lstStyle/>
           <a:p>
-            <a:pPr marL="285750" indent="-285750">
-              <a:buFont typeface="Arial" panose="020B0604020202020204" pitchFamily="34" charset="0"/>
-              <a:buChar char="•"/>
-            </a:pPr>
-            <a:r>
-              <a:rPr lang="zh-CN" altLang="en-US"/>
-              <a:t>在严格模式下</a:t>
-            </a:r>
-            <a:r>
-              <a:rPr lang="en-US" altLang="zh-CN"/>
-              <a:t>,this</a:t>
-            </a:r>
-            <a:r>
-              <a:rPr lang="zh-CN" altLang="en-US"/>
-              <a:t>的值为进入时上下文的值，如果没有设置则为</a:t>
-            </a:r>
-            <a:r>
-              <a:rPr lang="en-US" altLang="zh-CN"/>
-              <a:t>undefined.</a:t>
-            </a:r>
-            <a:endParaRPr lang="en-US" altLang="zh-CN"/>
-          </a:p>
-          <a:p>
-            <a:pPr marL="285750" indent="-285750">
-              <a:buFont typeface="Arial" panose="020B0604020202020204" pitchFamily="34" charset="0"/>
-              <a:buChar char="•"/>
-            </a:pPr>
-            <a:r>
-              <a:rPr lang="zh-CN" altLang="en-US"/>
-              <a:t>非严格模式下，</a:t>
-            </a:r>
-            <a:r>
-              <a:rPr lang="en-US" altLang="zh-CN"/>
+            <a:r>
+              <a:rPr lang="zh-CN" altLang="en-US" dirty="0" smtClean="0"/>
+              <a:t>无论严格模式与否，函数作为构造函数时，</a:t>
+            </a:r>
+            <a:r>
+              <a:rPr lang="en-US" altLang="zh-CN" dirty="0" smtClean="0"/>
               <a:t>this</a:t>
             </a:r>
             <a:r>
-              <a:rPr lang="zh-CN" altLang="en-US"/>
-              <a:t>的值则由调用方式决定。直接调用、构造函数、对象方法、原型链</a:t>
-            </a:r>
-            <a:r>
-              <a:rPr lang="en-US" altLang="zh-CN"/>
-              <a:t>...</a:t>
-            </a:r>
-            <a:endParaRPr lang="en-US" altLang="zh-CN"/>
-          </a:p>
-          <a:p>
-            <a:pPr marL="285750" indent="-285750">
-              <a:buFont typeface="Arial" panose="020B0604020202020204" pitchFamily="34" charset="0"/>
-              <a:buChar char="•"/>
-            </a:pPr>
-            <a:r>
-              <a:rPr lang="zh-CN" altLang="en-US"/>
-              <a:t>传递</a:t>
-            </a:r>
-            <a:r>
-              <a:rPr lang="en-US" altLang="zh-CN"/>
+              <a:rPr lang="zh-CN" altLang="en-US" dirty="0" smtClean="0"/>
+              <a:t>所指的就是对象本身。原型链上的方法的</a:t>
+            </a:r>
+            <a:r>
+              <a:rPr lang="en-US" altLang="zh-CN" dirty="0" smtClean="0"/>
               <a:t>this</a:t>
             </a:r>
             <a:r>
-              <a:rPr lang="zh-CN" altLang="en-US"/>
-              <a:t>的值可以通过</a:t>
-            </a:r>
-            <a:r>
-              <a:rPr lang="en-US" altLang="zh-CN"/>
-              <a:t>call,apply,</a:t>
-            </a:r>
-            <a:r>
-              <a:rPr lang="zh-CN" altLang="en-US"/>
-              <a:t>也可以通过</a:t>
-            </a:r>
-            <a:r>
-              <a:rPr lang="en-US" altLang="zh-CN"/>
-              <a:t>bind</a:t>
-            </a:r>
-            <a:r>
-              <a:rPr lang="zh-CN" altLang="en-US"/>
-              <a:t>绑定。</a:t>
-            </a:r>
-            <a:endParaRPr lang="zh-CN" altLang="en-US"/>
-          </a:p>
-          <a:p>
-            <a:pPr marL="285750" indent="-285750">
-              <a:buFont typeface="Arial" panose="020B0604020202020204" pitchFamily="34" charset="0"/>
-              <a:buChar char="•"/>
-            </a:pPr>
-            <a:r>
-              <a:rPr lang="zh-CN" altLang="en-US"/>
-              <a:t>箭头函数的</a:t>
-            </a:r>
-            <a:r>
-              <a:rPr lang="en-US" altLang="zh-CN"/>
-              <a:t>this</a:t>
-            </a:r>
-            <a:r>
-              <a:rPr lang="zh-CN" altLang="en-US"/>
-              <a:t>是由创建它的上下文决定。</a:t>
-            </a:r>
-            <a:endParaRPr lang="zh-CN" altLang="en-US"/>
+              <a:rPr lang="zh-CN" altLang="en-US" dirty="0" smtClean="0"/>
+              <a:t>指向调用这个方法的对象。</a:t>
+            </a:r>
+            <a:endParaRPr lang="en-US" altLang="zh-CN" dirty="0" smtClean="0"/>
           </a:p>
         </p:txBody>
       </p:sp>
+      <p:pic>
+        <p:nvPicPr>
+          <p:cNvPr id="7" name="Picture 6"/>
+          <p:cNvPicPr>
+            <a:picLocks noChangeAspect="1"/>
+          </p:cNvPicPr>
+          <p:nvPr/>
+        </p:nvPicPr>
+        <p:blipFill>
+          <a:blip r:embed="rId4">
+            <a:extLst>
+              <a:ext uri="{28A0092B-C50C-407E-A947-70E740481C1C}">
+                <a14:useLocalDpi xmlns:a14="http://schemas.microsoft.com/office/drawing/2010/main" val="0"/>
+              </a:ext>
+            </a:extLst>
+          </a:blip>
+          <a:stretch>
+            <a:fillRect/>
+          </a:stretch>
+        </p:blipFill>
+        <p:spPr>
+          <a:xfrm>
+            <a:off x="1353185" y="2377602"/>
+            <a:ext cx="4620270" cy="1486107"/>
+          </a:xfrm>
+          <a:prstGeom prst="rect">
+            <a:avLst/>
+          </a:prstGeom>
+        </p:spPr>
+      </p:pic>
+      <p:pic>
+        <p:nvPicPr>
+          <p:cNvPr id="8" name="Picture 7"/>
+          <p:cNvPicPr>
+            <a:picLocks noChangeAspect="1"/>
+          </p:cNvPicPr>
+          <p:nvPr/>
+        </p:nvPicPr>
+        <p:blipFill>
+          <a:blip r:embed="rId5">
+            <a:extLst>
+              <a:ext uri="{28A0092B-C50C-407E-A947-70E740481C1C}">
+                <a14:useLocalDpi xmlns:a14="http://schemas.microsoft.com/office/drawing/2010/main" val="0"/>
+              </a:ext>
+            </a:extLst>
+          </a:blip>
+          <a:stretch>
+            <a:fillRect/>
+          </a:stretch>
+        </p:blipFill>
+        <p:spPr>
+          <a:xfrm>
+            <a:off x="1353185" y="3863709"/>
+            <a:ext cx="6220693" cy="2400635"/>
+          </a:xfrm>
+          <a:prstGeom prst="rect">
+            <a:avLst/>
+          </a:prstGeom>
+        </p:spPr>
+      </p:pic>
+      <p:pic>
+        <p:nvPicPr>
+          <p:cNvPr id="10" name="Picture 9"/>
+          <p:cNvPicPr>
+            <a:picLocks noChangeAspect="1"/>
+          </p:cNvPicPr>
+          <p:nvPr/>
+        </p:nvPicPr>
+        <p:blipFill>
+          <a:blip r:embed="rId6">
+            <a:extLst>
+              <a:ext uri="{28A0092B-C50C-407E-A947-70E740481C1C}">
+                <a14:useLocalDpi xmlns:a14="http://schemas.microsoft.com/office/drawing/2010/main" val="0"/>
+              </a:ext>
+            </a:extLst>
+          </a:blip>
+          <a:stretch>
+            <a:fillRect/>
+          </a:stretch>
+        </p:blipFill>
+        <p:spPr>
+          <a:xfrm>
+            <a:off x="6651554" y="2311983"/>
+            <a:ext cx="4715533" cy="2238687"/>
+          </a:xfrm>
+          <a:prstGeom prst="rect">
+            <a:avLst/>
+          </a:prstGeom>
+        </p:spPr>
+      </p:pic>
     </p:spTree>
+    <p:extLst>
+      <p:ext uri="{BB962C8B-B14F-4D97-AF65-F5344CB8AC3E}">
+        <p14:creationId xmlns:p14="http://schemas.microsoft.com/office/powerpoint/2010/main" val="764925903"/>
+      </p:ext>
+    </p:extLst>
   </p:cSld>
   <p:clrMapOvr>
     <a:masterClrMapping/>
   </p:clrMapOvr>
-  <mc:AlternateContent xmlns:mc="http://schemas.openxmlformats.org/markup-compatibility/2006">
-    <mc:Choice xmlns:p14="http://schemas.microsoft.com/office/powerpoint/2010/main" Requires="p14">
+  <mc:AlternateContent xmlns:mc="http://schemas.openxmlformats.org/markup-compatibility/2006" xmlns:p14="http://schemas.microsoft.com/office/powerpoint/2010/main">
+    <mc:Choice Requires="p14">
       <p:transition p14:dur="0"/>
     </mc:Choice>
-    <mc:Fallback>
+    <mc:Fallback xmlns="">
       <p:transition/>
     </mc:Fallback>
   </mc:AlternateContent>
@@ -14632,6 +20150,361 @@
                                         <p:cTn id="21" dur="500" fill="hold"/>
                                         <p:tgtEl>
                                           <p:spTgt spid="2"/>
+                                        </p:tgtEl>
+                                        <p:attrNameLst>
+                                          <p:attrName>ppt_y</p:attrName>
+                                        </p:attrNameLst>
+                                      </p:cBhvr>
+                                      <p:tavLst>
+                                        <p:tav tm="0">
+                                          <p:val>
+                                            <p:strVal val="1+#ppt_h/2"/>
+                                          </p:val>
+                                        </p:tav>
+                                        <p:tav tm="100000">
+                                          <p:val>
+                                            <p:strVal val="#ppt_y"/>
+                                          </p:val>
+                                        </p:tav>
+                                      </p:tavLst>
+                                    </p:anim>
+                                  </p:childTnLst>
+                                </p:cTn>
+                              </p:par>
+                            </p:childTnLst>
+                          </p:cTn>
+                        </p:par>
+                        <p:par>
+                          <p:cTn id="22" fill="hold">
+                            <p:stCondLst>
+                              <p:cond delay="1500"/>
+                            </p:stCondLst>
+                            <p:childTnLst>
+                              <p:par>
+                                <p:cTn id="23" presetID="2" presetClass="entr" presetSubtype="4" fill="hold" grpId="0" nodeType="afterEffect">
+                                  <p:stCondLst>
+                                    <p:cond delay="0"/>
+                                  </p:stCondLst>
+                                  <p:childTnLst>
+                                    <p:set>
+                                      <p:cBhvr>
+                                        <p:cTn id="24" dur="1" fill="hold">
+                                          <p:stCondLst>
+                                            <p:cond delay="0"/>
+                                          </p:stCondLst>
+                                        </p:cTn>
+                                        <p:tgtEl>
+                                          <p:spTgt spid="3"/>
+                                        </p:tgtEl>
+                                        <p:attrNameLst>
+                                          <p:attrName>style.visibility</p:attrName>
+                                        </p:attrNameLst>
+                                      </p:cBhvr>
+                                      <p:to>
+                                        <p:strVal val="visible"/>
+                                      </p:to>
+                                    </p:set>
+                                    <p:anim calcmode="lin" valueType="num">
+                                      <p:cBhvr additive="base">
+                                        <p:cTn id="25" dur="500" fill="hold"/>
+                                        <p:tgtEl>
+                                          <p:spTgt spid="3"/>
+                                        </p:tgtEl>
+                                        <p:attrNameLst>
+                                          <p:attrName>ppt_x</p:attrName>
+                                        </p:attrNameLst>
+                                      </p:cBhvr>
+                                      <p:tavLst>
+                                        <p:tav tm="0">
+                                          <p:val>
+                                            <p:strVal val="#ppt_x"/>
+                                          </p:val>
+                                        </p:tav>
+                                        <p:tav tm="100000">
+                                          <p:val>
+                                            <p:strVal val="#ppt_x"/>
+                                          </p:val>
+                                        </p:tav>
+                                      </p:tavLst>
+                                    </p:anim>
+                                    <p:anim calcmode="lin" valueType="num">
+                                      <p:cBhvr additive="base">
+                                        <p:cTn id="26" dur="500" fill="hold"/>
+                                        <p:tgtEl>
+                                          <p:spTgt spid="3"/>
+                                        </p:tgtEl>
+                                        <p:attrNameLst>
+                                          <p:attrName>ppt_y</p:attrName>
+                                        </p:attrNameLst>
+                                      </p:cBhvr>
+                                      <p:tavLst>
+                                        <p:tav tm="0">
+                                          <p:val>
+                                            <p:strVal val="1+#ppt_h/2"/>
+                                          </p:val>
+                                        </p:tav>
+                                        <p:tav tm="100000">
+                                          <p:val>
+                                            <p:strVal val="#ppt_y"/>
+                                          </p:val>
+                                        </p:tav>
+                                      </p:tavLst>
+                                    </p:anim>
+                                  </p:childTnLst>
+                                </p:cTn>
+                              </p:par>
+                            </p:childTnLst>
+                          </p:cTn>
+                        </p:par>
+                      </p:childTnLst>
+                    </p:cTn>
+                  </p:par>
+                  <p:par>
+                    <p:cTn id="27" fill="hold">
+                      <p:stCondLst>
+                        <p:cond delay="indefinite"/>
+                      </p:stCondLst>
+                      <p:childTnLst>
+                        <p:par>
+                          <p:cTn id="28" fill="hold">
+                            <p:stCondLst>
+                              <p:cond delay="0"/>
+                            </p:stCondLst>
+                            <p:childTnLst>
+                              <p:par>
+                                <p:cTn id="29" presetID="2" presetClass="entr" presetSubtype="4" fill="hold" nodeType="clickEffect">
+                                  <p:stCondLst>
+                                    <p:cond delay="0"/>
+                                  </p:stCondLst>
+                                  <p:childTnLst>
+                                    <p:set>
+                                      <p:cBhvr>
+                                        <p:cTn id="30" dur="1" fill="hold">
+                                          <p:stCondLst>
+                                            <p:cond delay="0"/>
+                                          </p:stCondLst>
+                                        </p:cTn>
+                                        <p:tgtEl>
+                                          <p:spTgt spid="7"/>
+                                        </p:tgtEl>
+                                        <p:attrNameLst>
+                                          <p:attrName>style.visibility</p:attrName>
+                                        </p:attrNameLst>
+                                      </p:cBhvr>
+                                      <p:to>
+                                        <p:strVal val="visible"/>
+                                      </p:to>
+                                    </p:set>
+                                    <p:anim calcmode="lin" valueType="num">
+                                      <p:cBhvr additive="base">
+                                        <p:cTn id="31" dur="500" fill="hold"/>
+                                        <p:tgtEl>
+                                          <p:spTgt spid="7"/>
+                                        </p:tgtEl>
+                                        <p:attrNameLst>
+                                          <p:attrName>ppt_x</p:attrName>
+                                        </p:attrNameLst>
+                                      </p:cBhvr>
+                                      <p:tavLst>
+                                        <p:tav tm="0">
+                                          <p:val>
+                                            <p:strVal val="#ppt_x"/>
+                                          </p:val>
+                                        </p:tav>
+                                        <p:tav tm="100000">
+                                          <p:val>
+                                            <p:strVal val="#ppt_x"/>
+                                          </p:val>
+                                        </p:tav>
+                                      </p:tavLst>
+                                    </p:anim>
+                                    <p:anim calcmode="lin" valueType="num">
+                                      <p:cBhvr additive="base">
+                                        <p:cTn id="32" dur="500" fill="hold"/>
+                                        <p:tgtEl>
+                                          <p:spTgt spid="7"/>
+                                        </p:tgtEl>
+                                        <p:attrNameLst>
+                                          <p:attrName>ppt_y</p:attrName>
+                                        </p:attrNameLst>
+                                      </p:cBhvr>
+                                      <p:tavLst>
+                                        <p:tav tm="0">
+                                          <p:val>
+                                            <p:strVal val="1+#ppt_h/2"/>
+                                          </p:val>
+                                        </p:tav>
+                                        <p:tav tm="100000">
+                                          <p:val>
+                                            <p:strVal val="#ppt_y"/>
+                                          </p:val>
+                                        </p:tav>
+                                      </p:tavLst>
+                                    </p:anim>
+                                  </p:childTnLst>
+                                </p:cTn>
+                              </p:par>
+                            </p:childTnLst>
+                          </p:cTn>
+                        </p:par>
+                      </p:childTnLst>
+                    </p:cTn>
+                  </p:par>
+                  <p:par>
+                    <p:cTn id="33" fill="hold">
+                      <p:stCondLst>
+                        <p:cond delay="indefinite"/>
+                      </p:stCondLst>
+                      <p:childTnLst>
+                        <p:par>
+                          <p:cTn id="34" fill="hold">
+                            <p:stCondLst>
+                              <p:cond delay="0"/>
+                            </p:stCondLst>
+                            <p:childTnLst>
+                              <p:par>
+                                <p:cTn id="35" presetID="2" presetClass="entr" presetSubtype="4" fill="hold" nodeType="clickEffect">
+                                  <p:stCondLst>
+                                    <p:cond delay="0"/>
+                                  </p:stCondLst>
+                                  <p:childTnLst>
+                                    <p:set>
+                                      <p:cBhvr>
+                                        <p:cTn id="36" dur="1" fill="hold">
+                                          <p:stCondLst>
+                                            <p:cond delay="0"/>
+                                          </p:stCondLst>
+                                        </p:cTn>
+                                        <p:tgtEl>
+                                          <p:spTgt spid="8"/>
+                                        </p:tgtEl>
+                                        <p:attrNameLst>
+                                          <p:attrName>style.visibility</p:attrName>
+                                        </p:attrNameLst>
+                                      </p:cBhvr>
+                                      <p:to>
+                                        <p:strVal val="visible"/>
+                                      </p:to>
+                                    </p:set>
+                                    <p:anim calcmode="lin" valueType="num">
+                                      <p:cBhvr additive="base">
+                                        <p:cTn id="37" dur="500" fill="hold"/>
+                                        <p:tgtEl>
+                                          <p:spTgt spid="8"/>
+                                        </p:tgtEl>
+                                        <p:attrNameLst>
+                                          <p:attrName>ppt_x</p:attrName>
+                                        </p:attrNameLst>
+                                      </p:cBhvr>
+                                      <p:tavLst>
+                                        <p:tav tm="0">
+                                          <p:val>
+                                            <p:strVal val="#ppt_x"/>
+                                          </p:val>
+                                        </p:tav>
+                                        <p:tav tm="100000">
+                                          <p:val>
+                                            <p:strVal val="#ppt_x"/>
+                                          </p:val>
+                                        </p:tav>
+                                      </p:tavLst>
+                                    </p:anim>
+                                    <p:anim calcmode="lin" valueType="num">
+                                      <p:cBhvr additive="base">
+                                        <p:cTn id="38" dur="500" fill="hold"/>
+                                        <p:tgtEl>
+                                          <p:spTgt spid="8"/>
+                                        </p:tgtEl>
+                                        <p:attrNameLst>
+                                          <p:attrName>ppt_y</p:attrName>
+                                        </p:attrNameLst>
+                                      </p:cBhvr>
+                                      <p:tavLst>
+                                        <p:tav tm="0">
+                                          <p:val>
+                                            <p:strVal val="1+#ppt_h/2"/>
+                                          </p:val>
+                                        </p:tav>
+                                        <p:tav tm="100000">
+                                          <p:val>
+                                            <p:strVal val="#ppt_y"/>
+                                          </p:val>
+                                        </p:tav>
+                                      </p:tavLst>
+                                    </p:anim>
+                                  </p:childTnLst>
+                                </p:cTn>
+                              </p:par>
+                            </p:childTnLst>
+                          </p:cTn>
+                        </p:par>
+                      </p:childTnLst>
+                    </p:cTn>
+                  </p:par>
+                  <p:par>
+                    <p:cTn id="39" fill="hold">
+                      <p:stCondLst>
+                        <p:cond delay="indefinite"/>
+                      </p:stCondLst>
+                      <p:childTnLst>
+                        <p:par>
+                          <p:cTn id="40" fill="hold">
+                            <p:stCondLst>
+                              <p:cond delay="0"/>
+                            </p:stCondLst>
+                            <p:childTnLst>
+                              <p:par>
+                                <p:cTn id="41" presetID="2" presetClass="entr" presetSubtype="4" fill="hold" nodeType="clickEffect">
+                                  <p:stCondLst>
+                                    <p:cond delay="0"/>
+                                  </p:stCondLst>
+                                  <p:childTnLst>
+                                    <p:set>
+                                      <p:cBhvr>
+                                        <p:cTn id="42" dur="1" fill="hold">
+                                          <p:stCondLst>
+                                            <p:cond delay="0"/>
+                                          </p:stCondLst>
+                                        </p:cTn>
+                                        <p:tgtEl>
+                                          <p:spTgt spid="10"/>
+                                        </p:tgtEl>
+                                        <p:attrNameLst>
+                                          <p:attrName>style.visibility</p:attrName>
+                                        </p:attrNameLst>
+                                      </p:cBhvr>
+                                      <p:to>
+                                        <p:strVal val="visible"/>
+                                      </p:to>
+                                    </p:set>
+                                    <p:anim calcmode="lin" valueType="num">
+                                      <p:cBhvr additive="base">
+                                        <p:cTn id="43" dur="500" fill="hold"/>
+                                        <p:tgtEl>
+                                          <p:spTgt spid="10"/>
+                                        </p:tgtEl>
+                                        <p:attrNameLst>
+                                          <p:attrName>ppt_x</p:attrName>
+                                        </p:attrNameLst>
+                                      </p:cBhvr>
+                                      <p:tavLst>
+                                        <p:tav tm="0">
+                                          <p:val>
+                                            <p:strVal val="#ppt_x"/>
+                                          </p:val>
+                                        </p:tav>
+                                        <p:tav tm="100000">
+                                          <p:val>
+                                            <p:strVal val="#ppt_x"/>
+                                          </p:val>
+                                        </p:tav>
+                                      </p:tavLst>
+                                    </p:anim>
+                                    <p:anim calcmode="lin" valueType="num">
+                                      <p:cBhvr additive="base">
+                                        <p:cTn id="44" dur="500" fill="hold"/>
+                                        <p:tgtEl>
+                                          <p:spTgt spid="10"/>
                                         </p:tgtEl>
                                         <p:attrNameLst>
                                           <p:attrName>ppt_y</p:attrName>
@@ -14683,13 +20556,14 @@
     <p:bldLst>
       <p:bldP spid="22" grpId="0" bldLvl="0" animBg="1"/>
       <p:bldP spid="2" grpId="0"/>
+      <p:bldP spid="3" grpId="0"/>
     </p:bldLst>
   </p:timing>
 </p:sld>
 </file>
 
 <file path=ppt/tags/tag1.xml><?xml version="1.0" encoding="utf-8"?>
-<p:tagLst xmlns:p="http://schemas.openxmlformats.org/presentationml/2006/main">
+<p:tagLst xmlns:a="http://schemas.openxmlformats.org/drawingml/2006/main" xmlns:r="http://schemas.openxmlformats.org/officeDocument/2006/relationships" xmlns:p="http://schemas.openxmlformats.org/presentationml/2006/main">
   <p:tag name="MH" val="20161022203851"/>
   <p:tag name="MH_LIBRARY" val="GRAPHIC"/>
   <p:tag name="MH_TYPE" val="SubTitle"/>
@@ -14698,7 +20572,7 @@
 </file>
 
 <file path=ppt/tags/tag10.xml><?xml version="1.0" encoding="utf-8"?>
-<p:tagLst xmlns:p="http://schemas.openxmlformats.org/presentationml/2006/main">
+<p:tagLst xmlns:a="http://schemas.openxmlformats.org/drawingml/2006/main" xmlns:r="http://schemas.openxmlformats.org/officeDocument/2006/relationships" xmlns:p="http://schemas.openxmlformats.org/presentationml/2006/main">
   <p:tag name="MH" val="20160830110146"/>
   <p:tag name="MH_LIBRARY" val="CONTENTS"/>
   <p:tag name="MH_TYPE" val="OTHERS"/>
@@ -14707,7 +20581,7 @@
 </file>
 
 <file path=ppt/tags/tag2.xml><?xml version="1.0" encoding="utf-8"?>
-<p:tagLst xmlns:p="http://schemas.openxmlformats.org/presentationml/2006/main">
+<p:tagLst xmlns:a="http://schemas.openxmlformats.org/drawingml/2006/main" xmlns:r="http://schemas.openxmlformats.org/officeDocument/2006/relationships" xmlns:p="http://schemas.openxmlformats.org/presentationml/2006/main">
   <p:tag name="MH" val="20161022203851"/>
   <p:tag name="MH_LIBRARY" val="GRAPHIC"/>
   <p:tag name="MH_TYPE" val="Other"/>
@@ -14716,7 +20590,7 @@
 </file>
 
 <file path=ppt/tags/tag3.xml><?xml version="1.0" encoding="utf-8"?>
-<p:tagLst xmlns:p="http://schemas.openxmlformats.org/presentationml/2006/main">
+<p:tagLst xmlns:a="http://schemas.openxmlformats.org/drawingml/2006/main" xmlns:r="http://schemas.openxmlformats.org/officeDocument/2006/relationships" xmlns:p="http://schemas.openxmlformats.org/presentationml/2006/main">
   <p:tag name="MH" val="20161022203851"/>
   <p:tag name="MH_LIBRARY" val="GRAPHIC"/>
   <p:tag name="MH_TYPE" val="SubTitle"/>
@@ -14725,7 +20599,7 @@
 </file>
 
 <file path=ppt/tags/tag4.xml><?xml version="1.0" encoding="utf-8"?>
-<p:tagLst xmlns:p="http://schemas.openxmlformats.org/presentationml/2006/main">
+<p:tagLst xmlns:a="http://schemas.openxmlformats.org/drawingml/2006/main" xmlns:r="http://schemas.openxmlformats.org/officeDocument/2006/relationships" xmlns:p="http://schemas.openxmlformats.org/presentationml/2006/main">
   <p:tag name="MH" val="20161022203851"/>
   <p:tag name="MH_LIBRARY" val="GRAPHIC"/>
   <p:tag name="MH_TYPE" val="Other"/>
@@ -14734,7 +20608,7 @@
 </file>
 
 <file path=ppt/tags/tag5.xml><?xml version="1.0" encoding="utf-8"?>
-<p:tagLst xmlns:p="http://schemas.openxmlformats.org/presentationml/2006/main">
+<p:tagLst xmlns:a="http://schemas.openxmlformats.org/drawingml/2006/main" xmlns:r="http://schemas.openxmlformats.org/officeDocument/2006/relationships" xmlns:p="http://schemas.openxmlformats.org/presentationml/2006/main">
   <p:tag name="MH" val="20161022203851"/>
   <p:tag name="MH_LIBRARY" val="GRAPHIC"/>
   <p:tag name="MH_TYPE" val="SubTitle"/>
@@ -14743,7 +20617,7 @@
 </file>
 
 <file path=ppt/tags/tag6.xml><?xml version="1.0" encoding="utf-8"?>
-<p:tagLst xmlns:p="http://schemas.openxmlformats.org/presentationml/2006/main">
+<p:tagLst xmlns:a="http://schemas.openxmlformats.org/drawingml/2006/main" xmlns:r="http://schemas.openxmlformats.org/officeDocument/2006/relationships" xmlns:p="http://schemas.openxmlformats.org/presentationml/2006/main">
   <p:tag name="MH" val="20161022203851"/>
   <p:tag name="MH_LIBRARY" val="GRAPHIC"/>
   <p:tag name="MH_TYPE" val="Other"/>
@@ -14752,7 +20626,7 @@
 </file>
 
 <file path=ppt/tags/tag7.xml><?xml version="1.0" encoding="utf-8"?>
-<p:tagLst xmlns:p="http://schemas.openxmlformats.org/presentationml/2006/main">
+<p:tagLst xmlns:a="http://schemas.openxmlformats.org/drawingml/2006/main" xmlns:r="http://schemas.openxmlformats.org/officeDocument/2006/relationships" xmlns:p="http://schemas.openxmlformats.org/presentationml/2006/main">
   <p:tag name="MH" val="20161022203851"/>
   <p:tag name="MH_LIBRARY" val="GRAPHIC"/>
   <p:tag name="MH_TYPE" val="SubTitle"/>
@@ -14761,7 +20635,7 @@
 </file>
 
 <file path=ppt/tags/tag8.xml><?xml version="1.0" encoding="utf-8"?>
-<p:tagLst xmlns:p="http://schemas.openxmlformats.org/presentationml/2006/main">
+<p:tagLst xmlns:a="http://schemas.openxmlformats.org/drawingml/2006/main" xmlns:r="http://schemas.openxmlformats.org/officeDocument/2006/relationships" xmlns:p="http://schemas.openxmlformats.org/presentationml/2006/main">
   <p:tag name="MH" val="20161022203851"/>
   <p:tag name="MH_LIBRARY" val="GRAPHIC"/>
   <p:tag name="MH_TYPE" val="Other"/>
@@ -14770,7 +20644,7 @@
 </file>
 
 <file path=ppt/tags/tag9.xml><?xml version="1.0" encoding="utf-8"?>
-<p:tagLst xmlns:p="http://schemas.openxmlformats.org/presentationml/2006/main">
+<p:tagLst xmlns:a="http://schemas.openxmlformats.org/drawingml/2006/main" xmlns:r="http://schemas.openxmlformats.org/officeDocument/2006/relationships" xmlns:p="http://schemas.openxmlformats.org/presentationml/2006/main">
   <p:tag name="MH" val="20160830110146"/>
   <p:tag name="MH_LIBRARY" val="CONTENTS"/>
   <p:tag name="MH_TYPE" val="OTHERS"/>
@@ -15029,9 +20903,11 @@
       </a:bgFillStyleLst>
     </a:fmtScheme>
   </a:themeElements>
+  <a:objectDefaults/>
+  <a:extraClrSchemeLst/>
   <a:extLst>
     <a:ext uri="{05A4C25C-085E-4340-85A3-A5531E510DB2}">
-      <thm15:themeFamily xmlns:thm15="http://schemas.microsoft.com/office/thememl/2012/main" name="Office Theme" id="{62F939B6-93AF-4DB8-9C6B-D6C7DFDC589F}" vid="{4A3C46E8-61CC-4603-A589-7422A47A8E4A}"/>
+      <thm15:themeFamily xmlns:thm15="http://schemas.microsoft.com/office/thememl/2012/main" xmlns="" name="Office Theme" id="{62F939B6-93AF-4DB8-9C6B-D6C7DFDC589F}" vid="{4A3C46E8-61CC-4603-A589-7422A47A8E4A}"/>
     </a:ext>
   </a:extLst>
 </a:theme>
@@ -15288,9 +21164,11 @@
       </a:bgFillStyleLst>
     </a:fmtScheme>
   </a:themeElements>
+  <a:objectDefaults/>
+  <a:extraClrSchemeLst/>
   <a:extLst>
     <a:ext uri="{05A4C25C-085E-4340-85A3-A5531E510DB2}">
-      <thm15:themeFamily xmlns:thm15="http://schemas.microsoft.com/office/thememl/2012/main" name="Office Theme" id="{62F939B6-93AF-4DB8-9C6B-D6C7DFDC589F}" vid="{4A3C46E8-61CC-4603-A589-7422A47A8E4A}"/>
+      <thm15:themeFamily xmlns:thm15="http://schemas.microsoft.com/office/thememl/2012/main" xmlns="" name="Office Theme" id="{62F939B6-93AF-4DB8-9C6B-D6C7DFDC589F}" vid="{4A3C46E8-61CC-4603-A589-7422A47A8E4A}"/>
     </a:ext>
   </a:extLst>
 </a:theme>
